--- a/Week7/Week7.pptx
+++ b/Week7/Week7.pptx
@@ -16,16 +16,8 @@
     <p:sldId id="298" r:id="rId10"/>
     <p:sldId id="299" r:id="rId11"/>
     <p:sldId id="300" r:id="rId12"/>
-    <p:sldId id="284" r:id="rId13"/>
-    <p:sldId id="290" r:id="rId14"/>
-    <p:sldId id="289" r:id="rId15"/>
-    <p:sldId id="291" r:id="rId16"/>
-    <p:sldId id="292" r:id="rId17"/>
-    <p:sldId id="293" r:id="rId18"/>
-    <p:sldId id="294" r:id="rId19"/>
-    <p:sldId id="295" r:id="rId20"/>
-    <p:sldId id="281" r:id="rId21"/>
-    <p:sldId id="277" r:id="rId22"/>
+    <p:sldId id="281" r:id="rId13"/>
+    <p:sldId id="277" r:id="rId14"/>
   </p:sldIdLst>
   <p:sldSz cx="4610100" cy="3460750"/>
   <p:notesSz cx="4610100" cy="3460750"/>
@@ -4782,488 +4774,206 @@
             </a:pPr>
             <a:r>
               <a:rPr lang="en-US" spc="-30" dirty="0"/>
-              <a:t>3</a:t>
-            </a:r>
-            <a:r>
-              <a:rPr spc="-30" dirty="0"/>
-              <a:t>.1</a:t>
-            </a:r>
-            <a:r>
-              <a:rPr spc="-45" dirty="0"/>
-              <a:t> </a:t>
-            </a:r>
-            <a:r>
-              <a:rPr lang="en-US" spc="-45" dirty="0"/>
-              <a:t>Port</a:t>
+              <a:t>Conclusion</a:t>
             </a:r>
             <a:endParaRPr spc="-20" dirty="0"/>
           </a:p>
         </p:txBody>
       </p:sp>
-      <p:pic>
-        <p:nvPicPr>
-          <p:cNvPr id="4" name="Picture 3">
-            <a:extLst>
-              <a:ext uri="{FF2B5EF4-FFF2-40B4-BE49-F238E27FC236}">
-                <a16:creationId xmlns:a16="http://schemas.microsoft.com/office/drawing/2014/main" id="{F2B06FA1-935F-4878-83C8-A43164BF397B}"/>
-              </a:ext>
-            </a:extLst>
-          </p:cNvPr>
-          <p:cNvPicPr>
-            <a:picLocks noChangeAspect="1"/>
-          </p:cNvPicPr>
-          <p:nvPr/>
-        </p:nvPicPr>
-        <p:blipFill>
-          <a:blip r:embed="rId2"/>
-          <a:stretch>
-            <a:fillRect/>
-          </a:stretch>
-        </p:blipFill>
+      <p:sp>
+        <p:nvSpPr>
+          <p:cNvPr id="3" name="object 3"/>
+          <p:cNvSpPr txBox="1">
+            <a:spLocks noGrp="1"/>
+          </p:cNvSpPr>
+          <p:nvPr>
+            <p:ph type="body" idx="1"/>
+          </p:nvPr>
+        </p:nvSpPr>
         <p:spPr>
           <a:xfrm>
-            <a:off x="0" y="511175"/>
-            <a:ext cx="4610100" cy="1768257"/>
+            <a:off x="321894" y="866556"/>
+            <a:ext cx="3659504" cy="670439"/>
           </a:xfrm>
           <a:prstGeom prst="rect">
             <a:avLst/>
           </a:prstGeom>
         </p:spPr>
-      </p:pic>
-      <p:sp>
-        <p:nvSpPr>
-          <p:cNvPr id="9" name="TextBox 8">
-            <a:extLst>
-              <a:ext uri="{FF2B5EF4-FFF2-40B4-BE49-F238E27FC236}">
-                <a16:creationId xmlns:a16="http://schemas.microsoft.com/office/drawing/2014/main" id="{8EAA7C37-D19A-4908-B330-A24F34A56937}"/>
-              </a:ext>
-            </a:extLst>
-          </p:cNvPr>
-          <p:cNvSpPr txBox="1"/>
-          <p:nvPr/>
-        </p:nvSpPr>
-        <p:spPr>
-          <a:xfrm>
-            <a:off x="21508" y="2416175"/>
-            <a:ext cx="4798142" cy="769441"/>
-          </a:xfrm>
-          <a:prstGeom prst="rect">
-            <a:avLst/>
-          </a:prstGeom>
-          <a:noFill/>
-        </p:spPr>
-        <p:txBody>
-          <a:bodyPr wrap="square">
+        <p:txBody>
+          <a:bodyPr vert="horz" wrap="square" lIns="0" tIns="55244" rIns="0" bIns="0" rtlCol="0">
             <a:spAutoFit/>
           </a:bodyPr>
           <a:lstStyle/>
           <a:p>
-            <a:pPr marL="171450" indent="-171450" algn="l">
-              <a:buFont typeface="Arial" panose="020B0604020202020204" pitchFamily="34" charset="0"/>
-              <a:buChar char="•"/>
+            <a:pPr marL="38100" marR="575945">
+              <a:lnSpc>
+                <a:spcPct val="125299"/>
+              </a:lnSpc>
+              <a:buClr>
+                <a:srgbClr val="FF0000"/>
+              </a:buClr>
+              <a:tabLst>
+                <a:tab pos="314960" algn="l"/>
+              </a:tabLst>
             </a:pPr>
-            <a:r>
-              <a:rPr lang="en-US" sz="1100" b="0" i="0" u="none" strike="noStrike" baseline="0" dirty="0" err="1">
+            <a:endParaRPr lang="en-US" dirty="0"/>
+          </a:p>
+          <a:p>
+            <a:pPr marL="0" marR="0" lvl="0" indent="0" algn="l" defTabSz="914400" eaLnBrk="1" fontAlgn="auto" latinLnBrk="0" hangingPunct="1">
+              <a:lnSpc>
+                <a:spcPct val="100000"/>
+              </a:lnSpc>
+              <a:spcBef>
+                <a:spcPts val="0"/>
+              </a:spcBef>
+              <a:spcAft>
+                <a:spcPts val="0"/>
+              </a:spcAft>
+              <a:buClrTx/>
+              <a:buSzTx/>
+              <a:buFontTx/>
+              <a:buNone/>
+              <a:tabLst/>
+              <a:defRPr/>
+            </a:pPr>
+            <a:r>
+              <a:rPr kumimoji="0" lang="en-US" sz="1400" b="0" i="0" u="none" strike="noStrike" kern="0" cap="none" spc="0" normalizeH="0" baseline="0" noProof="0" dirty="0">
+                <a:ln>
+                  <a:noFill/>
+                </a:ln>
+                <a:solidFill>
+                  <a:sysClr val="windowText" lastClr="000000"/>
+                </a:solidFill>
+                <a:effectLst/>
+                <a:uLnTx/>
+                <a:uFillTx/>
                 <a:latin typeface="Tahoma" panose="020B0604030504040204" pitchFamily="34" charset="0"/>
                 <a:ea typeface="Tahoma" panose="020B0604030504040204" pitchFamily="34" charset="0"/>
                 <a:cs typeface="Tahoma" panose="020B0604030504040204" pitchFamily="34" charset="0"/>
               </a:rPr>
-              <a:t>Sử</a:t>
-            </a:r>
-            <a:r>
-              <a:rPr lang="en-US" sz="1100" b="0" i="0" u="none" strike="noStrike" baseline="0" dirty="0">
+              <a:t>Link </a:t>
+            </a:r>
+            <a:r>
+              <a:rPr kumimoji="0" lang="en-US" sz="1400" b="0" i="0" u="none" strike="noStrike" kern="0" cap="none" spc="0" normalizeH="0" baseline="0" noProof="0" dirty="0" err="1">
+                <a:ln>
+                  <a:noFill/>
+                </a:ln>
+                <a:solidFill>
+                  <a:sysClr val="windowText" lastClr="000000"/>
+                </a:solidFill>
+                <a:effectLst/>
+                <a:uLnTx/>
+                <a:uFillTx/>
                 <a:latin typeface="Tahoma" panose="020B0604030504040204" pitchFamily="34" charset="0"/>
                 <a:ea typeface="Tahoma" panose="020B0604030504040204" pitchFamily="34" charset="0"/>
                 <a:cs typeface="Tahoma" panose="020B0604030504040204" pitchFamily="34" charset="0"/>
               </a:rPr>
-              <a:t> </a:t>
-            </a:r>
-            <a:r>
-              <a:rPr lang="en-US" sz="1100" b="0" i="0" u="none" strike="noStrike" baseline="0" dirty="0" err="1">
+              <a:t>mã</a:t>
+            </a:r>
+            <a:r>
+              <a:rPr kumimoji="0" lang="en-US" sz="1400" b="0" i="0" u="none" strike="noStrike" kern="0" cap="none" spc="0" normalizeH="0" baseline="0" noProof="0" dirty="0">
+                <a:ln>
+                  <a:noFill/>
+                </a:ln>
+                <a:solidFill>
+                  <a:sysClr val="windowText" lastClr="000000"/>
+                </a:solidFill>
+                <a:effectLst/>
+                <a:uLnTx/>
+                <a:uFillTx/>
                 <a:latin typeface="Tahoma" panose="020B0604030504040204" pitchFamily="34" charset="0"/>
                 <a:ea typeface="Tahoma" panose="020B0604030504040204" pitchFamily="34" charset="0"/>
                 <a:cs typeface="Tahoma" panose="020B0604030504040204" pitchFamily="34" charset="0"/>
               </a:rPr>
-              <a:t>dụng</a:t>
-            </a:r>
-            <a:r>
-              <a:rPr lang="en-US" sz="1100" b="0" i="0" u="none" strike="noStrike" baseline="0" dirty="0">
+              <a:t> </a:t>
+            </a:r>
+            <a:r>
+              <a:rPr kumimoji="0" lang="en-US" sz="1400" b="0" i="0" u="none" strike="noStrike" kern="0" cap="none" spc="0" normalizeH="0" baseline="0" noProof="0" dirty="0" err="1">
+                <a:ln>
+                  <a:noFill/>
+                </a:ln>
+                <a:solidFill>
+                  <a:sysClr val="windowText" lastClr="000000"/>
+                </a:solidFill>
+                <a:effectLst/>
+                <a:uLnTx/>
+                <a:uFillTx/>
                 <a:latin typeface="Tahoma" panose="020B0604030504040204" pitchFamily="34" charset="0"/>
                 <a:ea typeface="Tahoma" panose="020B0604030504040204" pitchFamily="34" charset="0"/>
                 <a:cs typeface="Tahoma" panose="020B0604030504040204" pitchFamily="34" charset="0"/>
               </a:rPr>
-              <a:t> </a:t>
-            </a:r>
-            <a:r>
-              <a:rPr lang="en-US" sz="1100" b="0" i="0" u="none" strike="noStrike" baseline="0" dirty="0" err="1">
+              <a:t>nguồn</a:t>
+            </a:r>
+            <a:r>
+              <a:rPr kumimoji="0" lang="en-US" sz="1400" b="0" i="0" u="none" strike="noStrike" kern="0" cap="none" spc="0" normalizeH="0" baseline="0" noProof="0" dirty="0">
+                <a:ln>
+                  <a:noFill/>
+                </a:ln>
+                <a:solidFill>
+                  <a:sysClr val="windowText" lastClr="000000"/>
+                </a:solidFill>
+                <a:effectLst/>
+                <a:uLnTx/>
+                <a:uFillTx/>
                 <a:latin typeface="Tahoma" panose="020B0604030504040204" pitchFamily="34" charset="0"/>
                 <a:ea typeface="Tahoma" panose="020B0604030504040204" pitchFamily="34" charset="0"/>
                 <a:cs typeface="Tahoma" panose="020B0604030504040204" pitchFamily="34" charset="0"/>
               </a:rPr>
-              <a:t>tokio</a:t>
-            </a:r>
-            <a:r>
-              <a:rPr lang="en-US" sz="1100" b="0" i="0" u="none" strike="noStrike" baseline="0" dirty="0">
+              <a:t> ở: </a:t>
+            </a:r>
+            <a:r>
+              <a:rPr kumimoji="0" lang="en-US" sz="1400" b="0" i="0" u="none" strike="noStrike" kern="0" cap="none" spc="0" normalizeH="0" baseline="0" noProof="0" dirty="0">
+                <a:ln>
+                  <a:noFill/>
+                </a:ln>
+                <a:solidFill>
+                  <a:sysClr val="windowText" lastClr="000000"/>
+                </a:solidFill>
+                <a:effectLst/>
+                <a:uLnTx/>
+                <a:uFillTx/>
                 <a:latin typeface="Tahoma" panose="020B0604030504040204" pitchFamily="34" charset="0"/>
                 <a:ea typeface="Tahoma" panose="020B0604030504040204" pitchFamily="34" charset="0"/>
                 <a:cs typeface="Tahoma" panose="020B0604030504040204" pitchFamily="34" charset="0"/>
-              </a:rPr>
-              <a:t>::net::</a:t>
-            </a:r>
-            <a:r>
-              <a:rPr lang="en-US" sz="1100" b="0" i="0" u="none" strike="noStrike" baseline="0" dirty="0" err="1">
-                <a:latin typeface="Tahoma" panose="020B0604030504040204" pitchFamily="34" charset="0"/>
-                <a:ea typeface="Tahoma" panose="020B0604030504040204" pitchFamily="34" charset="0"/>
-                <a:cs typeface="Tahoma" panose="020B0604030504040204" pitchFamily="34" charset="0"/>
-              </a:rPr>
-              <a:t>TcpStream</a:t>
-            </a:r>
-            <a:r>
-              <a:rPr lang="en-US" sz="1100" b="0" i="0" u="none" strike="noStrike" baseline="0" dirty="0">
-                <a:latin typeface="Tahoma" panose="020B0604030504040204" pitchFamily="34" charset="0"/>
-                <a:ea typeface="Tahoma" panose="020B0604030504040204" pitchFamily="34" charset="0"/>
-                <a:cs typeface="Tahoma" panose="020B0604030504040204" pitchFamily="34" charset="0"/>
-              </a:rPr>
-              <a:t>::connect() </a:t>
-            </a:r>
-            <a:r>
-              <a:rPr lang="en-US" sz="1100" b="0" i="0" u="none" strike="noStrike" baseline="0" dirty="0" err="1">
-                <a:latin typeface="Tahoma" panose="020B0604030504040204" pitchFamily="34" charset="0"/>
-                <a:ea typeface="Tahoma" panose="020B0604030504040204" pitchFamily="34" charset="0"/>
-                <a:cs typeface="Tahoma" panose="020B0604030504040204" pitchFamily="34" charset="0"/>
-              </a:rPr>
-              <a:t>cho</a:t>
-            </a:r>
-            <a:r>
-              <a:rPr lang="en-US" sz="1100" b="0" i="0" u="none" strike="noStrike" baseline="0" dirty="0">
-                <a:latin typeface="Tahoma" panose="020B0604030504040204" pitchFamily="34" charset="0"/>
-                <a:ea typeface="Tahoma" panose="020B0604030504040204" pitchFamily="34" charset="0"/>
-                <a:cs typeface="Tahoma" panose="020B0604030504040204" pitchFamily="34" charset="0"/>
-              </a:rPr>
-              <a:t> TCP connection (non-blocking).</a:t>
-            </a:r>
-          </a:p>
-          <a:p>
-            <a:pPr algn="l"/>
-            <a:r>
-              <a:rPr lang="en-US" sz="1100" b="0" i="0" u="none" strike="noStrike" baseline="0" dirty="0">
-                <a:latin typeface="Tahoma" panose="020B0604030504040204" pitchFamily="34" charset="0"/>
-                <a:ea typeface="Tahoma" panose="020B0604030504040204" pitchFamily="34" charset="0"/>
-                <a:cs typeface="Tahoma" panose="020B0604030504040204" pitchFamily="34" charset="0"/>
-              </a:rPr>
-              <a:t>• </a:t>
-            </a:r>
-            <a:r>
-              <a:rPr lang="en-US" sz="1100" b="0" i="0" u="none" strike="noStrike" baseline="0" dirty="0" err="1">
-                <a:latin typeface="Tahoma" panose="020B0604030504040204" pitchFamily="34" charset="0"/>
-                <a:ea typeface="Tahoma" panose="020B0604030504040204" pitchFamily="34" charset="0"/>
-                <a:cs typeface="Tahoma" panose="020B0604030504040204" pitchFamily="34" charset="0"/>
-              </a:rPr>
-              <a:t>Sử</a:t>
-            </a:r>
-            <a:r>
-              <a:rPr lang="en-US" sz="1100" b="0" i="0" u="none" strike="noStrike" baseline="0" dirty="0">
-                <a:latin typeface="Tahoma" panose="020B0604030504040204" pitchFamily="34" charset="0"/>
-                <a:ea typeface="Tahoma" panose="020B0604030504040204" pitchFamily="34" charset="0"/>
-                <a:cs typeface="Tahoma" panose="020B0604030504040204" pitchFamily="34" charset="0"/>
-              </a:rPr>
-              <a:t> </a:t>
-            </a:r>
-            <a:r>
-              <a:rPr lang="en-US" sz="1100" b="0" i="0" u="none" strike="noStrike" baseline="0" dirty="0" err="1">
-                <a:latin typeface="Tahoma" panose="020B0604030504040204" pitchFamily="34" charset="0"/>
-                <a:ea typeface="Tahoma" panose="020B0604030504040204" pitchFamily="34" charset="0"/>
-                <a:cs typeface="Tahoma" panose="020B0604030504040204" pitchFamily="34" charset="0"/>
-              </a:rPr>
-              <a:t>dụng</a:t>
-            </a:r>
-            <a:r>
-              <a:rPr lang="en-US" sz="1100" b="0" i="0" u="none" strike="noStrike" baseline="0" dirty="0">
-                <a:latin typeface="Tahoma" panose="020B0604030504040204" pitchFamily="34" charset="0"/>
-                <a:ea typeface="Tahoma" panose="020B0604030504040204" pitchFamily="34" charset="0"/>
-                <a:cs typeface="Tahoma" panose="020B0604030504040204" pitchFamily="34" charset="0"/>
-              </a:rPr>
-              <a:t> </a:t>
-            </a:r>
-            <a:r>
-              <a:rPr lang="en-US" sz="1100" b="0" i="0" u="none" strike="noStrike" baseline="0" dirty="0" err="1">
-                <a:latin typeface="Tahoma" panose="020B0604030504040204" pitchFamily="34" charset="0"/>
-                <a:ea typeface="Tahoma" panose="020B0604030504040204" pitchFamily="34" charset="0"/>
-                <a:cs typeface="Tahoma" panose="020B0604030504040204" pitchFamily="34" charset="0"/>
-              </a:rPr>
-              <a:t>tokio</a:t>
-            </a:r>
-            <a:r>
-              <a:rPr lang="en-US" sz="1100" b="0" i="0" u="none" strike="noStrike" baseline="0" dirty="0">
-                <a:latin typeface="Tahoma" panose="020B0604030504040204" pitchFamily="34" charset="0"/>
-                <a:ea typeface="Tahoma" panose="020B0604030504040204" pitchFamily="34" charset="0"/>
-                <a:cs typeface="Tahoma" panose="020B0604030504040204" pitchFamily="34" charset="0"/>
-              </a:rPr>
-              <a:t>::time::timeout() </a:t>
-            </a:r>
-            <a:r>
-              <a:rPr lang="en-US" sz="1100" b="0" i="0" u="none" strike="noStrike" baseline="0" dirty="0" err="1">
-                <a:latin typeface="Tahoma" panose="020B0604030504040204" pitchFamily="34" charset="0"/>
-                <a:ea typeface="Tahoma" panose="020B0604030504040204" pitchFamily="34" charset="0"/>
-                <a:cs typeface="Tahoma" panose="020B0604030504040204" pitchFamily="34" charset="0"/>
-              </a:rPr>
-              <a:t>để</a:t>
-            </a:r>
-            <a:r>
-              <a:rPr lang="en-US" sz="1100" b="0" i="0" u="none" strike="noStrike" baseline="0" dirty="0">
-                <a:latin typeface="Tahoma" panose="020B0604030504040204" pitchFamily="34" charset="0"/>
-                <a:ea typeface="Tahoma" panose="020B0604030504040204" pitchFamily="34" charset="0"/>
-                <a:cs typeface="Tahoma" panose="020B0604030504040204" pitchFamily="34" charset="0"/>
-              </a:rPr>
-              <a:t> </a:t>
-            </a:r>
-            <a:r>
-              <a:rPr lang="en-US" sz="1100" b="0" i="0" u="none" strike="noStrike" baseline="0" dirty="0" err="1">
-                <a:latin typeface="Tahoma" panose="020B0604030504040204" pitchFamily="34" charset="0"/>
-                <a:ea typeface="Tahoma" panose="020B0604030504040204" pitchFamily="34" charset="0"/>
-                <a:cs typeface="Tahoma" panose="020B0604030504040204" pitchFamily="34" charset="0"/>
-              </a:rPr>
-              <a:t>giới</a:t>
-            </a:r>
-            <a:r>
-              <a:rPr lang="en-US" sz="1100" b="0" i="0" u="none" strike="noStrike" baseline="0" dirty="0">
-                <a:latin typeface="Tahoma" panose="020B0604030504040204" pitchFamily="34" charset="0"/>
-                <a:ea typeface="Tahoma" panose="020B0604030504040204" pitchFamily="34" charset="0"/>
-                <a:cs typeface="Tahoma" panose="020B0604030504040204" pitchFamily="34" charset="0"/>
-              </a:rPr>
-              <a:t> </a:t>
-            </a:r>
-            <a:r>
-              <a:rPr lang="en-US" sz="1100" b="0" i="0" u="none" strike="noStrike" baseline="0" dirty="0" err="1">
-                <a:latin typeface="Tahoma" panose="020B0604030504040204" pitchFamily="34" charset="0"/>
-                <a:ea typeface="Tahoma" panose="020B0604030504040204" pitchFamily="34" charset="0"/>
-                <a:cs typeface="Tahoma" panose="020B0604030504040204" pitchFamily="34" charset="0"/>
-              </a:rPr>
-              <a:t>hạn</a:t>
-            </a:r>
-            <a:r>
-              <a:rPr lang="en-US" sz="1100" b="0" i="0" u="none" strike="noStrike" baseline="0" dirty="0">
-                <a:latin typeface="Tahoma" panose="020B0604030504040204" pitchFamily="34" charset="0"/>
-                <a:ea typeface="Tahoma" panose="020B0604030504040204" pitchFamily="34" charset="0"/>
-                <a:cs typeface="Tahoma" panose="020B0604030504040204" pitchFamily="34" charset="0"/>
-              </a:rPr>
-              <a:t> </a:t>
-            </a:r>
-            <a:r>
-              <a:rPr lang="en-US" sz="1100" b="0" i="0" u="none" strike="noStrike" baseline="0" dirty="0" err="1">
-                <a:latin typeface="Tahoma" panose="020B0604030504040204" pitchFamily="34" charset="0"/>
-                <a:ea typeface="Tahoma" panose="020B0604030504040204" pitchFamily="34" charset="0"/>
-                <a:cs typeface="Tahoma" panose="020B0604030504040204" pitchFamily="34" charset="0"/>
-              </a:rPr>
-              <a:t>thời</a:t>
-            </a:r>
-            <a:r>
-              <a:rPr lang="en-US" sz="1100" b="0" i="0" u="none" strike="noStrike" baseline="0" dirty="0">
-                <a:latin typeface="Tahoma" panose="020B0604030504040204" pitchFamily="34" charset="0"/>
-                <a:ea typeface="Tahoma" panose="020B0604030504040204" pitchFamily="34" charset="0"/>
-                <a:cs typeface="Tahoma" panose="020B0604030504040204" pitchFamily="34" charset="0"/>
-              </a:rPr>
-              <a:t> </a:t>
-            </a:r>
-            <a:r>
-              <a:rPr lang="en-US" sz="1100" b="0" i="0" u="none" strike="noStrike" baseline="0" dirty="0" err="1">
-                <a:latin typeface="Tahoma" panose="020B0604030504040204" pitchFamily="34" charset="0"/>
-                <a:ea typeface="Tahoma" panose="020B0604030504040204" pitchFamily="34" charset="0"/>
-                <a:cs typeface="Tahoma" panose="020B0604030504040204" pitchFamily="34" charset="0"/>
-              </a:rPr>
-              <a:t>gian</a:t>
-            </a:r>
-            <a:r>
-              <a:rPr lang="en-US" sz="1100" b="0" i="0" u="none" strike="noStrike" baseline="0" dirty="0">
-                <a:latin typeface="Tahoma" panose="020B0604030504040204" pitchFamily="34" charset="0"/>
-                <a:ea typeface="Tahoma" panose="020B0604030504040204" pitchFamily="34" charset="0"/>
-                <a:cs typeface="Tahoma" panose="020B0604030504040204" pitchFamily="34" charset="0"/>
-              </a:rPr>
-              <a:t> </a:t>
-            </a:r>
-            <a:r>
-              <a:rPr lang="en-US" sz="1100" b="0" i="0" u="none" strike="noStrike" baseline="0" dirty="0" err="1">
-                <a:latin typeface="Tahoma" panose="020B0604030504040204" pitchFamily="34" charset="0"/>
-                <a:ea typeface="Tahoma" panose="020B0604030504040204" pitchFamily="34" charset="0"/>
-                <a:cs typeface="Tahoma" panose="020B0604030504040204" pitchFamily="34" charset="0"/>
-              </a:rPr>
-              <a:t>chờ</a:t>
-            </a:r>
-            <a:r>
-              <a:rPr lang="en-US" sz="1100" b="0" i="0" u="none" strike="noStrike" baseline="0" dirty="0">
-                <a:latin typeface="Tahoma" panose="020B0604030504040204" pitchFamily="34" charset="0"/>
-                <a:ea typeface="Tahoma" panose="020B0604030504040204" pitchFamily="34" charset="0"/>
-                <a:cs typeface="Tahoma" panose="020B0604030504040204" pitchFamily="34" charset="0"/>
-              </a:rPr>
-              <a:t> connection.</a:t>
-            </a:r>
-          </a:p>
-          <a:p>
-            <a:pPr algn="l"/>
-            <a:r>
-              <a:rPr lang="en-US" sz="1100" b="0" i="0" u="none" strike="noStrike" baseline="0" dirty="0">
-                <a:latin typeface="Tahoma" panose="020B0604030504040204" pitchFamily="34" charset="0"/>
-                <a:ea typeface="Tahoma" panose="020B0604030504040204" pitchFamily="34" charset="0"/>
-                <a:cs typeface="Tahoma" panose="020B0604030504040204" pitchFamily="34" charset="0"/>
-              </a:rPr>
-              <a:t>• </a:t>
-            </a:r>
-            <a:r>
-              <a:rPr lang="en-US" sz="1100" b="0" i="0" u="none" strike="noStrike" baseline="0" dirty="0" err="1">
-                <a:latin typeface="Tahoma" panose="020B0604030504040204" pitchFamily="34" charset="0"/>
-                <a:ea typeface="Tahoma" panose="020B0604030504040204" pitchFamily="34" charset="0"/>
-                <a:cs typeface="Tahoma" panose="020B0604030504040204" pitchFamily="34" charset="0"/>
-              </a:rPr>
-              <a:t>Sử</a:t>
-            </a:r>
-            <a:r>
-              <a:rPr lang="en-US" sz="1100" b="0" i="0" u="none" strike="noStrike" baseline="0" dirty="0">
-                <a:latin typeface="Tahoma" panose="020B0604030504040204" pitchFamily="34" charset="0"/>
-                <a:ea typeface="Tahoma" panose="020B0604030504040204" pitchFamily="34" charset="0"/>
-                <a:cs typeface="Tahoma" panose="020B0604030504040204" pitchFamily="34" charset="0"/>
-              </a:rPr>
-              <a:t> </a:t>
-            </a:r>
-            <a:r>
-              <a:rPr lang="en-US" sz="1100" b="0" i="0" u="none" strike="noStrike" baseline="0" dirty="0" err="1">
-                <a:latin typeface="Tahoma" panose="020B0604030504040204" pitchFamily="34" charset="0"/>
-                <a:ea typeface="Tahoma" panose="020B0604030504040204" pitchFamily="34" charset="0"/>
-                <a:cs typeface="Tahoma" panose="020B0604030504040204" pitchFamily="34" charset="0"/>
-              </a:rPr>
-              <a:t>dụng</a:t>
-            </a:r>
-            <a:r>
-              <a:rPr lang="en-US" sz="1100" b="0" i="0" u="none" strike="noStrike" baseline="0" dirty="0">
-                <a:latin typeface="Tahoma" panose="020B0604030504040204" pitchFamily="34" charset="0"/>
-                <a:ea typeface="Tahoma" panose="020B0604030504040204" pitchFamily="34" charset="0"/>
-                <a:cs typeface="Tahoma" panose="020B0604030504040204" pitchFamily="34" charset="0"/>
-              </a:rPr>
-              <a:t> </a:t>
-            </a:r>
-            <a:r>
-              <a:rPr lang="en-US" sz="1100" b="0" i="0" u="none" strike="noStrike" baseline="0" dirty="0" err="1">
-                <a:latin typeface="Tahoma" panose="020B0604030504040204" pitchFamily="34" charset="0"/>
-                <a:ea typeface="Tahoma" panose="020B0604030504040204" pitchFamily="34" charset="0"/>
-                <a:cs typeface="Tahoma" panose="020B0604030504040204" pitchFamily="34" charset="0"/>
-              </a:rPr>
-              <a:t>tokio</a:t>
-            </a:r>
-            <a:r>
-              <a:rPr lang="en-US" sz="1100" b="0" i="0" u="none" strike="noStrike" baseline="0" dirty="0">
-                <a:latin typeface="Tahoma" panose="020B0604030504040204" pitchFamily="34" charset="0"/>
-                <a:ea typeface="Tahoma" panose="020B0604030504040204" pitchFamily="34" charset="0"/>
-                <a:cs typeface="Tahoma" panose="020B0604030504040204" pitchFamily="34" charset="0"/>
-              </a:rPr>
-              <a:t> </a:t>
-            </a:r>
-            <a:r>
-              <a:rPr lang="en-US" sz="1100" b="0" i="0" u="none" strike="noStrike" baseline="0" dirty="0" err="1">
-                <a:latin typeface="Tahoma" panose="020B0604030504040204" pitchFamily="34" charset="0"/>
-                <a:ea typeface="Tahoma" panose="020B0604030504040204" pitchFamily="34" charset="0"/>
-                <a:cs typeface="Tahoma" panose="020B0604030504040204" pitchFamily="34" charset="0"/>
-              </a:rPr>
-              <a:t>và</a:t>
-            </a:r>
-            <a:r>
-              <a:rPr lang="en-US" sz="1100" b="0" i="0" u="none" strike="noStrike" baseline="0" dirty="0">
-                <a:latin typeface="Tahoma" panose="020B0604030504040204" pitchFamily="34" charset="0"/>
-                <a:ea typeface="Tahoma" panose="020B0604030504040204" pitchFamily="34" charset="0"/>
-                <a:cs typeface="Tahoma" panose="020B0604030504040204" pitchFamily="34" charset="0"/>
-              </a:rPr>
-              <a:t> future </a:t>
-            </a:r>
-            <a:r>
-              <a:rPr lang="fr-FR" sz="1100" b="0" i="0" u="none" strike="noStrike" baseline="0" dirty="0" err="1">
-                <a:latin typeface="Tahoma" panose="020B0604030504040204" pitchFamily="34" charset="0"/>
-                <a:ea typeface="Tahoma" panose="020B0604030504040204" pitchFamily="34" charset="0"/>
-                <a:cs typeface="Tahoma" panose="020B0604030504040204" pitchFamily="34" charset="0"/>
-              </a:rPr>
-              <a:t>để</a:t>
-            </a:r>
-            <a:r>
-              <a:rPr lang="fr-FR" sz="1100" b="0" i="0" u="none" strike="noStrike" baseline="0" dirty="0">
-                <a:latin typeface="Tahoma" panose="020B0604030504040204" pitchFamily="34" charset="0"/>
-                <a:ea typeface="Tahoma" panose="020B0604030504040204" pitchFamily="34" charset="0"/>
-                <a:cs typeface="Tahoma" panose="020B0604030504040204" pitchFamily="34" charset="0"/>
-              </a:rPr>
-              <a:t> </a:t>
-            </a:r>
-            <a:r>
-              <a:rPr lang="fr-FR" sz="1100" b="0" i="0" u="none" strike="noStrike" baseline="0" dirty="0" err="1">
-                <a:latin typeface="Tahoma" panose="020B0604030504040204" pitchFamily="34" charset="0"/>
-                <a:ea typeface="Tahoma" panose="020B0604030504040204" pitchFamily="34" charset="0"/>
-                <a:cs typeface="Tahoma" panose="020B0604030504040204" pitchFamily="34" charset="0"/>
-              </a:rPr>
-              <a:t>quản</a:t>
-            </a:r>
-            <a:r>
-              <a:rPr lang="fr-FR" sz="1100" b="0" i="0" u="none" strike="noStrike" baseline="0" dirty="0">
-                <a:latin typeface="Tahoma" panose="020B0604030504040204" pitchFamily="34" charset="0"/>
-                <a:ea typeface="Tahoma" panose="020B0604030504040204" pitchFamily="34" charset="0"/>
-                <a:cs typeface="Tahoma" panose="020B0604030504040204" pitchFamily="34" charset="0"/>
-              </a:rPr>
-              <a:t> </a:t>
-            </a:r>
-            <a:r>
-              <a:rPr lang="fr-FR" sz="1100" b="0" i="0" u="none" strike="noStrike" baseline="0" dirty="0" err="1">
-                <a:latin typeface="Tahoma" panose="020B0604030504040204" pitchFamily="34" charset="0"/>
-                <a:ea typeface="Tahoma" panose="020B0604030504040204" pitchFamily="34" charset="0"/>
-                <a:cs typeface="Tahoma" panose="020B0604030504040204" pitchFamily="34" charset="0"/>
-              </a:rPr>
-              <a:t>lý</a:t>
-            </a:r>
-            <a:r>
-              <a:rPr lang="fr-FR" sz="1100" b="0" i="0" u="none" strike="noStrike" baseline="0" dirty="0">
-                <a:latin typeface="Tahoma" panose="020B0604030504040204" pitchFamily="34" charset="0"/>
-                <a:ea typeface="Tahoma" panose="020B0604030504040204" pitchFamily="34" charset="0"/>
-                <a:cs typeface="Tahoma" panose="020B0604030504040204" pitchFamily="34" charset="0"/>
-              </a:rPr>
-              <a:t> </a:t>
-            </a:r>
-            <a:r>
-              <a:rPr lang="fr-FR" sz="1100" b="0" i="0" u="none" strike="noStrike" baseline="0" dirty="0" err="1">
-                <a:latin typeface="Tahoma" panose="020B0604030504040204" pitchFamily="34" charset="0"/>
-                <a:ea typeface="Tahoma" panose="020B0604030504040204" pitchFamily="34" charset="0"/>
-                <a:cs typeface="Tahoma" panose="020B0604030504040204" pitchFamily="34" charset="0"/>
-              </a:rPr>
-              <a:t>concurrency</a:t>
-            </a:r>
-            <a:r>
-              <a:rPr lang="fr-FR" sz="1100" b="0" i="0" u="none" strike="noStrike" baseline="0" dirty="0">
-                <a:latin typeface="Tahoma" panose="020B0604030504040204" pitchFamily="34" charset="0"/>
-                <a:ea typeface="Tahoma" panose="020B0604030504040204" pitchFamily="34" charset="0"/>
-                <a:cs typeface="Tahoma" panose="020B0604030504040204" pitchFamily="34" charset="0"/>
-              </a:rPr>
-              <a:t> khi </a:t>
-            </a:r>
-            <a:r>
-              <a:rPr lang="fr-FR" sz="1100" b="0" i="0" u="none" strike="noStrike" baseline="0" dirty="0" err="1">
-                <a:latin typeface="Tahoma" panose="020B0604030504040204" pitchFamily="34" charset="0"/>
-                <a:ea typeface="Tahoma" panose="020B0604030504040204" pitchFamily="34" charset="0"/>
-                <a:cs typeface="Tahoma" panose="020B0604030504040204" pitchFamily="34" charset="0"/>
-              </a:rPr>
-              <a:t>quét</a:t>
-            </a:r>
-            <a:r>
-              <a:rPr lang="fr-FR" sz="1100" b="0" i="0" u="none" strike="noStrike" baseline="0" dirty="0">
-                <a:latin typeface="Tahoma" panose="020B0604030504040204" pitchFamily="34" charset="0"/>
-                <a:ea typeface="Tahoma" panose="020B0604030504040204" pitchFamily="34" charset="0"/>
-                <a:cs typeface="Tahoma" panose="020B0604030504040204" pitchFamily="34" charset="0"/>
-              </a:rPr>
-              <a:t> port.</a:t>
-            </a:r>
-            <a:endParaRPr lang="en-US" sz="1100" dirty="0">
+                <a:hlinkClick r:id="rId2"/>
+              </a:rPr>
+              <a:t>Project 2 Rust</a:t>
+            </a:r>
+            <a:endParaRPr kumimoji="0" lang="en-US" sz="1400" b="0" i="0" u="none" strike="noStrike" kern="0" cap="none" spc="0" normalizeH="0" baseline="0" noProof="0" dirty="0">
+              <a:ln>
+                <a:noFill/>
+              </a:ln>
+              <a:solidFill>
+                <a:sysClr val="windowText" lastClr="000000"/>
+              </a:solidFill>
+              <a:effectLst/>
+              <a:uLnTx/>
+              <a:uFillTx/>
               <a:latin typeface="Tahoma" panose="020B0604030504040204" pitchFamily="34" charset="0"/>
               <a:ea typeface="Tahoma" panose="020B0604030504040204" pitchFamily="34" charset="0"/>
               <a:cs typeface="Tahoma" panose="020B0604030504040204" pitchFamily="34" charset="0"/>
             </a:endParaRPr>
           </a:p>
+          <a:p>
+            <a:pPr marL="38100" marR="575945">
+              <a:lnSpc>
+                <a:spcPct val="125299"/>
+              </a:lnSpc>
+              <a:buClr>
+                <a:srgbClr val="FF0000"/>
+              </a:buClr>
+              <a:tabLst>
+                <a:tab pos="314960" algn="l"/>
+              </a:tabLst>
+            </a:pPr>
+            <a:endParaRPr lang="vi-VN" sz="1100" dirty="0"/>
+          </a:p>
         </p:txBody>
       </p:sp>
     </p:spTree>
     <p:extLst>
       <p:ext uri="{BB962C8B-B14F-4D97-AF65-F5344CB8AC3E}">
-        <p14:creationId xmlns:p14="http://schemas.microsoft.com/office/powerpoint/2010/main" val="871107066"/>
+        <p14:creationId xmlns:p14="http://schemas.microsoft.com/office/powerpoint/2010/main" val="2085031572"/>
       </p:ext>
     </p:extLst>
   </p:cSld>
@@ -5295,63 +5005,10 @@
       </p:grpSpPr>
       <p:sp>
         <p:nvSpPr>
-          <p:cNvPr id="2" name="object 2"/>
-          <p:cNvSpPr txBox="1">
-            <a:spLocks noGrp="1"/>
-          </p:cNvSpPr>
-          <p:nvPr>
-            <p:ph type="title"/>
-          </p:nvPr>
-        </p:nvSpPr>
-        <p:spPr>
-          <a:xfrm>
-            <a:off x="95300" y="51933"/>
-            <a:ext cx="3186429" cy="232756"/>
-          </a:xfrm>
-          <a:prstGeom prst="rect">
-            <a:avLst/>
-          </a:prstGeom>
-        </p:spPr>
-        <p:txBody>
-          <a:bodyPr vert="horz" wrap="square" lIns="0" tIns="17145" rIns="0" bIns="0" rtlCol="0">
-            <a:spAutoFit/>
-          </a:bodyPr>
-          <a:lstStyle/>
-          <a:p>
-            <a:pPr marL="12700">
-              <a:lnSpc>
-                <a:spcPct val="100000"/>
-              </a:lnSpc>
-              <a:spcBef>
-                <a:spcPts val="135"/>
-              </a:spcBef>
-            </a:pPr>
-            <a:r>
-              <a:rPr lang="en-US" spc="-30" dirty="0"/>
-              <a:t>3</a:t>
-            </a:r>
-            <a:r>
-              <a:rPr spc="-30" dirty="0"/>
-              <a:t>.1</a:t>
-            </a:r>
-            <a:r>
-              <a:rPr spc="-45" dirty="0"/>
-              <a:t> </a:t>
-            </a:r>
-            <a:r>
-              <a:rPr lang="en-US" spc="-45" dirty="0"/>
-              <a:t>Port</a:t>
-            </a:r>
-            <a:endParaRPr spc="-20" dirty="0"/>
-          </a:p>
-        </p:txBody>
-      </p:sp>
-      <p:sp>
-        <p:nvSpPr>
-          <p:cNvPr id="9" name="TextBox 8">
+          <p:cNvPr id="3" name="TextBox 2">
             <a:extLst>
               <a:ext uri="{FF2B5EF4-FFF2-40B4-BE49-F238E27FC236}">
-                <a16:creationId xmlns:a16="http://schemas.microsoft.com/office/drawing/2014/main" id="{8EAA7C37-D19A-4908-B330-A24F34A56937}"/>
+                <a16:creationId xmlns:a16="http://schemas.microsoft.com/office/drawing/2014/main" id="{C0AE6361-7859-4F59-AF1A-199447DC031F}"/>
               </a:ext>
             </a:extLst>
           </p:cNvPr>
@@ -5360,8 +5017,8 @@
         </p:nvSpPr>
         <p:spPr>
           <a:xfrm>
-            <a:off x="-94021" y="2300821"/>
-            <a:ext cx="4798142" cy="1107996"/>
+            <a:off x="400050" y="663575"/>
+            <a:ext cx="3810000" cy="2046714"/>
           </a:xfrm>
           <a:prstGeom prst="rect">
             <a:avLst/>
@@ -5369,2625 +5026,178 @@
           <a:noFill/>
         </p:spPr>
         <p:txBody>
-          <a:bodyPr wrap="square">
+          <a:bodyPr wrap="square" rtlCol="0">
             <a:spAutoFit/>
           </a:bodyPr>
           <a:lstStyle/>
           <a:p>
-            <a:pPr marL="171450" indent="-171450" algn="l">
-              <a:buFont typeface="Arial" panose="020B0604020202020204" pitchFamily="34" charset="0"/>
-              <a:buChar char="•"/>
-            </a:pPr>
-            <a:r>
-              <a:rPr lang="en-US" sz="1100" dirty="0">
+            <a:pPr algn="ctr"/>
+            <a:r>
+              <a:rPr lang="en-US" b="1" dirty="0" err="1">
                 <a:latin typeface="Tahoma" panose="020B0604030504040204" pitchFamily="34" charset="0"/>
                 <a:ea typeface="Tahoma" panose="020B0604030504040204" pitchFamily="34" charset="0"/>
                 <a:cs typeface="Tahoma" panose="020B0604030504040204" pitchFamily="34" charset="0"/>
               </a:rPr>
-              <a:t>S</a:t>
-            </a:r>
-            <a:r>
-              <a:rPr lang="vi-VN" sz="1100" dirty="0">
+              <a:t>Tài</a:t>
+            </a:r>
+            <a:r>
+              <a:rPr lang="en-US" b="1" dirty="0">
                 <a:latin typeface="Tahoma" panose="020B0604030504040204" pitchFamily="34" charset="0"/>
                 <a:ea typeface="Tahoma" panose="020B0604030504040204" pitchFamily="34" charset="0"/>
                 <a:cs typeface="Tahoma" panose="020B0604030504040204" pitchFamily="34" charset="0"/>
               </a:rPr>
-              <a:t>ử dụng các API không đồng bộ</a:t>
-            </a:r>
-            <a:r>
-              <a:rPr lang="en-US" sz="1100" dirty="0">
+              <a:t> </a:t>
+            </a:r>
+            <a:r>
+              <a:rPr lang="en-US" b="1" dirty="0" err="1">
                 <a:latin typeface="Tahoma" panose="020B0604030504040204" pitchFamily="34" charset="0"/>
                 <a:ea typeface="Tahoma" panose="020B0604030504040204" pitchFamily="34" charset="0"/>
                 <a:cs typeface="Tahoma" panose="020B0604030504040204" pitchFamily="34" charset="0"/>
               </a:rPr>
-              <a:t> </a:t>
-            </a:r>
-            <a:r>
-              <a:rPr lang="vi-VN" sz="1100" dirty="0">
+              <a:t>liệu</a:t>
+            </a:r>
+            <a:r>
+              <a:rPr lang="en-US" b="1" dirty="0">
                 <a:latin typeface="Tahoma" panose="020B0604030504040204" pitchFamily="34" charset="0"/>
                 <a:ea typeface="Tahoma" panose="020B0604030504040204" pitchFamily="34" charset="0"/>
                 <a:cs typeface="Tahoma" panose="020B0604030504040204" pitchFamily="34" charset="0"/>
               </a:rPr>
-              <a:t>của tokio cho TCP connection và timeout. </a:t>
-            </a:r>
+              <a:t> </a:t>
+            </a:r>
+            <a:r>
+              <a:rPr lang="en-US" b="1" dirty="0" err="1">
+                <a:latin typeface="Tahoma" panose="020B0604030504040204" pitchFamily="34" charset="0"/>
+                <a:ea typeface="Tahoma" panose="020B0604030504040204" pitchFamily="34" charset="0"/>
+                <a:cs typeface="Tahoma" panose="020B0604030504040204" pitchFamily="34" charset="0"/>
+              </a:rPr>
+              <a:t>tham</a:t>
+            </a:r>
+            <a:r>
+              <a:rPr lang="en-US" b="1" dirty="0">
+                <a:latin typeface="Tahoma" panose="020B0604030504040204" pitchFamily="34" charset="0"/>
+                <a:ea typeface="Tahoma" panose="020B0604030504040204" pitchFamily="34" charset="0"/>
+                <a:cs typeface="Tahoma" panose="020B0604030504040204" pitchFamily="34" charset="0"/>
+              </a:rPr>
+              <a:t> </a:t>
+            </a:r>
+            <a:r>
+              <a:rPr lang="en-US" b="1" dirty="0" err="1">
+                <a:latin typeface="Tahoma" panose="020B0604030504040204" pitchFamily="34" charset="0"/>
+                <a:ea typeface="Tahoma" panose="020B0604030504040204" pitchFamily="34" charset="0"/>
+                <a:cs typeface="Tahoma" panose="020B0604030504040204" pitchFamily="34" charset="0"/>
+              </a:rPr>
+              <a:t>khảo</a:t>
+            </a:r>
+            <a:endParaRPr lang="en-US" b="1" dirty="0">
+              <a:latin typeface="Tahoma" panose="020B0604030504040204" pitchFamily="34" charset="0"/>
+              <a:ea typeface="Tahoma" panose="020B0604030504040204" pitchFamily="34" charset="0"/>
+              <a:cs typeface="Tahoma" panose="020B0604030504040204" pitchFamily="34" charset="0"/>
+            </a:endParaRPr>
+          </a:p>
+          <a:p>
+            <a:pPr algn="ctr"/>
+            <a:endParaRPr lang="en-US" sz="1400" dirty="0">
+              <a:latin typeface="Tahoma" panose="020B0604030504040204" pitchFamily="34" charset="0"/>
+              <a:ea typeface="Tahoma" panose="020B0604030504040204" pitchFamily="34" charset="0"/>
+              <a:cs typeface="Tahoma" panose="020B0604030504040204" pitchFamily="34" charset="0"/>
+            </a:endParaRPr>
+          </a:p>
+          <a:p>
+            <a:pPr marL="228600" indent="-228600" algn="l">
+              <a:buAutoNum type="arabicPeriod"/>
+            </a:pPr>
+            <a:r>
+              <a:rPr lang="en-US" sz="1400" dirty="0">
+                <a:latin typeface="Tahoma" panose="020B0604030504040204" pitchFamily="34" charset="0"/>
+                <a:ea typeface="Tahoma" panose="020B0604030504040204" pitchFamily="34" charset="0"/>
+                <a:cs typeface="Tahoma" panose="020B0604030504040204" pitchFamily="34" charset="0"/>
+              </a:rPr>
+              <a:t>Sylvain </a:t>
+            </a:r>
+            <a:r>
+              <a:rPr lang="en-US" sz="1400" dirty="0" err="1">
+                <a:latin typeface="Tahoma" panose="020B0604030504040204" pitchFamily="34" charset="0"/>
+                <a:ea typeface="Tahoma" panose="020B0604030504040204" pitchFamily="34" charset="0"/>
+                <a:cs typeface="Tahoma" panose="020B0604030504040204" pitchFamily="34" charset="0"/>
+              </a:rPr>
+              <a:t>Kerkour</a:t>
+            </a:r>
+            <a:r>
+              <a:rPr lang="en-US" sz="1400" dirty="0">
+                <a:latin typeface="Tahoma" panose="020B0604030504040204" pitchFamily="34" charset="0"/>
+                <a:ea typeface="Tahoma" panose="020B0604030504040204" pitchFamily="34" charset="0"/>
+                <a:cs typeface="Tahoma" panose="020B0604030504040204" pitchFamily="34" charset="0"/>
+              </a:rPr>
+              <a:t>, Black Hat Rust.</a:t>
+            </a:r>
+          </a:p>
+          <a:p>
+            <a:pPr marL="228600" indent="-228600" algn="l">
+              <a:buAutoNum type="arabicPeriod"/>
+            </a:pPr>
+            <a:endParaRPr lang="en-US" sz="1400" dirty="0">
+              <a:latin typeface="Tahoma" panose="020B0604030504040204" pitchFamily="34" charset="0"/>
+              <a:ea typeface="Tahoma" panose="020B0604030504040204" pitchFamily="34" charset="0"/>
+              <a:cs typeface="Tahoma" panose="020B0604030504040204" pitchFamily="34" charset="0"/>
+            </a:endParaRPr>
+          </a:p>
+          <a:p>
+            <a:pPr marL="228600" indent="-228600" algn="l">
+              <a:buAutoNum type="arabicPeriod"/>
+            </a:pPr>
+            <a:r>
+              <a:rPr lang="en-US" sz="1400" dirty="0">
+                <a:latin typeface="Tahoma" panose="020B0604030504040204" pitchFamily="34" charset="0"/>
+                <a:ea typeface="Tahoma" panose="020B0604030504040204" pitchFamily="34" charset="0"/>
+                <a:cs typeface="Tahoma" panose="020B0604030504040204" pitchFamily="34" charset="0"/>
+              </a:rPr>
+              <a:t>Tech With Tim, Rust Programming Tutorial</a:t>
+            </a:r>
+          </a:p>
+          <a:p>
+            <a:pPr marL="228600" indent="-228600" algn="l">
+              <a:buAutoNum type="arabicPeriod"/>
+            </a:pPr>
+            <a:endParaRPr lang="en-US" sz="1400" dirty="0">
+              <a:latin typeface="Tahoma" panose="020B0604030504040204" pitchFamily="34" charset="0"/>
+              <a:ea typeface="Tahoma" panose="020B0604030504040204" pitchFamily="34" charset="0"/>
+              <a:cs typeface="Tahoma" panose="020B0604030504040204" pitchFamily="34" charset="0"/>
+            </a:endParaRPr>
+          </a:p>
+          <a:p>
+            <a:pPr marL="228600" indent="-228600" algn="l">
+              <a:buAutoNum type="arabicPeriod"/>
+            </a:pPr>
+            <a:r>
+              <a:rPr lang="en-US" sz="1400" dirty="0">
+                <a:latin typeface="Tahoma" panose="020B0604030504040204" pitchFamily="34" charset="0"/>
+                <a:ea typeface="Tahoma" panose="020B0604030504040204" pitchFamily="34" charset="0"/>
+                <a:cs typeface="Tahoma" panose="020B0604030504040204" pitchFamily="34" charset="0"/>
+              </a:rPr>
+              <a:t>Let’s Get Rusty, Rust Survival Guide</a:t>
+            </a:r>
+          </a:p>
+          <a:p>
+            <a:pPr marL="228600" indent="-228600" algn="l">
+              <a:buAutoNum type="arabicPeriod"/>
+            </a:pPr>
+            <a:endParaRPr lang="en-US" sz="1400" dirty="0">
+              <a:latin typeface="Tahoma" panose="020B0604030504040204" pitchFamily="34" charset="0"/>
+              <a:ea typeface="Tahoma" panose="020B0604030504040204" pitchFamily="34" charset="0"/>
+              <a:cs typeface="Tahoma" panose="020B0604030504040204" pitchFamily="34" charset="0"/>
+            </a:endParaRPr>
+          </a:p>
+          <a:p>
+            <a:pPr algn="l"/>
             <a:endParaRPr lang="en-US" sz="1100" dirty="0">
               <a:latin typeface="Tahoma" panose="020B0604030504040204" pitchFamily="34" charset="0"/>
               <a:ea typeface="Tahoma" panose="020B0604030504040204" pitchFamily="34" charset="0"/>
               <a:cs typeface="Tahoma" panose="020B0604030504040204" pitchFamily="34" charset="0"/>
             </a:endParaRPr>
           </a:p>
-          <a:p>
-            <a:pPr marL="171450" indent="-171450" algn="l">
-              <a:buFont typeface="Arial" panose="020B0604020202020204" pitchFamily="34" charset="0"/>
-              <a:buChar char="•"/>
-            </a:pPr>
-            <a:r>
-              <a:rPr lang="vi-VN" sz="1100" dirty="0">
-                <a:latin typeface="Tahoma" panose="020B0604030504040204" pitchFamily="34" charset="0"/>
-                <a:ea typeface="Tahoma" panose="020B0604030504040204" pitchFamily="34" charset="0"/>
-                <a:cs typeface="Tahoma" panose="020B0604030504040204" pitchFamily="34" charset="0"/>
-              </a:rPr>
-              <a:t>Thay vì parallel iterator, sử dụng channels</a:t>
-            </a:r>
-            <a:r>
-              <a:rPr lang="en-US" sz="1100" dirty="0">
-                <a:latin typeface="Tahoma" panose="020B0604030504040204" pitchFamily="34" charset="0"/>
-                <a:ea typeface="Tahoma" panose="020B0604030504040204" pitchFamily="34" charset="0"/>
-                <a:cs typeface="Tahoma" panose="020B0604030504040204" pitchFamily="34" charset="0"/>
-              </a:rPr>
-              <a:t> </a:t>
-            </a:r>
-            <a:r>
-              <a:rPr lang="vi-VN" sz="1100" dirty="0">
-                <a:latin typeface="Tahoma" panose="020B0604030504040204" pitchFamily="34" charset="0"/>
-                <a:ea typeface="Tahoma" panose="020B0604030504040204" pitchFamily="34" charset="0"/>
-                <a:cs typeface="Tahoma" panose="020B0604030504040204" pitchFamily="34" charset="0"/>
-              </a:rPr>
-              <a:t>và stream concurrency để kiểm soát số lượng task quét port đồng thời.</a:t>
-            </a:r>
-            <a:endParaRPr lang="en-US" sz="1100" dirty="0">
-              <a:latin typeface="Tahoma" panose="020B0604030504040204" pitchFamily="34" charset="0"/>
-              <a:ea typeface="Tahoma" panose="020B0604030504040204" pitchFamily="34" charset="0"/>
-              <a:cs typeface="Tahoma" panose="020B0604030504040204" pitchFamily="34" charset="0"/>
-            </a:endParaRPr>
-          </a:p>
-          <a:p>
-            <a:pPr marL="171450" indent="-171450" algn="l">
-              <a:buFont typeface="Arial" panose="020B0604020202020204" pitchFamily="34" charset="0"/>
-              <a:buChar char="•"/>
-            </a:pPr>
-            <a:r>
-              <a:rPr lang="en-US" sz="1100" dirty="0">
-                <a:latin typeface="Tahoma" panose="020B0604030504040204" pitchFamily="34" charset="0"/>
-                <a:ea typeface="Tahoma" panose="020B0604030504040204" pitchFamily="34" charset="0"/>
-                <a:cs typeface="Tahoma" panose="020B0604030504040204" pitchFamily="34" charset="0"/>
-              </a:rPr>
-              <a:t>T</a:t>
-            </a:r>
-            <a:r>
-              <a:rPr lang="vi-VN" sz="1100" dirty="0">
-                <a:latin typeface="Tahoma" panose="020B0604030504040204" pitchFamily="34" charset="0"/>
-                <a:ea typeface="Tahoma" panose="020B0604030504040204" pitchFamily="34" charset="0"/>
-                <a:cs typeface="Tahoma" panose="020B0604030504040204" pitchFamily="34" charset="0"/>
-              </a:rPr>
-              <a:t>ối</a:t>
-            </a:r>
-            <a:r>
-              <a:rPr lang="en-US" sz="1100" dirty="0">
-                <a:latin typeface="Tahoma" panose="020B0604030504040204" pitchFamily="34" charset="0"/>
-                <a:ea typeface="Tahoma" panose="020B0604030504040204" pitchFamily="34" charset="0"/>
-                <a:cs typeface="Tahoma" panose="020B0604030504040204" pitchFamily="34" charset="0"/>
-              </a:rPr>
-              <a:t> </a:t>
-            </a:r>
-            <a:r>
-              <a:rPr lang="vi-VN" sz="1100" dirty="0">
-                <a:latin typeface="Tahoma" panose="020B0604030504040204" pitchFamily="34" charset="0"/>
-                <a:ea typeface="Tahoma" panose="020B0604030504040204" pitchFamily="34" charset="0"/>
-                <a:cs typeface="Tahoma" panose="020B0604030504040204" pitchFamily="34" charset="0"/>
-              </a:rPr>
-              <a:t>ưu hóa hiệu suất trong môi trường I/O-bound</a:t>
-            </a:r>
-            <a:r>
-              <a:rPr lang="en-US" sz="1100" dirty="0">
-                <a:latin typeface="Tahoma" panose="020B0604030504040204" pitchFamily="34" charset="0"/>
-                <a:ea typeface="Tahoma" panose="020B0604030504040204" pitchFamily="34" charset="0"/>
-                <a:cs typeface="Tahoma" panose="020B0604030504040204" pitchFamily="34" charset="0"/>
-              </a:rPr>
-              <a:t>(</a:t>
-            </a:r>
-            <a:r>
-              <a:rPr lang="en-US" sz="1100" dirty="0" err="1">
-                <a:latin typeface="Tahoma" panose="020B0604030504040204" pitchFamily="34" charset="0"/>
-                <a:ea typeface="Tahoma" panose="020B0604030504040204" pitchFamily="34" charset="0"/>
-                <a:cs typeface="Tahoma" panose="020B0604030504040204" pitchFamily="34" charset="0"/>
-              </a:rPr>
-              <a:t>chờ</a:t>
-            </a:r>
-            <a:r>
-              <a:rPr lang="en-US" sz="1100" dirty="0">
-                <a:latin typeface="Tahoma" panose="020B0604030504040204" pitchFamily="34" charset="0"/>
-                <a:ea typeface="Tahoma" panose="020B0604030504040204" pitchFamily="34" charset="0"/>
-                <a:cs typeface="Tahoma" panose="020B0604030504040204" pitchFamily="34" charset="0"/>
-              </a:rPr>
-              <a:t> http response </a:t>
-            </a:r>
-            <a:r>
-              <a:rPr lang="en-US" sz="1100" dirty="0" err="1">
-                <a:latin typeface="Tahoma" panose="020B0604030504040204" pitchFamily="34" charset="0"/>
-                <a:ea typeface="Tahoma" panose="020B0604030504040204" pitchFamily="34" charset="0"/>
-                <a:cs typeface="Tahoma" panose="020B0604030504040204" pitchFamily="34" charset="0"/>
-              </a:rPr>
-              <a:t>và</a:t>
-            </a:r>
-            <a:r>
-              <a:rPr lang="en-US" sz="1100" dirty="0">
-                <a:latin typeface="Tahoma" panose="020B0604030504040204" pitchFamily="34" charset="0"/>
-                <a:ea typeface="Tahoma" panose="020B0604030504040204" pitchFamily="34" charset="0"/>
-                <a:cs typeface="Tahoma" panose="020B0604030504040204" pitchFamily="34" charset="0"/>
-              </a:rPr>
-              <a:t> </a:t>
-            </a:r>
-            <a:r>
-              <a:rPr lang="en-US" sz="1100" dirty="0" err="1">
-                <a:latin typeface="Tahoma" panose="020B0604030504040204" pitchFamily="34" charset="0"/>
-                <a:ea typeface="Tahoma" panose="020B0604030504040204" pitchFamily="34" charset="0"/>
-                <a:cs typeface="Tahoma" panose="020B0604030504040204" pitchFamily="34" charset="0"/>
-              </a:rPr>
-              <a:t>tcp</a:t>
-            </a:r>
-            <a:r>
-              <a:rPr lang="en-US" sz="1100" dirty="0">
-                <a:latin typeface="Tahoma" panose="020B0604030504040204" pitchFamily="34" charset="0"/>
-                <a:ea typeface="Tahoma" panose="020B0604030504040204" pitchFamily="34" charset="0"/>
-                <a:cs typeface="Tahoma" panose="020B0604030504040204" pitchFamily="34" charset="0"/>
-              </a:rPr>
-              <a:t> ack).</a:t>
-            </a:r>
-          </a:p>
-        </p:txBody>
-      </p:sp>
-      <p:pic>
-        <p:nvPicPr>
-          <p:cNvPr id="5" name="Picture 4">
-            <a:extLst>
-              <a:ext uri="{FF2B5EF4-FFF2-40B4-BE49-F238E27FC236}">
-                <a16:creationId xmlns:a16="http://schemas.microsoft.com/office/drawing/2014/main" id="{23B5078C-376D-4A4D-9F56-230574031D36}"/>
-              </a:ext>
-            </a:extLst>
-          </p:cNvPr>
-          <p:cNvPicPr>
-            <a:picLocks noChangeAspect="1"/>
-          </p:cNvPicPr>
-          <p:nvPr/>
-        </p:nvPicPr>
-        <p:blipFill>
-          <a:blip r:embed="rId2"/>
-          <a:stretch>
-            <a:fillRect/>
-          </a:stretch>
-        </p:blipFill>
-        <p:spPr>
-          <a:xfrm>
-            <a:off x="0" y="488448"/>
-            <a:ext cx="4610100" cy="1723968"/>
-          </a:xfrm>
-          <a:prstGeom prst="rect">
-            <a:avLst/>
-          </a:prstGeom>
-        </p:spPr>
-      </p:pic>
+        </p:txBody>
+      </p:sp>
     </p:spTree>
-    <p:extLst>
-      <p:ext uri="{BB962C8B-B14F-4D97-AF65-F5344CB8AC3E}">
-        <p14:creationId xmlns:p14="http://schemas.microsoft.com/office/powerpoint/2010/main" val="1352568632"/>
-      </p:ext>
-    </p:extLst>
-  </p:cSld>
-  <p:clrMapOvr>
-    <a:masterClrMapping/>
-  </p:clrMapOvr>
-  <p:transition>
-    <p:cut/>
-  </p:transition>
-</p:sld>
-</file>
-
-<file path=ppt/slides/slide14.xml><?xml version="1.0" encoding="utf-8"?>
-<p:sld xmlns:a="http://schemas.openxmlformats.org/drawingml/2006/main" xmlns:r="http://schemas.openxmlformats.org/officeDocument/2006/relationships" xmlns:p="http://schemas.openxmlformats.org/presentationml/2006/main">
-  <p:cSld>
-    <p:spTree>
-      <p:nvGrpSpPr>
-        <p:cNvPr id="1" name=""/>
-        <p:cNvGrpSpPr/>
-        <p:nvPr/>
-      </p:nvGrpSpPr>
-      <p:grpSpPr>
-        <a:xfrm>
-          <a:off x="0" y="0"/>
-          <a:ext cx="0" cy="0"/>
-          <a:chOff x="0" y="0"/>
-          <a:chExt cx="0" cy="0"/>
-        </a:xfrm>
-      </p:grpSpPr>
-      <p:sp>
-        <p:nvSpPr>
-          <p:cNvPr id="2" name="object 2"/>
-          <p:cNvSpPr txBox="1">
-            <a:spLocks noGrp="1"/>
-          </p:cNvSpPr>
-          <p:nvPr>
-            <p:ph type="title"/>
-          </p:nvPr>
-        </p:nvSpPr>
-        <p:spPr>
-          <a:xfrm>
-            <a:off x="95300" y="51933"/>
-            <a:ext cx="3186429" cy="232756"/>
-          </a:xfrm>
-          <a:prstGeom prst="rect">
-            <a:avLst/>
-          </a:prstGeom>
-        </p:spPr>
-        <p:txBody>
-          <a:bodyPr vert="horz" wrap="square" lIns="0" tIns="17145" rIns="0" bIns="0" rtlCol="0">
-            <a:spAutoFit/>
-          </a:bodyPr>
-          <a:lstStyle/>
-          <a:p>
-            <a:pPr marL="12700">
-              <a:lnSpc>
-                <a:spcPct val="100000"/>
-              </a:lnSpc>
-              <a:spcBef>
-                <a:spcPts val="135"/>
-              </a:spcBef>
-            </a:pPr>
-            <a:r>
-              <a:rPr lang="en-US" spc="-30" dirty="0"/>
-              <a:t>3</a:t>
-            </a:r>
-            <a:r>
-              <a:rPr spc="-30" dirty="0"/>
-              <a:t>.1</a:t>
-            </a:r>
-            <a:r>
-              <a:rPr spc="-45" dirty="0"/>
-              <a:t> </a:t>
-            </a:r>
-            <a:r>
-              <a:rPr lang="en-US" spc="-45" dirty="0"/>
-              <a:t>Subdomains</a:t>
-            </a:r>
-            <a:endParaRPr spc="-20" dirty="0"/>
-          </a:p>
-        </p:txBody>
-      </p:sp>
-      <p:pic>
-        <p:nvPicPr>
-          <p:cNvPr id="4" name="Picture 3">
-            <a:extLst>
-              <a:ext uri="{FF2B5EF4-FFF2-40B4-BE49-F238E27FC236}">
-                <a16:creationId xmlns:a16="http://schemas.microsoft.com/office/drawing/2014/main" id="{18D4DCB4-F89C-4042-8B77-F62F78E79326}"/>
-              </a:ext>
-            </a:extLst>
-          </p:cNvPr>
-          <p:cNvPicPr>
-            <a:picLocks noChangeAspect="1"/>
-          </p:cNvPicPr>
-          <p:nvPr/>
-        </p:nvPicPr>
-        <p:blipFill>
-          <a:blip r:embed="rId2"/>
-          <a:stretch>
-            <a:fillRect/>
-          </a:stretch>
-        </p:blipFill>
-        <p:spPr>
-          <a:xfrm>
-            <a:off x="0" y="434975"/>
-            <a:ext cx="4610100" cy="1849134"/>
-          </a:xfrm>
-          <a:prstGeom prst="rect">
-            <a:avLst/>
-          </a:prstGeom>
-        </p:spPr>
-      </p:pic>
-      <p:sp>
-        <p:nvSpPr>
-          <p:cNvPr id="7" name="TextBox 6">
-            <a:extLst>
-              <a:ext uri="{FF2B5EF4-FFF2-40B4-BE49-F238E27FC236}">
-                <a16:creationId xmlns:a16="http://schemas.microsoft.com/office/drawing/2014/main" id="{F744E719-5141-4528-8FB3-CFB9D2675FDA}"/>
-              </a:ext>
-            </a:extLst>
-          </p:cNvPr>
-          <p:cNvSpPr txBox="1"/>
-          <p:nvPr/>
-        </p:nvSpPr>
-        <p:spPr>
-          <a:xfrm>
-            <a:off x="0" y="2444125"/>
-            <a:ext cx="4733618" cy="938719"/>
-          </a:xfrm>
-          <a:prstGeom prst="rect">
-            <a:avLst/>
-          </a:prstGeom>
-          <a:noFill/>
-        </p:spPr>
-        <p:txBody>
-          <a:bodyPr wrap="square">
-            <a:spAutoFit/>
-          </a:bodyPr>
-          <a:lstStyle/>
-          <a:p>
-            <a:pPr algn="l"/>
-            <a:r>
-              <a:rPr lang="en-US" sz="1100" b="0" i="0" u="none" strike="noStrike" baseline="0" dirty="0">
-                <a:latin typeface="Tahoma" panose="020B0604030504040204" pitchFamily="34" charset="0"/>
-                <a:ea typeface="Tahoma" panose="020B0604030504040204" pitchFamily="34" charset="0"/>
-                <a:cs typeface="Tahoma" panose="020B0604030504040204" pitchFamily="34" charset="0"/>
-              </a:rPr>
-              <a:t>Khi dung multi threading:</a:t>
-            </a:r>
-          </a:p>
-          <a:p>
-            <a:pPr algn="l"/>
-            <a:r>
-              <a:rPr lang="en-US" sz="1100" b="0" i="0" u="none" strike="noStrike" baseline="0" dirty="0">
-                <a:latin typeface="Tahoma" panose="020B0604030504040204" pitchFamily="34" charset="0"/>
-                <a:ea typeface="Tahoma" panose="020B0604030504040204" pitchFamily="34" charset="0"/>
-                <a:cs typeface="Tahoma" panose="020B0604030504040204" pitchFamily="34" charset="0"/>
-              </a:rPr>
-              <a:t>• </a:t>
-            </a:r>
-            <a:r>
-              <a:rPr lang="en-US" sz="1100" b="0" i="0" u="none" strike="noStrike" baseline="0" dirty="0" err="1">
-                <a:latin typeface="Tahoma" panose="020B0604030504040204" pitchFamily="34" charset="0"/>
-                <a:ea typeface="Tahoma" panose="020B0604030504040204" pitchFamily="34" charset="0"/>
-                <a:cs typeface="Tahoma" panose="020B0604030504040204" pitchFamily="34" charset="0"/>
-              </a:rPr>
-              <a:t>Sử</a:t>
-            </a:r>
-            <a:r>
-              <a:rPr lang="en-US" sz="1100" b="0" i="0" u="none" strike="noStrike" baseline="0" dirty="0">
-                <a:latin typeface="Tahoma" panose="020B0604030504040204" pitchFamily="34" charset="0"/>
-                <a:ea typeface="Tahoma" panose="020B0604030504040204" pitchFamily="34" charset="0"/>
-                <a:cs typeface="Tahoma" panose="020B0604030504040204" pitchFamily="34" charset="0"/>
-              </a:rPr>
-              <a:t> </a:t>
-            </a:r>
-            <a:r>
-              <a:rPr lang="en-US" sz="1100" b="0" i="0" u="none" strike="noStrike" baseline="0" dirty="0" err="1">
-                <a:latin typeface="Tahoma" panose="020B0604030504040204" pitchFamily="34" charset="0"/>
-                <a:ea typeface="Tahoma" panose="020B0604030504040204" pitchFamily="34" charset="0"/>
-                <a:cs typeface="Tahoma" panose="020B0604030504040204" pitchFamily="34" charset="0"/>
-              </a:rPr>
-              <a:t>dụng</a:t>
-            </a:r>
-            <a:r>
-              <a:rPr lang="en-US" sz="1100" b="0" i="0" u="none" strike="noStrike" baseline="0" dirty="0">
-                <a:latin typeface="Tahoma" panose="020B0604030504040204" pitchFamily="34" charset="0"/>
-                <a:ea typeface="Tahoma" panose="020B0604030504040204" pitchFamily="34" charset="0"/>
-                <a:cs typeface="Tahoma" panose="020B0604030504040204" pitchFamily="34" charset="0"/>
-              </a:rPr>
-              <a:t> </a:t>
-            </a:r>
-            <a:r>
-              <a:rPr lang="en-US" sz="1100" b="0" i="0" u="none" strike="noStrike" baseline="0" dirty="0" err="1">
-                <a:latin typeface="Tahoma" panose="020B0604030504040204" pitchFamily="34" charset="0"/>
-                <a:ea typeface="Tahoma" panose="020B0604030504040204" pitchFamily="34" charset="0"/>
-                <a:cs typeface="Tahoma" panose="020B0604030504040204" pitchFamily="34" charset="0"/>
-              </a:rPr>
-              <a:t>reqwest</a:t>
-            </a:r>
-            <a:r>
-              <a:rPr lang="en-US" sz="1100" b="0" i="0" u="none" strike="noStrike" baseline="0" dirty="0">
-                <a:latin typeface="Tahoma" panose="020B0604030504040204" pitchFamily="34" charset="0"/>
-                <a:ea typeface="Tahoma" panose="020B0604030504040204" pitchFamily="34" charset="0"/>
-                <a:cs typeface="Tahoma" panose="020B0604030504040204" pitchFamily="34" charset="0"/>
-              </a:rPr>
-              <a:t>::blocking::Client </a:t>
-            </a:r>
-            <a:r>
-              <a:rPr lang="en-US" sz="1100" b="0" i="0" u="none" strike="noStrike" baseline="0" dirty="0" err="1">
-                <a:latin typeface="Tahoma" panose="020B0604030504040204" pitchFamily="34" charset="0"/>
-                <a:ea typeface="Tahoma" panose="020B0604030504040204" pitchFamily="34" charset="0"/>
-                <a:cs typeface="Tahoma" panose="020B0604030504040204" pitchFamily="34" charset="0"/>
-              </a:rPr>
-              <a:t>cho</a:t>
-            </a:r>
-            <a:r>
-              <a:rPr lang="en-US" sz="1100" b="0" i="0" u="none" strike="noStrike" baseline="0" dirty="0">
-                <a:latin typeface="Tahoma" panose="020B0604030504040204" pitchFamily="34" charset="0"/>
-                <a:ea typeface="Tahoma" panose="020B0604030504040204" pitchFamily="34" charset="0"/>
-                <a:cs typeface="Tahoma" panose="020B0604030504040204" pitchFamily="34" charset="0"/>
-              </a:rPr>
-              <a:t> HTTP request (blocking).</a:t>
-            </a:r>
-          </a:p>
-          <a:p>
-            <a:pPr algn="l"/>
-            <a:r>
-              <a:rPr lang="en-US" sz="1100" b="0" i="0" u="none" strike="noStrike" baseline="0" dirty="0">
-                <a:latin typeface="Tahoma" panose="020B0604030504040204" pitchFamily="34" charset="0"/>
-                <a:ea typeface="Tahoma" panose="020B0604030504040204" pitchFamily="34" charset="0"/>
-                <a:cs typeface="Tahoma" panose="020B0604030504040204" pitchFamily="34" charset="0"/>
-              </a:rPr>
-              <a:t>• </a:t>
-            </a:r>
-            <a:r>
-              <a:rPr lang="en-US" sz="1100" b="0" i="0" u="none" strike="noStrike" baseline="0" dirty="0" err="1">
-                <a:latin typeface="Tahoma" panose="020B0604030504040204" pitchFamily="34" charset="0"/>
-                <a:ea typeface="Tahoma" panose="020B0604030504040204" pitchFamily="34" charset="0"/>
-                <a:cs typeface="Tahoma" panose="020B0604030504040204" pitchFamily="34" charset="0"/>
-              </a:rPr>
-              <a:t>Sử</a:t>
-            </a:r>
-            <a:r>
-              <a:rPr lang="en-US" sz="1100" b="0" i="0" u="none" strike="noStrike" baseline="0" dirty="0">
-                <a:latin typeface="Tahoma" panose="020B0604030504040204" pitchFamily="34" charset="0"/>
-                <a:ea typeface="Tahoma" panose="020B0604030504040204" pitchFamily="34" charset="0"/>
-                <a:cs typeface="Tahoma" panose="020B0604030504040204" pitchFamily="34" charset="0"/>
-              </a:rPr>
-              <a:t> </a:t>
-            </a:r>
-            <a:r>
-              <a:rPr lang="en-US" sz="1100" b="0" i="0" u="none" strike="noStrike" baseline="0" dirty="0" err="1">
-                <a:latin typeface="Tahoma" panose="020B0604030504040204" pitchFamily="34" charset="0"/>
-                <a:ea typeface="Tahoma" panose="020B0604030504040204" pitchFamily="34" charset="0"/>
-                <a:cs typeface="Tahoma" panose="020B0604030504040204" pitchFamily="34" charset="0"/>
-              </a:rPr>
-              <a:t>dụng</a:t>
-            </a:r>
-            <a:r>
-              <a:rPr lang="en-US" sz="1100" b="0" i="0" u="none" strike="noStrike" baseline="0" dirty="0">
-                <a:latin typeface="Tahoma" panose="020B0604030504040204" pitchFamily="34" charset="0"/>
-                <a:ea typeface="Tahoma" panose="020B0604030504040204" pitchFamily="34" charset="0"/>
-                <a:cs typeface="Tahoma" panose="020B0604030504040204" pitchFamily="34" charset="0"/>
-              </a:rPr>
-              <a:t> </a:t>
-            </a:r>
-            <a:r>
-              <a:rPr lang="en-US" sz="1100" b="0" i="0" u="none" strike="noStrike" baseline="0" dirty="0" err="1">
-                <a:latin typeface="Tahoma" panose="020B0604030504040204" pitchFamily="34" charset="0"/>
-                <a:ea typeface="Tahoma" panose="020B0604030504040204" pitchFamily="34" charset="0"/>
-                <a:cs typeface="Tahoma" panose="020B0604030504040204" pitchFamily="34" charset="0"/>
-              </a:rPr>
-              <a:t>trust_dns_resolver</a:t>
-            </a:r>
-            <a:r>
-              <a:rPr lang="en-US" sz="1100" b="0" i="0" u="none" strike="noStrike" baseline="0" dirty="0">
-                <a:latin typeface="Tahoma" panose="020B0604030504040204" pitchFamily="34" charset="0"/>
-                <a:ea typeface="Tahoma" panose="020B0604030504040204" pitchFamily="34" charset="0"/>
-                <a:cs typeface="Tahoma" panose="020B0604030504040204" pitchFamily="34" charset="0"/>
-              </a:rPr>
-              <a:t>::Resolver </a:t>
-            </a:r>
-            <a:r>
-              <a:rPr lang="en-US" sz="1100" b="0" i="0" u="none" strike="noStrike" baseline="0" dirty="0" err="1">
-                <a:latin typeface="Tahoma" panose="020B0604030504040204" pitchFamily="34" charset="0"/>
-                <a:ea typeface="Tahoma" panose="020B0604030504040204" pitchFamily="34" charset="0"/>
-                <a:cs typeface="Tahoma" panose="020B0604030504040204" pitchFamily="34" charset="0"/>
-              </a:rPr>
-              <a:t>cho</a:t>
-            </a:r>
-            <a:r>
-              <a:rPr lang="en-US" sz="1100" b="0" i="0" u="none" strike="noStrike" baseline="0" dirty="0">
-                <a:latin typeface="Tahoma" panose="020B0604030504040204" pitchFamily="34" charset="0"/>
-                <a:ea typeface="Tahoma" panose="020B0604030504040204" pitchFamily="34" charset="0"/>
-                <a:cs typeface="Tahoma" panose="020B0604030504040204" pitchFamily="34" charset="0"/>
-              </a:rPr>
-              <a:t> DNS resolution (blocking).</a:t>
-            </a:r>
-          </a:p>
-          <a:p>
-            <a:pPr algn="l"/>
-            <a:r>
-              <a:rPr lang="en-US" sz="1100" b="0" i="0" u="none" strike="noStrike" baseline="0" dirty="0">
-                <a:latin typeface="Tahoma" panose="020B0604030504040204" pitchFamily="34" charset="0"/>
-                <a:ea typeface="Tahoma" panose="020B0604030504040204" pitchFamily="34" charset="0"/>
-                <a:cs typeface="Tahoma" panose="020B0604030504040204" pitchFamily="34" charset="0"/>
-              </a:rPr>
-              <a:t>• </a:t>
-            </a:r>
-            <a:r>
-              <a:rPr lang="en-US" sz="1100" b="0" i="0" u="none" strike="noStrike" baseline="0" dirty="0" err="1">
-                <a:latin typeface="Tahoma" panose="020B0604030504040204" pitchFamily="34" charset="0"/>
-                <a:ea typeface="Tahoma" panose="020B0604030504040204" pitchFamily="34" charset="0"/>
-                <a:cs typeface="Tahoma" panose="020B0604030504040204" pitchFamily="34" charset="0"/>
-              </a:rPr>
-              <a:t>Sử</a:t>
-            </a:r>
-            <a:r>
-              <a:rPr lang="en-US" sz="1100" b="0" i="0" u="none" strike="noStrike" baseline="0" dirty="0">
-                <a:latin typeface="Tahoma" panose="020B0604030504040204" pitchFamily="34" charset="0"/>
-                <a:ea typeface="Tahoma" panose="020B0604030504040204" pitchFamily="34" charset="0"/>
-                <a:cs typeface="Tahoma" panose="020B0604030504040204" pitchFamily="34" charset="0"/>
-              </a:rPr>
-              <a:t> </a:t>
-            </a:r>
-            <a:r>
-              <a:rPr lang="en-US" sz="1100" b="0" i="0" u="none" strike="noStrike" baseline="0" dirty="0" err="1">
-                <a:latin typeface="Tahoma" panose="020B0604030504040204" pitchFamily="34" charset="0"/>
-                <a:ea typeface="Tahoma" panose="020B0604030504040204" pitchFamily="34" charset="0"/>
-                <a:cs typeface="Tahoma" panose="020B0604030504040204" pitchFamily="34" charset="0"/>
-              </a:rPr>
-              <a:t>dụng</a:t>
-            </a:r>
-            <a:r>
-              <a:rPr lang="en-US" sz="1100" b="0" i="0" u="none" strike="noStrike" baseline="0" dirty="0">
-                <a:latin typeface="Tahoma" panose="020B0604030504040204" pitchFamily="34" charset="0"/>
-                <a:ea typeface="Tahoma" panose="020B0604030504040204" pitchFamily="34" charset="0"/>
-                <a:cs typeface="Tahoma" panose="020B0604030504040204" pitchFamily="34" charset="0"/>
-              </a:rPr>
-              <a:t> .filter(resolves) </a:t>
-            </a:r>
-            <a:r>
-              <a:rPr lang="en-US" sz="1100" b="0" i="0" u="none" strike="noStrike" baseline="0" dirty="0" err="1">
-                <a:latin typeface="Tahoma" panose="020B0604030504040204" pitchFamily="34" charset="0"/>
-                <a:ea typeface="Tahoma" panose="020B0604030504040204" pitchFamily="34" charset="0"/>
-                <a:cs typeface="Tahoma" panose="020B0604030504040204" pitchFamily="34" charset="0"/>
-              </a:rPr>
-              <a:t>để</a:t>
-            </a:r>
-            <a:r>
-              <a:rPr lang="en-US" sz="1100" b="0" i="0" u="none" strike="noStrike" baseline="0" dirty="0">
-                <a:latin typeface="Tahoma" panose="020B0604030504040204" pitchFamily="34" charset="0"/>
-                <a:ea typeface="Tahoma" panose="020B0604030504040204" pitchFamily="34" charset="0"/>
-                <a:cs typeface="Tahoma" panose="020B0604030504040204" pitchFamily="34" charset="0"/>
-              </a:rPr>
-              <a:t> </a:t>
-            </a:r>
-            <a:r>
-              <a:rPr lang="en-US" sz="1100" b="0" i="0" u="none" strike="noStrike" baseline="0" dirty="0" err="1">
-                <a:latin typeface="Tahoma" panose="020B0604030504040204" pitchFamily="34" charset="0"/>
-                <a:ea typeface="Tahoma" panose="020B0604030504040204" pitchFamily="34" charset="0"/>
-                <a:cs typeface="Tahoma" panose="020B0604030504040204" pitchFamily="34" charset="0"/>
-              </a:rPr>
-              <a:t>lọc</a:t>
-            </a:r>
-            <a:r>
-              <a:rPr lang="en-US" sz="1100" b="0" i="0" u="none" strike="noStrike" baseline="0" dirty="0">
-                <a:latin typeface="Tahoma" panose="020B0604030504040204" pitchFamily="34" charset="0"/>
-                <a:ea typeface="Tahoma" panose="020B0604030504040204" pitchFamily="34" charset="0"/>
-                <a:cs typeface="Tahoma" panose="020B0604030504040204" pitchFamily="34" charset="0"/>
-              </a:rPr>
-              <a:t> subdomain </a:t>
-            </a:r>
-            <a:r>
-              <a:rPr lang="en-US" sz="1100" b="0" i="0" u="none" strike="noStrike" baseline="0" dirty="0" err="1">
-                <a:latin typeface="Tahoma" panose="020B0604030504040204" pitchFamily="34" charset="0"/>
-                <a:ea typeface="Tahoma" panose="020B0604030504040204" pitchFamily="34" charset="0"/>
-                <a:cs typeface="Tahoma" panose="020B0604030504040204" pitchFamily="34" charset="0"/>
-              </a:rPr>
-              <a:t>dựa</a:t>
-            </a:r>
-            <a:r>
-              <a:rPr lang="en-US" sz="1100" b="0" i="0" u="none" strike="noStrike" baseline="0" dirty="0">
-                <a:latin typeface="Tahoma" panose="020B0604030504040204" pitchFamily="34" charset="0"/>
-                <a:ea typeface="Tahoma" panose="020B0604030504040204" pitchFamily="34" charset="0"/>
-                <a:cs typeface="Tahoma" panose="020B0604030504040204" pitchFamily="34" charset="0"/>
-              </a:rPr>
-              <a:t> </a:t>
-            </a:r>
-            <a:r>
-              <a:rPr lang="en-US" sz="1100" b="0" i="0" u="none" strike="noStrike" baseline="0" dirty="0" err="1">
-                <a:latin typeface="Tahoma" panose="020B0604030504040204" pitchFamily="34" charset="0"/>
-                <a:ea typeface="Tahoma" panose="020B0604030504040204" pitchFamily="34" charset="0"/>
-                <a:cs typeface="Tahoma" panose="020B0604030504040204" pitchFamily="34" charset="0"/>
-              </a:rPr>
-              <a:t>trên</a:t>
-            </a:r>
-            <a:r>
-              <a:rPr lang="en-US" sz="1100" b="0" i="0" u="none" strike="noStrike" baseline="0" dirty="0">
-                <a:latin typeface="Tahoma" panose="020B0604030504040204" pitchFamily="34" charset="0"/>
-                <a:ea typeface="Tahoma" panose="020B0604030504040204" pitchFamily="34" charset="0"/>
-                <a:cs typeface="Tahoma" panose="020B0604030504040204" pitchFamily="34" charset="0"/>
-              </a:rPr>
-              <a:t> DNS resolution (sequential).</a:t>
-            </a:r>
-            <a:endParaRPr lang="en-US" sz="1100" dirty="0">
-              <a:latin typeface="Tahoma" panose="020B0604030504040204" pitchFamily="34" charset="0"/>
-              <a:ea typeface="Tahoma" panose="020B0604030504040204" pitchFamily="34" charset="0"/>
-              <a:cs typeface="Tahoma" panose="020B0604030504040204" pitchFamily="34" charset="0"/>
-            </a:endParaRPr>
-          </a:p>
-        </p:txBody>
-      </p:sp>
-    </p:spTree>
-    <p:extLst>
-      <p:ext uri="{BB962C8B-B14F-4D97-AF65-F5344CB8AC3E}">
-        <p14:creationId xmlns:p14="http://schemas.microsoft.com/office/powerpoint/2010/main" val="1867642827"/>
-      </p:ext>
-    </p:extLst>
-  </p:cSld>
-  <p:clrMapOvr>
-    <a:masterClrMapping/>
-  </p:clrMapOvr>
-  <p:transition>
-    <p:cut/>
-  </p:transition>
-</p:sld>
-</file>
-
-<file path=ppt/slides/slide15.xml><?xml version="1.0" encoding="utf-8"?>
-<p:sld xmlns:a="http://schemas.openxmlformats.org/drawingml/2006/main" xmlns:r="http://schemas.openxmlformats.org/officeDocument/2006/relationships" xmlns:p="http://schemas.openxmlformats.org/presentationml/2006/main">
-  <p:cSld>
-    <p:spTree>
-      <p:nvGrpSpPr>
-        <p:cNvPr id="1" name=""/>
-        <p:cNvGrpSpPr/>
-        <p:nvPr/>
-      </p:nvGrpSpPr>
-      <p:grpSpPr>
-        <a:xfrm>
-          <a:off x="0" y="0"/>
-          <a:ext cx="0" cy="0"/>
-          <a:chOff x="0" y="0"/>
-          <a:chExt cx="0" cy="0"/>
-        </a:xfrm>
-      </p:grpSpPr>
-      <p:sp>
-        <p:nvSpPr>
-          <p:cNvPr id="2" name="object 2"/>
-          <p:cNvSpPr txBox="1">
-            <a:spLocks noGrp="1"/>
-          </p:cNvSpPr>
-          <p:nvPr>
-            <p:ph type="title"/>
-          </p:nvPr>
-        </p:nvSpPr>
-        <p:spPr>
-          <a:xfrm>
-            <a:off x="95300" y="51933"/>
-            <a:ext cx="3186429" cy="232756"/>
-          </a:xfrm>
-          <a:prstGeom prst="rect">
-            <a:avLst/>
-          </a:prstGeom>
-        </p:spPr>
-        <p:txBody>
-          <a:bodyPr vert="horz" wrap="square" lIns="0" tIns="17145" rIns="0" bIns="0" rtlCol="0">
-            <a:spAutoFit/>
-          </a:bodyPr>
-          <a:lstStyle/>
-          <a:p>
-            <a:pPr marL="12700">
-              <a:lnSpc>
-                <a:spcPct val="100000"/>
-              </a:lnSpc>
-              <a:spcBef>
-                <a:spcPts val="135"/>
-              </a:spcBef>
-            </a:pPr>
-            <a:r>
-              <a:rPr lang="en-US" spc="-30" dirty="0"/>
-              <a:t>3</a:t>
-            </a:r>
-            <a:r>
-              <a:rPr spc="-30" dirty="0"/>
-              <a:t>.1</a:t>
-            </a:r>
-            <a:r>
-              <a:rPr spc="-45" dirty="0"/>
-              <a:t> </a:t>
-            </a:r>
-            <a:r>
-              <a:rPr lang="en-US" spc="-45" dirty="0"/>
-              <a:t>Subdomains</a:t>
-            </a:r>
-            <a:endParaRPr spc="-20" dirty="0"/>
-          </a:p>
-        </p:txBody>
-      </p:sp>
-      <p:sp>
-        <p:nvSpPr>
-          <p:cNvPr id="7" name="TextBox 6">
-            <a:extLst>
-              <a:ext uri="{FF2B5EF4-FFF2-40B4-BE49-F238E27FC236}">
-                <a16:creationId xmlns:a16="http://schemas.microsoft.com/office/drawing/2014/main" id="{F744E719-5141-4528-8FB3-CFB9D2675FDA}"/>
-              </a:ext>
-            </a:extLst>
-          </p:cNvPr>
-          <p:cNvSpPr txBox="1"/>
-          <p:nvPr/>
-        </p:nvSpPr>
-        <p:spPr>
-          <a:xfrm>
-            <a:off x="0" y="2187575"/>
-            <a:ext cx="4733618" cy="1107996"/>
-          </a:xfrm>
-          <a:prstGeom prst="rect">
-            <a:avLst/>
-          </a:prstGeom>
-          <a:noFill/>
-        </p:spPr>
-        <p:txBody>
-          <a:bodyPr wrap="square">
-            <a:spAutoFit/>
-          </a:bodyPr>
-          <a:lstStyle/>
-          <a:p>
-            <a:pPr marL="171450" indent="-171450" algn="l">
-              <a:buFont typeface="Arial" panose="020B0604020202020204" pitchFamily="34" charset="0"/>
-              <a:buChar char="•"/>
-            </a:pPr>
-            <a:r>
-              <a:rPr lang="en-US" sz="1100" b="0" i="0" u="none" strike="noStrike" baseline="0" dirty="0" err="1">
-                <a:latin typeface="VnNimbusRomanNo9L"/>
-              </a:rPr>
-              <a:t>Sử</a:t>
-            </a:r>
-            <a:r>
-              <a:rPr lang="en-US" sz="1100" b="0" i="0" u="none" strike="noStrike" baseline="0" dirty="0">
-                <a:latin typeface="VnNimbusRomanNo9L"/>
-              </a:rPr>
-              <a:t> </a:t>
-            </a:r>
-            <a:r>
-              <a:rPr lang="en-US" sz="1100" b="0" i="0" u="none" strike="noStrike" baseline="0" dirty="0" err="1">
-                <a:latin typeface="VnNimbusRomanNo9L"/>
-              </a:rPr>
-              <a:t>dụng</a:t>
-            </a:r>
-            <a:r>
-              <a:rPr lang="en-US" sz="1100" b="0" i="0" u="none" strike="noStrike" baseline="0" dirty="0">
-                <a:latin typeface="VnNimbusRomanNo9L"/>
-              </a:rPr>
-              <a:t> </a:t>
-            </a:r>
-            <a:r>
-              <a:rPr lang="en-US" sz="1100" b="0" i="0" u="none" strike="noStrike" baseline="0" dirty="0" err="1">
-                <a:latin typeface="VNTT12"/>
-              </a:rPr>
-              <a:t>trust_dns_resolver</a:t>
-            </a:r>
-            <a:r>
-              <a:rPr lang="en-US" sz="1100" b="0" i="0" u="none" strike="noStrike" baseline="0" dirty="0">
-                <a:latin typeface="VNTT12"/>
-              </a:rPr>
-              <a:t>::</a:t>
-            </a:r>
-            <a:r>
-              <a:rPr lang="en-US" sz="1100" b="0" i="0" u="none" strike="noStrike" baseline="0" dirty="0" err="1">
-                <a:latin typeface="VNTT12"/>
-              </a:rPr>
-              <a:t>AsyncResolver</a:t>
-            </a:r>
-            <a:r>
-              <a:rPr lang="en-US" sz="1100" b="0" i="0" u="none" strike="noStrike" baseline="0" dirty="0">
-                <a:latin typeface="VNTT12"/>
-              </a:rPr>
-              <a:t> </a:t>
-            </a:r>
-            <a:r>
-              <a:rPr lang="en-US" sz="1100" b="0" i="0" u="none" strike="noStrike" baseline="0" dirty="0" err="1">
-                <a:latin typeface="VnNimbusRomanNo9L"/>
-              </a:rPr>
-              <a:t>cho</a:t>
-            </a:r>
-            <a:r>
-              <a:rPr lang="en-US" sz="1100" b="0" i="0" u="none" strike="noStrike" baseline="0" dirty="0">
-                <a:latin typeface="VnNimbusRomanNo9L"/>
-              </a:rPr>
-              <a:t> DNS resolution (non-blocking).</a:t>
-            </a:r>
-          </a:p>
-          <a:p>
-            <a:pPr algn="l"/>
-            <a:r>
-              <a:rPr lang="en-US" sz="1100" b="0" i="0" u="none" strike="noStrike" baseline="0" dirty="0">
-                <a:latin typeface="NimbusRomNo9L-Regu"/>
-              </a:rPr>
-              <a:t>• </a:t>
-            </a:r>
-            <a:r>
-              <a:rPr lang="en-US" sz="1100" b="0" i="0" u="none" strike="noStrike" baseline="0" dirty="0" err="1">
-                <a:latin typeface="VnNimbusRomanNo9L"/>
-              </a:rPr>
-              <a:t>Sử</a:t>
-            </a:r>
-            <a:r>
-              <a:rPr lang="en-US" sz="1100" b="0" i="0" u="none" strike="noStrike" baseline="0" dirty="0">
-                <a:latin typeface="VnNimbusRomanNo9L"/>
-              </a:rPr>
-              <a:t> </a:t>
-            </a:r>
-            <a:r>
-              <a:rPr lang="en-US" sz="1100" b="0" i="0" u="none" strike="noStrike" baseline="0" dirty="0" err="1">
-                <a:latin typeface="VnNimbusRomanNo9L"/>
-              </a:rPr>
-              <a:t>dụng</a:t>
-            </a:r>
-            <a:r>
-              <a:rPr lang="en-US" sz="1100" b="0" i="0" u="none" strike="noStrike" baseline="0" dirty="0">
-                <a:latin typeface="VnNimbusRomanNo9L"/>
-              </a:rPr>
-              <a:t> </a:t>
-            </a:r>
-            <a:r>
-              <a:rPr lang="en-US" sz="1100" b="0" i="0" u="none" strike="noStrike" baseline="0" dirty="0">
-                <a:latin typeface="VNTT12"/>
-              </a:rPr>
-              <a:t>futures::stream::</a:t>
-            </a:r>
-            <a:r>
-              <a:rPr lang="en-US" sz="1100" b="0" i="0" u="none" strike="noStrike" baseline="0" dirty="0" err="1">
-                <a:latin typeface="VNTT12"/>
-              </a:rPr>
-              <a:t>iter</a:t>
-            </a:r>
-            <a:r>
-              <a:rPr lang="en-US" sz="1100" b="0" i="0" u="none" strike="noStrike" baseline="0" dirty="0">
-                <a:latin typeface="VNTT12"/>
-              </a:rPr>
-              <a:t>() </a:t>
-            </a:r>
-            <a:r>
-              <a:rPr lang="en-US" sz="1100" b="0" i="0" u="none" strike="noStrike" baseline="0" dirty="0" err="1">
-                <a:latin typeface="VnNimbusRomanNo9L"/>
-              </a:rPr>
-              <a:t>và</a:t>
-            </a:r>
-            <a:r>
-              <a:rPr lang="en-US" sz="1100" b="0" i="0" u="none" strike="noStrike" baseline="0" dirty="0">
-                <a:latin typeface="VnNimbusRomanNo9L"/>
-              </a:rPr>
-              <a:t> </a:t>
-            </a:r>
-            <a:r>
-              <a:rPr lang="en-US" sz="1100" b="0" i="0" u="none" strike="noStrike" baseline="0" dirty="0" err="1">
-                <a:latin typeface="VNTT12"/>
-              </a:rPr>
-              <a:t>filter_map</a:t>
-            </a:r>
-            <a:r>
-              <a:rPr lang="en-US" sz="1100" b="0" i="0" u="none" strike="noStrike" baseline="0" dirty="0">
-                <a:latin typeface="VNTT12"/>
-              </a:rPr>
-              <a:t>() </a:t>
-            </a:r>
-            <a:r>
-              <a:rPr lang="en-US" sz="1100" b="0" i="0" u="none" strike="noStrike" baseline="0" dirty="0" err="1">
-                <a:latin typeface="VnNimbusRomanNo9L"/>
-              </a:rPr>
-              <a:t>để</a:t>
-            </a:r>
-            <a:r>
-              <a:rPr lang="en-US" sz="1100" b="0" i="0" u="none" strike="noStrike" baseline="0" dirty="0">
-                <a:latin typeface="VnNimbusRomanNo9L"/>
-              </a:rPr>
-              <a:t> </a:t>
-            </a:r>
-            <a:r>
-              <a:rPr lang="en-US" sz="1100" b="0" i="0" u="none" strike="noStrike" baseline="0" dirty="0" err="1">
-                <a:latin typeface="VnNimbusRomanNo9L"/>
-              </a:rPr>
-              <a:t>thực</a:t>
-            </a:r>
-            <a:r>
-              <a:rPr lang="en-US" sz="1100" b="0" i="0" u="none" strike="noStrike" baseline="0" dirty="0">
-                <a:latin typeface="VnNimbusRomanNo9L"/>
-              </a:rPr>
-              <a:t> </a:t>
-            </a:r>
-            <a:r>
-              <a:rPr lang="en-US" sz="1100" b="0" i="0" u="none" strike="noStrike" baseline="0" dirty="0" err="1">
-                <a:latin typeface="VnNimbusRomanNo9L"/>
-              </a:rPr>
-              <a:t>hiện</a:t>
-            </a:r>
-            <a:r>
-              <a:rPr lang="en-US" sz="1100" b="0" i="0" u="none" strike="noStrike" baseline="0" dirty="0">
-                <a:latin typeface="VnNimbusRomanNo9L"/>
-              </a:rPr>
-              <a:t> DNS resolution</a:t>
-            </a:r>
-          </a:p>
-          <a:p>
-            <a:pPr algn="l"/>
-            <a:r>
-              <a:rPr lang="en-US" sz="1100" b="0" i="0" u="none" strike="noStrike" baseline="0" dirty="0" err="1">
-                <a:latin typeface="VnNimbusRomanNo9L"/>
-              </a:rPr>
-              <a:t>đồng</a:t>
-            </a:r>
-            <a:r>
-              <a:rPr lang="en-US" sz="1100" b="0" i="0" u="none" strike="noStrike" baseline="0" dirty="0">
-                <a:latin typeface="VnNimbusRomanNo9L"/>
-              </a:rPr>
-              <a:t> </a:t>
-            </a:r>
-            <a:r>
-              <a:rPr lang="en-US" sz="1100" b="0" i="0" u="none" strike="noStrike" baseline="0" dirty="0" err="1">
-                <a:latin typeface="VnNimbusRomanNo9L"/>
-              </a:rPr>
-              <a:t>thời</a:t>
-            </a:r>
-            <a:r>
-              <a:rPr lang="en-US" sz="1100" b="0" i="0" u="none" strike="noStrike" baseline="0" dirty="0">
-                <a:latin typeface="VnNimbusRomanNo9L"/>
-              </a:rPr>
-              <a:t> </a:t>
-            </a:r>
-            <a:r>
-              <a:rPr lang="en-US" sz="1100" b="0" i="0" u="none" strike="noStrike" baseline="0" dirty="0" err="1">
-                <a:latin typeface="VnNimbusRomanNo9L"/>
-              </a:rPr>
-              <a:t>cho</a:t>
-            </a:r>
-            <a:r>
-              <a:rPr lang="en-US" sz="1100" b="0" i="0" u="none" strike="noStrike" baseline="0" dirty="0">
-                <a:latin typeface="VnNimbusRomanNo9L"/>
-              </a:rPr>
-              <a:t> </a:t>
-            </a:r>
-            <a:r>
-              <a:rPr lang="en-US" sz="1100" b="0" i="0" u="none" strike="noStrike" baseline="0" dirty="0" err="1">
-                <a:latin typeface="VnNimbusRomanNo9L"/>
-              </a:rPr>
-              <a:t>các</a:t>
-            </a:r>
-            <a:r>
-              <a:rPr lang="en-US" sz="1100" b="0" i="0" u="none" strike="noStrike" baseline="0" dirty="0">
-                <a:latin typeface="VnNimbusRomanNo9L"/>
-              </a:rPr>
-              <a:t> subdomain.</a:t>
-            </a:r>
-          </a:p>
-          <a:p>
-            <a:pPr algn="l"/>
-            <a:r>
-              <a:rPr lang="vi-VN" sz="1100" b="0" i="0" u="none" strike="noStrike" baseline="0" dirty="0">
-                <a:latin typeface="NimbusRomNo9L-Regu"/>
-              </a:rPr>
-              <a:t>• </a:t>
-            </a:r>
-            <a:r>
-              <a:rPr lang="vi-VN" sz="1100" b="0" i="0" u="none" strike="noStrike" baseline="0" dirty="0">
-                <a:latin typeface="VnNimbusRomanNo9L"/>
-              </a:rPr>
-              <a:t>Hàm </a:t>
-            </a:r>
-            <a:r>
-              <a:rPr lang="vi-VN" sz="1100" b="0" i="0" u="none" strike="noStrike" baseline="0" dirty="0">
-                <a:latin typeface="VNTT12"/>
-              </a:rPr>
-              <a:t>enumerate </a:t>
-            </a:r>
-            <a:r>
-              <a:rPr lang="vi-VN" sz="1100" b="0" i="0" u="none" strike="noStrike" baseline="0" dirty="0">
-                <a:latin typeface="VnNimbusRomanNo9L"/>
-              </a:rPr>
-              <a:t>và </a:t>
-            </a:r>
-            <a:r>
-              <a:rPr lang="vi-VN" sz="1100" b="0" i="0" u="none" strike="noStrike" baseline="0" dirty="0">
-                <a:latin typeface="VNTT12"/>
-              </a:rPr>
-              <a:t>resolves </a:t>
-            </a:r>
-            <a:r>
-              <a:rPr lang="vi-VN" sz="1100" b="0" i="0" u="none" strike="noStrike" baseline="0" dirty="0">
-                <a:latin typeface="VnNimbusRomanNo9L"/>
-              </a:rPr>
-              <a:t>được đánh dấu là </a:t>
-            </a:r>
-            <a:r>
-              <a:rPr lang="vi-VN" sz="1100" b="0" i="0" u="none" strike="noStrike" baseline="0" dirty="0">
-                <a:latin typeface="VNTT12"/>
-              </a:rPr>
-              <a:t>async fn </a:t>
-            </a:r>
-            <a:r>
-              <a:rPr lang="vi-VN" sz="1100" b="0" i="0" u="none" strike="noStrike" baseline="0" dirty="0">
-                <a:latin typeface="VnNimbusRomanNo9L"/>
-              </a:rPr>
-              <a:t>và sử dụng </a:t>
-            </a:r>
-            <a:r>
-              <a:rPr lang="vi-VN" sz="1100" b="0" i="0" u="none" strike="noStrike" baseline="0" dirty="0">
-                <a:latin typeface="VNTT12"/>
-              </a:rPr>
-              <a:t>.await </a:t>
-            </a:r>
-            <a:r>
-              <a:rPr lang="vi-VN" sz="1100" b="0" i="0" u="none" strike="noStrike" baseline="0" dirty="0">
-                <a:latin typeface="VnNimbusRomanNo9L"/>
-              </a:rPr>
-              <a:t>cho</a:t>
-            </a:r>
-          </a:p>
-          <a:p>
-            <a:pPr algn="l"/>
-            <a:r>
-              <a:rPr lang="en-US" sz="1100" b="0" i="0" u="none" strike="noStrike" baseline="0" dirty="0" err="1">
-                <a:latin typeface="VnNimbusRomanNo9L"/>
-              </a:rPr>
-              <a:t>các</a:t>
-            </a:r>
-            <a:r>
-              <a:rPr lang="en-US" sz="1100" b="0" i="0" u="none" strike="noStrike" baseline="0" dirty="0">
-                <a:latin typeface="VnNimbusRomanNo9L"/>
-              </a:rPr>
-              <a:t> future.</a:t>
-            </a:r>
-            <a:endParaRPr lang="en-US" sz="1100" dirty="0">
-              <a:latin typeface="Tahoma" panose="020B0604030504040204" pitchFamily="34" charset="0"/>
-              <a:ea typeface="Tahoma" panose="020B0604030504040204" pitchFamily="34" charset="0"/>
-              <a:cs typeface="Tahoma" panose="020B0604030504040204" pitchFamily="34" charset="0"/>
-            </a:endParaRPr>
-          </a:p>
-        </p:txBody>
-      </p:sp>
-      <p:pic>
-        <p:nvPicPr>
-          <p:cNvPr id="5" name="Picture 4">
-            <a:extLst>
-              <a:ext uri="{FF2B5EF4-FFF2-40B4-BE49-F238E27FC236}">
-                <a16:creationId xmlns:a16="http://schemas.microsoft.com/office/drawing/2014/main" id="{F43CEEF2-3040-41E1-A507-845BE1B500FF}"/>
-              </a:ext>
-            </a:extLst>
-          </p:cNvPr>
-          <p:cNvPicPr>
-            <a:picLocks noChangeAspect="1"/>
-          </p:cNvPicPr>
-          <p:nvPr/>
-        </p:nvPicPr>
-        <p:blipFill>
-          <a:blip r:embed="rId2"/>
-          <a:stretch>
-            <a:fillRect/>
-          </a:stretch>
-        </p:blipFill>
-        <p:spPr>
-          <a:xfrm>
-            <a:off x="-5531" y="587375"/>
-            <a:ext cx="4610100" cy="1374108"/>
-          </a:xfrm>
-          <a:prstGeom prst="rect">
-            <a:avLst/>
-          </a:prstGeom>
-        </p:spPr>
-      </p:pic>
-    </p:spTree>
-    <p:extLst>
-      <p:ext uri="{BB962C8B-B14F-4D97-AF65-F5344CB8AC3E}">
-        <p14:creationId xmlns:p14="http://schemas.microsoft.com/office/powerpoint/2010/main" val="1468209479"/>
-      </p:ext>
-    </p:extLst>
-  </p:cSld>
-  <p:clrMapOvr>
-    <a:masterClrMapping/>
-  </p:clrMapOvr>
-  <p:transition>
-    <p:cut/>
-  </p:transition>
-</p:sld>
-</file>
-
-<file path=ppt/slides/slide16.xml><?xml version="1.0" encoding="utf-8"?>
-<p:sld xmlns:a="http://schemas.openxmlformats.org/drawingml/2006/main" xmlns:r="http://schemas.openxmlformats.org/officeDocument/2006/relationships" xmlns:p="http://schemas.openxmlformats.org/presentationml/2006/main">
-  <p:cSld>
-    <p:spTree>
-      <p:nvGrpSpPr>
-        <p:cNvPr id="1" name=""/>
-        <p:cNvGrpSpPr/>
-        <p:nvPr/>
-      </p:nvGrpSpPr>
-      <p:grpSpPr>
-        <a:xfrm>
-          <a:off x="0" y="0"/>
-          <a:ext cx="0" cy="0"/>
-          <a:chOff x="0" y="0"/>
-          <a:chExt cx="0" cy="0"/>
-        </a:xfrm>
-      </p:grpSpPr>
-      <p:sp>
-        <p:nvSpPr>
-          <p:cNvPr id="2" name="object 2"/>
-          <p:cNvSpPr txBox="1">
-            <a:spLocks noGrp="1"/>
-          </p:cNvSpPr>
-          <p:nvPr>
-            <p:ph type="title"/>
-          </p:nvPr>
-        </p:nvSpPr>
-        <p:spPr>
-          <a:xfrm>
-            <a:off x="95300" y="51933"/>
-            <a:ext cx="3186429" cy="232756"/>
-          </a:xfrm>
-          <a:prstGeom prst="rect">
-            <a:avLst/>
-          </a:prstGeom>
-        </p:spPr>
-        <p:txBody>
-          <a:bodyPr vert="horz" wrap="square" lIns="0" tIns="17145" rIns="0" bIns="0" rtlCol="0">
-            <a:spAutoFit/>
-          </a:bodyPr>
-          <a:lstStyle/>
-          <a:p>
-            <a:pPr marL="12700">
-              <a:lnSpc>
-                <a:spcPct val="100000"/>
-              </a:lnSpc>
-              <a:spcBef>
-                <a:spcPts val="135"/>
-              </a:spcBef>
-            </a:pPr>
-            <a:r>
-              <a:rPr lang="en-US" spc="-30" dirty="0"/>
-              <a:t>3</a:t>
-            </a:r>
-            <a:r>
-              <a:rPr spc="-30" dirty="0"/>
-              <a:t>.1</a:t>
-            </a:r>
-            <a:r>
-              <a:rPr spc="-45" dirty="0"/>
-              <a:t> </a:t>
-            </a:r>
-            <a:r>
-              <a:rPr lang="en-US" spc="-45" dirty="0"/>
-              <a:t>Subdomains</a:t>
-            </a:r>
-            <a:endParaRPr spc="-20" dirty="0"/>
-          </a:p>
-        </p:txBody>
-      </p:sp>
-      <p:sp>
-        <p:nvSpPr>
-          <p:cNvPr id="7" name="TextBox 6">
-            <a:extLst>
-              <a:ext uri="{FF2B5EF4-FFF2-40B4-BE49-F238E27FC236}">
-                <a16:creationId xmlns:a16="http://schemas.microsoft.com/office/drawing/2014/main" id="{F744E719-5141-4528-8FB3-CFB9D2675FDA}"/>
-              </a:ext>
-            </a:extLst>
-          </p:cNvPr>
-          <p:cNvSpPr txBox="1"/>
-          <p:nvPr/>
-        </p:nvSpPr>
-        <p:spPr>
-          <a:xfrm>
-            <a:off x="-27653" y="2113655"/>
-            <a:ext cx="4733618" cy="938719"/>
-          </a:xfrm>
-          <a:prstGeom prst="rect">
-            <a:avLst/>
-          </a:prstGeom>
-          <a:noFill/>
-        </p:spPr>
-        <p:txBody>
-          <a:bodyPr wrap="square">
-            <a:spAutoFit/>
-          </a:bodyPr>
-          <a:lstStyle/>
-          <a:p>
-            <a:pPr algn="l"/>
-            <a:r>
-              <a:rPr lang="en-US" sz="1100" b="0" i="0" u="none" strike="noStrike" baseline="0" dirty="0" err="1">
-                <a:latin typeface="VnNimbusRomanNo9L"/>
-              </a:rPr>
-              <a:t>Túm</a:t>
-            </a:r>
-            <a:r>
-              <a:rPr lang="en-US" sz="1100" b="0" i="0" u="none" strike="noStrike" baseline="0" dirty="0">
-                <a:latin typeface="VnNimbusRomanNo9L"/>
-              </a:rPr>
-              <a:t> </a:t>
-            </a:r>
-            <a:r>
-              <a:rPr lang="en-US" sz="1100" b="0" i="0" u="none" strike="noStrike" baseline="0" dirty="0" err="1">
-                <a:latin typeface="VnNimbusRomanNo9L"/>
-              </a:rPr>
-              <a:t>lại</a:t>
-            </a:r>
-            <a:r>
-              <a:rPr lang="en-US" sz="1100" b="0" i="0" u="none" strike="noStrike" baseline="0" dirty="0">
-                <a:latin typeface="VnNimbusRomanNo9L"/>
-              </a:rPr>
-              <a:t>:</a:t>
-            </a:r>
-          </a:p>
-          <a:p>
-            <a:pPr marL="171450" indent="-171450" algn="l">
-              <a:buFont typeface="Arial" panose="020B0604020202020204" pitchFamily="34" charset="0"/>
-              <a:buChar char="•"/>
-            </a:pPr>
-            <a:r>
-              <a:rPr lang="en-US" sz="1100" b="0" i="0" u="none" strike="noStrike" baseline="0" dirty="0">
-                <a:latin typeface="VnNimbusRomanNo9L"/>
-              </a:rPr>
-              <a:t>Async/Await </a:t>
-            </a:r>
-            <a:r>
-              <a:rPr lang="en-US" sz="1100" b="0" i="0" u="none" strike="noStrike" baseline="0" dirty="0" err="1">
-                <a:latin typeface="VnNimbusRomanNo9L"/>
-              </a:rPr>
-              <a:t>chuyển</a:t>
-            </a:r>
-            <a:r>
-              <a:rPr lang="en-US" sz="1100" b="0" i="0" u="none" strike="noStrike" baseline="0" dirty="0">
-                <a:latin typeface="VnNimbusRomanNo9L"/>
-              </a:rPr>
-              <a:t> sang </a:t>
-            </a:r>
-            <a:r>
-              <a:rPr lang="en-US" sz="1100" b="0" i="0" u="none" strike="noStrike" baseline="0" dirty="0" err="1">
-                <a:latin typeface="VnNimbusRomanNo9L"/>
-              </a:rPr>
-              <a:t>sử</a:t>
-            </a:r>
-            <a:r>
-              <a:rPr lang="en-US" sz="1100" dirty="0">
-                <a:latin typeface="VnNimbusRomanNo9L"/>
-              </a:rPr>
-              <a:t> </a:t>
-            </a:r>
-            <a:r>
-              <a:rPr lang="en-US" sz="1100" b="0" i="0" u="none" strike="noStrike" baseline="0" dirty="0" err="1">
-                <a:latin typeface="VnNimbusRomanNo9L"/>
-              </a:rPr>
-              <a:t>dụng</a:t>
-            </a:r>
-            <a:r>
-              <a:rPr lang="en-US" sz="1100" b="0" i="0" u="none" strike="noStrike" baseline="0" dirty="0">
-                <a:latin typeface="VnNimbusRomanNo9L"/>
-              </a:rPr>
-              <a:t> </a:t>
-            </a:r>
-            <a:r>
-              <a:rPr lang="en-US" sz="1100" b="0" i="0" u="none" strike="noStrike" baseline="0" dirty="0" err="1">
-                <a:latin typeface="VnNimbusRomanNo9L"/>
-              </a:rPr>
-              <a:t>các</a:t>
-            </a:r>
-            <a:r>
-              <a:rPr lang="en-US" sz="1100" b="0" i="0" u="none" strike="noStrike" baseline="0" dirty="0">
-                <a:latin typeface="VnNimbusRomanNo9L"/>
-              </a:rPr>
-              <a:t> API </a:t>
-            </a:r>
-            <a:r>
-              <a:rPr lang="en-US" sz="1100" b="0" i="0" u="none" strike="noStrike" baseline="0" dirty="0" err="1">
-                <a:latin typeface="VnNimbusRomanNo9L"/>
-              </a:rPr>
-              <a:t>không</a:t>
-            </a:r>
-            <a:r>
-              <a:rPr lang="en-US" sz="1100" b="0" i="0" u="none" strike="noStrike" baseline="0" dirty="0">
-                <a:latin typeface="VnNimbusRomanNo9L"/>
-              </a:rPr>
-              <a:t> </a:t>
-            </a:r>
-            <a:r>
-              <a:rPr lang="en-US" sz="1100" b="0" i="0" u="none" strike="noStrike" baseline="0" dirty="0" err="1">
-                <a:latin typeface="VnNimbusRomanNo9L"/>
-              </a:rPr>
-              <a:t>đồng</a:t>
-            </a:r>
-            <a:r>
-              <a:rPr lang="en-US" sz="1100" b="0" i="0" u="none" strike="noStrike" baseline="0" dirty="0">
-                <a:latin typeface="VnNimbusRomanNo9L"/>
-              </a:rPr>
-              <a:t> </a:t>
-            </a:r>
-            <a:r>
-              <a:rPr lang="en-US" sz="1100" b="0" i="0" u="none" strike="noStrike" baseline="0" dirty="0" err="1">
-                <a:latin typeface="VnNimbusRomanNo9L"/>
-              </a:rPr>
-              <a:t>bộ</a:t>
-            </a:r>
-            <a:r>
-              <a:rPr lang="en-US" sz="1100" b="0" i="0" u="none" strike="noStrike" baseline="0" dirty="0">
-                <a:latin typeface="VnNimbusRomanNo9L"/>
-              </a:rPr>
-              <a:t> </a:t>
-            </a:r>
-            <a:r>
-              <a:rPr lang="en-US" sz="1100" b="0" i="0" u="none" strike="noStrike" baseline="0" dirty="0" err="1">
-                <a:latin typeface="VnNimbusRomanNo9L"/>
-              </a:rPr>
-              <a:t>cho</a:t>
-            </a:r>
-            <a:r>
-              <a:rPr lang="en-US" sz="1100" b="0" i="0" u="none" strike="noStrike" baseline="0" dirty="0">
-                <a:latin typeface="VnNimbusRomanNo9L"/>
-              </a:rPr>
-              <a:t> HTTP request </a:t>
-            </a:r>
-            <a:r>
-              <a:rPr lang="en-US" sz="1100" b="0" i="0" u="none" strike="noStrike" baseline="0" dirty="0" err="1">
-                <a:latin typeface="VnNimbusRomanNo9L"/>
-              </a:rPr>
-              <a:t>và</a:t>
-            </a:r>
-            <a:r>
-              <a:rPr lang="en-US" sz="1100" b="0" i="0" u="none" strike="noStrike" baseline="0" dirty="0">
-                <a:latin typeface="VnNimbusRomanNo9L"/>
-              </a:rPr>
-              <a:t> DNS resolution. </a:t>
-            </a:r>
-          </a:p>
-          <a:p>
-            <a:pPr marL="171450" indent="-171450" algn="l">
-              <a:buFont typeface="Arial" panose="020B0604020202020204" pitchFamily="34" charset="0"/>
-              <a:buChar char="•"/>
-            </a:pPr>
-            <a:r>
-              <a:rPr lang="en-US" sz="1100" b="0" i="0" u="none" strike="noStrike" baseline="0" dirty="0" err="1">
-                <a:latin typeface="VnNimbusRomanNo9L"/>
-              </a:rPr>
-              <a:t>Sử</a:t>
-            </a:r>
-            <a:r>
-              <a:rPr lang="en-US" sz="1100" b="0" i="0" u="none" strike="noStrike" baseline="0" dirty="0">
-                <a:latin typeface="VnNimbusRomanNo9L"/>
-              </a:rPr>
-              <a:t> </a:t>
-            </a:r>
-            <a:r>
-              <a:rPr lang="en-US" sz="1100" b="0" i="0" u="none" strike="noStrike" baseline="0" dirty="0" err="1">
-                <a:latin typeface="VnNimbusRomanNo9L"/>
-              </a:rPr>
-              <a:t>dụng</a:t>
-            </a:r>
-            <a:r>
-              <a:rPr lang="en-US" sz="1100" b="0" i="0" u="none" strike="noStrike" baseline="0" dirty="0">
-                <a:latin typeface="VnNimbusRomanNo9L"/>
-              </a:rPr>
-              <a:t> stream </a:t>
-            </a:r>
-            <a:r>
-              <a:rPr lang="en-US" sz="1100" b="0" i="0" u="none" strike="noStrike" baseline="0" dirty="0" err="1">
-                <a:latin typeface="VnNimbusRomanNo9L"/>
-              </a:rPr>
-              <a:t>và</a:t>
-            </a:r>
-            <a:r>
-              <a:rPr lang="en-US" sz="1100" b="0" i="0" u="none" strike="noStrike" baseline="0" dirty="0">
-                <a:latin typeface="VnNimbusRomanNo9L"/>
-              </a:rPr>
-              <a:t> </a:t>
-            </a:r>
-            <a:r>
-              <a:rPr lang="en-US" sz="1100" b="0" i="0" u="none" strike="noStrike" baseline="0" dirty="0" err="1">
-                <a:latin typeface="VNTT12"/>
-              </a:rPr>
-              <a:t>filter_map</a:t>
-            </a:r>
-            <a:r>
-              <a:rPr lang="en-US" sz="1100" b="0" i="0" u="none" strike="noStrike" baseline="0" dirty="0">
-                <a:latin typeface="VNTT12"/>
-              </a:rPr>
-              <a:t>() </a:t>
-            </a:r>
-            <a:r>
-              <a:rPr lang="en-US" sz="1100" b="0" i="0" u="none" strike="noStrike" baseline="0" dirty="0" err="1">
-                <a:latin typeface="VnNimbusRomanNo9L"/>
-              </a:rPr>
-              <a:t>cho</a:t>
-            </a:r>
-            <a:r>
-              <a:rPr lang="en-US" sz="1100" b="0" i="0" u="none" strike="noStrike" baseline="0" dirty="0">
-                <a:latin typeface="VnNimbusRomanNo9L"/>
-              </a:rPr>
-              <a:t> </a:t>
-            </a:r>
-            <a:r>
-              <a:rPr lang="en-US" sz="1100" b="0" i="0" u="none" strike="noStrike" baseline="0" dirty="0" err="1">
-                <a:latin typeface="VnNimbusRomanNo9L"/>
-              </a:rPr>
-              <a:t>phép</a:t>
-            </a:r>
-            <a:r>
-              <a:rPr lang="en-US" sz="1100" b="0" i="0" u="none" strike="noStrike" baseline="0" dirty="0">
-                <a:latin typeface="VnNimbusRomanNo9L"/>
-              </a:rPr>
-              <a:t> </a:t>
-            </a:r>
-            <a:r>
-              <a:rPr lang="en-US" sz="1100" b="0" i="0" u="none" strike="noStrike" baseline="0" dirty="0" err="1">
-                <a:latin typeface="VnNimbusRomanNo9L"/>
-              </a:rPr>
-              <a:t>thực</a:t>
-            </a:r>
-            <a:r>
-              <a:rPr lang="en-US" sz="1100" b="0" i="0" u="none" strike="noStrike" baseline="0" dirty="0">
-                <a:latin typeface="VnNimbusRomanNo9L"/>
-              </a:rPr>
-              <a:t> </a:t>
-            </a:r>
-            <a:r>
-              <a:rPr lang="en-US" sz="1100" b="0" i="0" u="none" strike="noStrike" baseline="0" dirty="0" err="1">
-                <a:latin typeface="VnNimbusRomanNo9L"/>
-              </a:rPr>
-              <a:t>hiện</a:t>
-            </a:r>
-            <a:r>
-              <a:rPr lang="en-US" sz="1100" b="0" i="0" u="none" strike="noStrike" baseline="0" dirty="0">
-                <a:latin typeface="VnNimbusRomanNo9L"/>
-              </a:rPr>
-              <a:t> DNS resolution </a:t>
-            </a:r>
-            <a:r>
-              <a:rPr lang="en-US" sz="1100" b="0" i="0" u="none" strike="noStrike" baseline="0" dirty="0" err="1">
-                <a:latin typeface="VnNimbusRomanNo9L"/>
-              </a:rPr>
-              <a:t>đồng</a:t>
-            </a:r>
-            <a:r>
-              <a:rPr lang="en-US" sz="1100" b="0" i="0" u="none" strike="noStrike" baseline="0" dirty="0">
-                <a:latin typeface="VnNimbusRomanNo9L"/>
-              </a:rPr>
-              <a:t> </a:t>
-            </a:r>
-            <a:r>
-              <a:rPr lang="en-US" sz="1100" b="0" i="0" u="none" strike="noStrike" baseline="0" dirty="0" err="1">
-                <a:latin typeface="VnNimbusRomanNo9L"/>
-              </a:rPr>
-              <a:t>thời</a:t>
-            </a:r>
-            <a:r>
-              <a:rPr lang="en-US" sz="1100" b="0" i="0" u="none" strike="noStrike" baseline="0" dirty="0">
-                <a:latin typeface="VnNimbusRomanNo9L"/>
-              </a:rPr>
-              <a:t> </a:t>
-            </a:r>
-            <a:r>
-              <a:rPr lang="en-US" sz="1100" b="0" i="0" u="none" strike="noStrike" baseline="0" dirty="0" err="1">
-                <a:latin typeface="VnNimbusRomanNo9L"/>
-              </a:rPr>
-              <a:t>cho</a:t>
-            </a:r>
-            <a:r>
-              <a:rPr lang="en-US" sz="1100" b="0" i="0" u="none" strike="noStrike" baseline="0" dirty="0">
-                <a:latin typeface="VnNimbusRomanNo9L"/>
-              </a:rPr>
-              <a:t> </a:t>
-            </a:r>
-            <a:r>
-              <a:rPr lang="en-US" sz="1100" b="0" i="0" u="none" strike="noStrike" baseline="0" dirty="0" err="1">
-                <a:latin typeface="VnNimbusRomanNo9L"/>
-              </a:rPr>
-              <a:t>nhiều</a:t>
-            </a:r>
-            <a:r>
-              <a:rPr lang="en-US" sz="1100" b="0" i="0" u="none" strike="noStrike" baseline="0" dirty="0">
-                <a:latin typeface="VnNimbusRomanNo9L"/>
-              </a:rPr>
-              <a:t> subdomain, </a:t>
-            </a:r>
-            <a:r>
-              <a:rPr lang="en-US" sz="1100" b="0" i="0" u="none" strike="noStrike" baseline="0" dirty="0" err="1">
-                <a:latin typeface="VnNimbusRomanNo9L"/>
-              </a:rPr>
-              <a:t>tăng</a:t>
-            </a:r>
-            <a:r>
-              <a:rPr lang="en-US" sz="1100" b="0" i="0" u="none" strike="noStrike" baseline="0" dirty="0">
-                <a:latin typeface="VnNimbusRomanNo9L"/>
-              </a:rPr>
-              <a:t> </a:t>
-            </a:r>
-            <a:r>
-              <a:rPr lang="en-US" sz="1100" b="0" i="0" u="none" strike="noStrike" baseline="0" dirty="0" err="1">
-                <a:latin typeface="VnNimbusRomanNo9L"/>
-              </a:rPr>
-              <a:t>tốc</a:t>
-            </a:r>
-            <a:r>
-              <a:rPr lang="en-US" sz="1100" b="0" i="0" u="none" strike="noStrike" baseline="0" dirty="0">
-                <a:latin typeface="VnNimbusRomanNo9L"/>
-              </a:rPr>
-              <a:t> </a:t>
-            </a:r>
-            <a:r>
-              <a:rPr lang="en-US" sz="1100" b="0" i="0" u="none" strike="noStrike" baseline="0" dirty="0" err="1">
-                <a:latin typeface="VnNimbusRomanNo9L"/>
-              </a:rPr>
-              <a:t>quá</a:t>
-            </a:r>
-            <a:r>
-              <a:rPr lang="en-US" sz="1100" b="0" i="0" u="none" strike="noStrike" baseline="0" dirty="0">
-                <a:latin typeface="VnNimbusRomanNo9L"/>
-              </a:rPr>
-              <a:t> </a:t>
-            </a:r>
-            <a:r>
-              <a:rPr lang="en-US" sz="1100" b="0" i="0" u="none" strike="noStrike" baseline="0" dirty="0" err="1">
-                <a:latin typeface="VnNimbusRomanNo9L"/>
-              </a:rPr>
-              <a:t>trình</a:t>
-            </a:r>
-            <a:r>
-              <a:rPr lang="en-US" sz="1100" b="0" i="0" u="none" strike="noStrike" baseline="0" dirty="0">
-                <a:latin typeface="VnNimbusRomanNo9L"/>
-              </a:rPr>
-              <a:t> </a:t>
-            </a:r>
-            <a:r>
-              <a:rPr lang="en-US" sz="1100" b="0" i="0" u="none" strike="noStrike" baseline="0" dirty="0" err="1">
-                <a:latin typeface="VnNimbusRomanNo9L"/>
-              </a:rPr>
-              <a:t>liệt</a:t>
-            </a:r>
-            <a:r>
-              <a:rPr lang="en-US" sz="1100" b="0" i="0" u="none" strike="noStrike" baseline="0" dirty="0">
-                <a:latin typeface="VnNimbusRomanNo9L"/>
-              </a:rPr>
-              <a:t> </a:t>
-            </a:r>
-            <a:r>
-              <a:rPr lang="en-US" sz="1100" b="0" i="0" u="none" strike="noStrike" baseline="0" dirty="0" err="1">
-                <a:latin typeface="VnNimbusRomanNo9L"/>
-              </a:rPr>
-              <a:t>kê</a:t>
-            </a:r>
-            <a:r>
-              <a:rPr lang="en-US" sz="1100" b="0" i="0" u="none" strike="noStrike" baseline="0" dirty="0">
-                <a:latin typeface="VnNimbusRomanNo9L"/>
-              </a:rPr>
-              <a:t> subdomain.</a:t>
-            </a:r>
-            <a:endParaRPr lang="en-US" sz="1100" dirty="0">
-              <a:latin typeface="Tahoma" panose="020B0604030504040204" pitchFamily="34" charset="0"/>
-              <a:ea typeface="Tahoma" panose="020B0604030504040204" pitchFamily="34" charset="0"/>
-              <a:cs typeface="Tahoma" panose="020B0604030504040204" pitchFamily="34" charset="0"/>
-            </a:endParaRPr>
-          </a:p>
-        </p:txBody>
-      </p:sp>
-      <p:pic>
-        <p:nvPicPr>
-          <p:cNvPr id="8" name="Picture 7">
-            <a:extLst>
-              <a:ext uri="{FF2B5EF4-FFF2-40B4-BE49-F238E27FC236}">
-                <a16:creationId xmlns:a16="http://schemas.microsoft.com/office/drawing/2014/main" id="{C54C7037-C02B-43B9-B319-A2057191F959}"/>
-              </a:ext>
-            </a:extLst>
-          </p:cNvPr>
-          <p:cNvPicPr>
-            <a:picLocks noChangeAspect="1"/>
-          </p:cNvPicPr>
-          <p:nvPr/>
-        </p:nvPicPr>
-        <p:blipFill>
-          <a:blip r:embed="rId2"/>
-          <a:stretch>
-            <a:fillRect/>
-          </a:stretch>
-        </p:blipFill>
-        <p:spPr>
-          <a:xfrm>
-            <a:off x="8603" y="968375"/>
-            <a:ext cx="4610100" cy="904148"/>
-          </a:xfrm>
-          <a:prstGeom prst="rect">
-            <a:avLst/>
-          </a:prstGeom>
-        </p:spPr>
-      </p:pic>
-    </p:spTree>
-    <p:extLst>
-      <p:ext uri="{BB962C8B-B14F-4D97-AF65-F5344CB8AC3E}">
-        <p14:creationId xmlns:p14="http://schemas.microsoft.com/office/powerpoint/2010/main" val="3064161775"/>
-      </p:ext>
-    </p:extLst>
-  </p:cSld>
-  <p:clrMapOvr>
-    <a:masterClrMapping/>
-  </p:clrMapOvr>
-  <p:transition>
-    <p:cut/>
-  </p:transition>
-</p:sld>
-</file>
-
-<file path=ppt/slides/slide17.xml><?xml version="1.0" encoding="utf-8"?>
-<p:sld xmlns:a="http://schemas.openxmlformats.org/drawingml/2006/main" xmlns:r="http://schemas.openxmlformats.org/officeDocument/2006/relationships" xmlns:p="http://schemas.openxmlformats.org/presentationml/2006/main">
-  <p:cSld>
-    <p:spTree>
-      <p:nvGrpSpPr>
-        <p:cNvPr id="1" name=""/>
-        <p:cNvGrpSpPr/>
-        <p:nvPr/>
-      </p:nvGrpSpPr>
-      <p:grpSpPr>
-        <a:xfrm>
-          <a:off x="0" y="0"/>
-          <a:ext cx="0" cy="0"/>
-          <a:chOff x="0" y="0"/>
-          <a:chExt cx="0" cy="0"/>
-        </a:xfrm>
-      </p:grpSpPr>
-      <p:sp>
-        <p:nvSpPr>
-          <p:cNvPr id="2" name="object 2"/>
-          <p:cNvSpPr txBox="1">
-            <a:spLocks noGrp="1"/>
-          </p:cNvSpPr>
-          <p:nvPr>
-            <p:ph type="title"/>
-          </p:nvPr>
-        </p:nvSpPr>
-        <p:spPr>
-          <a:xfrm>
-            <a:off x="95300" y="51933"/>
-            <a:ext cx="3186429" cy="232756"/>
-          </a:xfrm>
-          <a:prstGeom prst="rect">
-            <a:avLst/>
-          </a:prstGeom>
-        </p:spPr>
-        <p:txBody>
-          <a:bodyPr vert="horz" wrap="square" lIns="0" tIns="17145" rIns="0" bIns="0" rtlCol="0">
-            <a:spAutoFit/>
-          </a:bodyPr>
-          <a:lstStyle/>
-          <a:p>
-            <a:pPr marL="12700">
-              <a:lnSpc>
-                <a:spcPct val="100000"/>
-              </a:lnSpc>
-              <a:spcBef>
-                <a:spcPts val="135"/>
-              </a:spcBef>
-            </a:pPr>
-            <a:r>
-              <a:rPr lang="en-US" spc="-30" dirty="0"/>
-              <a:t>4</a:t>
-            </a:r>
-            <a:r>
-              <a:rPr spc="-30" dirty="0"/>
-              <a:t>.1</a:t>
-            </a:r>
-            <a:r>
-              <a:rPr spc="-45" dirty="0"/>
-              <a:t> </a:t>
-            </a:r>
-            <a:r>
-              <a:rPr lang="en-US" spc="-45" dirty="0" err="1"/>
-              <a:t>Comparision</a:t>
-            </a:r>
-            <a:endParaRPr spc="-20" dirty="0"/>
-          </a:p>
-        </p:txBody>
-      </p:sp>
-      <p:sp>
-        <p:nvSpPr>
-          <p:cNvPr id="7" name="TextBox 6">
-            <a:extLst>
-              <a:ext uri="{FF2B5EF4-FFF2-40B4-BE49-F238E27FC236}">
-                <a16:creationId xmlns:a16="http://schemas.microsoft.com/office/drawing/2014/main" id="{F744E719-5141-4528-8FB3-CFB9D2675FDA}"/>
-              </a:ext>
-            </a:extLst>
-          </p:cNvPr>
-          <p:cNvSpPr txBox="1"/>
-          <p:nvPr/>
-        </p:nvSpPr>
-        <p:spPr>
-          <a:xfrm>
-            <a:off x="-27653" y="2113655"/>
-            <a:ext cx="4733618" cy="892552"/>
-          </a:xfrm>
-          <a:prstGeom prst="rect">
-            <a:avLst/>
-          </a:prstGeom>
-          <a:noFill/>
-        </p:spPr>
-        <p:txBody>
-          <a:bodyPr wrap="square">
-            <a:spAutoFit/>
-          </a:bodyPr>
-          <a:lstStyle/>
-          <a:p>
-            <a:pPr algn="l"/>
-            <a:r>
-              <a:rPr lang="en-US" sz="1100" b="0" i="0" u="none" strike="noStrike" baseline="0" dirty="0" err="1">
-                <a:latin typeface="VnNimbusRomanNo9L"/>
-              </a:rPr>
-              <a:t>Quét</a:t>
-            </a:r>
-            <a:r>
-              <a:rPr lang="en-US" sz="1100" b="0" i="0" u="none" strike="noStrike" baseline="0" dirty="0">
-                <a:latin typeface="VnNimbusRomanNo9L"/>
-              </a:rPr>
-              <a:t> </a:t>
-            </a:r>
-            <a:r>
-              <a:rPr lang="en-US" sz="1100" b="0" i="0" u="none" strike="noStrike" baseline="0" dirty="0" err="1">
-                <a:latin typeface="VnNimbusRomanNo9L"/>
-              </a:rPr>
-              <a:t>cổng</a:t>
-            </a:r>
-            <a:r>
-              <a:rPr lang="en-US" sz="1100" b="0" i="0" u="none" strike="noStrike" baseline="0" dirty="0">
-                <a:latin typeface="VnNimbusRomanNo9L"/>
-              </a:rPr>
-              <a:t> </a:t>
-            </a:r>
-            <a:r>
-              <a:rPr lang="en-US" sz="1100" b="0" i="0" u="none" strike="noStrike" baseline="0" dirty="0" err="1">
-                <a:latin typeface="VnNimbusRomanNo9L"/>
-              </a:rPr>
-              <a:t>là</a:t>
-            </a:r>
-            <a:r>
-              <a:rPr lang="en-US" sz="1100" b="0" i="0" u="none" strike="noStrike" baseline="0" dirty="0">
-                <a:latin typeface="VnNimbusRomanNo9L"/>
-              </a:rPr>
-              <a:t> </a:t>
-            </a:r>
-            <a:r>
-              <a:rPr lang="en-US" sz="1100" b="0" i="0" u="none" strike="noStrike" baseline="0" dirty="0" err="1">
-                <a:latin typeface="VnNimbusRomanNo9L"/>
-              </a:rPr>
-              <a:t>tác</a:t>
-            </a:r>
-            <a:r>
-              <a:rPr lang="en-US" sz="1100" b="0" i="0" u="none" strike="noStrike" baseline="0" dirty="0">
-                <a:latin typeface="VnNimbusRomanNo9L"/>
-              </a:rPr>
-              <a:t> </a:t>
-            </a:r>
-            <a:r>
-              <a:rPr lang="en-US" sz="1100" b="0" i="0" u="none" strike="noStrike" baseline="0" dirty="0" err="1">
-                <a:latin typeface="VnNimbusRomanNo9L"/>
-              </a:rPr>
-              <a:t>vụ</a:t>
-            </a:r>
-            <a:r>
-              <a:rPr lang="en-US" sz="1100" b="0" i="0" u="none" strike="noStrike" baseline="0" dirty="0">
-                <a:latin typeface="VnNimbusRomanNo9L"/>
-              </a:rPr>
-              <a:t> </a:t>
-            </a:r>
-            <a:r>
-              <a:rPr lang="en-US" sz="1100" b="0" i="0" u="none" strike="noStrike" baseline="0" dirty="0" err="1">
-                <a:latin typeface="VnNimbusRomanNo9L"/>
-              </a:rPr>
-              <a:t>nặng</a:t>
-            </a:r>
-            <a:r>
-              <a:rPr lang="en-US" sz="1100" b="0" i="0" u="none" strike="noStrike" baseline="0" dirty="0">
-                <a:latin typeface="VnNimbusRomanNo9L"/>
-              </a:rPr>
-              <a:t> I/O bound: </a:t>
-            </a:r>
-          </a:p>
-          <a:p>
-            <a:pPr algn="l"/>
-            <a:endParaRPr lang="en-US" sz="1100" b="0" i="0" u="none" strike="noStrike" baseline="0" dirty="0">
-              <a:latin typeface="VnNimbusRomanNo9L"/>
-            </a:endParaRPr>
-          </a:p>
-          <a:p>
-            <a:pPr marL="171450" indent="-171450" algn="l">
-              <a:buFont typeface="Arial" panose="020B0604020202020204" pitchFamily="34" charset="0"/>
-              <a:buChar char="•"/>
-            </a:pPr>
-            <a:r>
-              <a:rPr lang="en-US" sz="1000" b="0" i="0" u="none" strike="noStrike" baseline="0" dirty="0" err="1">
-                <a:latin typeface="Tahoma" panose="020B0604030504040204" pitchFamily="34" charset="0"/>
-                <a:ea typeface="Tahoma" panose="020B0604030504040204" pitchFamily="34" charset="0"/>
-                <a:cs typeface="Tahoma" panose="020B0604030504040204" pitchFamily="34" charset="0"/>
-              </a:rPr>
-              <a:t>Thời</a:t>
-            </a:r>
-            <a:r>
-              <a:rPr lang="en-US" sz="1000" b="0" i="0" u="none" strike="noStrike" baseline="0" dirty="0">
-                <a:latin typeface="Tahoma" panose="020B0604030504040204" pitchFamily="34" charset="0"/>
-                <a:ea typeface="Tahoma" panose="020B0604030504040204" pitchFamily="34" charset="0"/>
-                <a:cs typeface="Tahoma" panose="020B0604030504040204" pitchFamily="34" charset="0"/>
-              </a:rPr>
-              <a:t> </a:t>
-            </a:r>
-            <a:r>
-              <a:rPr lang="en-US" sz="1000" b="0" i="0" u="none" strike="noStrike" baseline="0" dirty="0" err="1">
-                <a:latin typeface="Tahoma" panose="020B0604030504040204" pitchFamily="34" charset="0"/>
-                <a:ea typeface="Tahoma" panose="020B0604030504040204" pitchFamily="34" charset="0"/>
-                <a:cs typeface="Tahoma" panose="020B0604030504040204" pitchFamily="34" charset="0"/>
-              </a:rPr>
-              <a:t>gian</a:t>
-            </a:r>
-            <a:r>
-              <a:rPr lang="en-US" sz="1000" b="0" i="0" u="none" strike="noStrike" baseline="0" dirty="0">
-                <a:latin typeface="Tahoma" panose="020B0604030504040204" pitchFamily="34" charset="0"/>
-                <a:ea typeface="Tahoma" panose="020B0604030504040204" pitchFamily="34" charset="0"/>
-                <a:cs typeface="Tahoma" panose="020B0604030504040204" pitchFamily="34" charset="0"/>
-              </a:rPr>
-              <a:t> </a:t>
-            </a:r>
-            <a:r>
-              <a:rPr lang="en-US" sz="1000" b="0" i="0" u="none" strike="noStrike" baseline="0" dirty="0" err="1">
-                <a:latin typeface="Tahoma" panose="020B0604030504040204" pitchFamily="34" charset="0"/>
-                <a:ea typeface="Tahoma" panose="020B0604030504040204" pitchFamily="34" charset="0"/>
-                <a:cs typeface="Tahoma" panose="020B0604030504040204" pitchFamily="34" charset="0"/>
-              </a:rPr>
-              <a:t>thực</a:t>
-            </a:r>
-            <a:r>
-              <a:rPr lang="en-US" sz="1000" b="0" i="0" u="none" strike="noStrike" baseline="0" dirty="0">
-                <a:latin typeface="Tahoma" panose="020B0604030504040204" pitchFamily="34" charset="0"/>
-                <a:ea typeface="Tahoma" panose="020B0604030504040204" pitchFamily="34" charset="0"/>
-                <a:cs typeface="Tahoma" panose="020B0604030504040204" pitchFamily="34" charset="0"/>
-              </a:rPr>
-              <a:t> </a:t>
-            </a:r>
-            <a:r>
-              <a:rPr lang="en-US" sz="1000" b="0" i="0" u="none" strike="noStrike" baseline="0" dirty="0" err="1">
-                <a:latin typeface="Tahoma" panose="020B0604030504040204" pitchFamily="34" charset="0"/>
-                <a:ea typeface="Tahoma" panose="020B0604030504040204" pitchFamily="34" charset="0"/>
-                <a:cs typeface="Tahoma" panose="020B0604030504040204" pitchFamily="34" charset="0"/>
-              </a:rPr>
-              <a:t>thi</a:t>
-            </a:r>
-            <a:r>
-              <a:rPr lang="en-US" sz="1000" b="0" i="0" u="none" strike="noStrike" baseline="0" dirty="0">
-                <a:latin typeface="Tahoma" panose="020B0604030504040204" pitchFamily="34" charset="0"/>
-                <a:ea typeface="Tahoma" panose="020B0604030504040204" pitchFamily="34" charset="0"/>
-                <a:cs typeface="Tahoma" panose="020B0604030504040204" pitchFamily="34" charset="0"/>
-              </a:rPr>
-              <a:t> </a:t>
-            </a:r>
-            <a:r>
-              <a:rPr lang="en-US" sz="1000" b="0" i="0" u="none" strike="noStrike" baseline="0" dirty="0" err="1">
-                <a:latin typeface="Tahoma" panose="020B0604030504040204" pitchFamily="34" charset="0"/>
-                <a:ea typeface="Tahoma" panose="020B0604030504040204" pitchFamily="34" charset="0"/>
-                <a:cs typeface="Tahoma" panose="020B0604030504040204" pitchFamily="34" charset="0"/>
-              </a:rPr>
-              <a:t>chủ</a:t>
-            </a:r>
-            <a:r>
-              <a:rPr lang="en-US" sz="1000" dirty="0">
-                <a:latin typeface="Tahoma" panose="020B0604030504040204" pitchFamily="34" charset="0"/>
-                <a:ea typeface="Tahoma" panose="020B0604030504040204" pitchFamily="34" charset="0"/>
-                <a:cs typeface="Tahoma" panose="020B0604030504040204" pitchFamily="34" charset="0"/>
-              </a:rPr>
-              <a:t> </a:t>
-            </a:r>
-            <a:r>
-              <a:rPr lang="en-US" sz="1000" b="0" i="0" u="none" strike="noStrike" baseline="0" dirty="0" err="1">
-                <a:latin typeface="Tahoma" panose="020B0604030504040204" pitchFamily="34" charset="0"/>
-                <a:ea typeface="Tahoma" panose="020B0604030504040204" pitchFamily="34" charset="0"/>
-                <a:cs typeface="Tahoma" panose="020B0604030504040204" pitchFamily="34" charset="0"/>
-              </a:rPr>
-              <a:t>yếu</a:t>
-            </a:r>
-            <a:r>
-              <a:rPr lang="en-US" sz="1000" b="0" i="0" u="none" strike="noStrike" baseline="0" dirty="0">
-                <a:latin typeface="Tahoma" panose="020B0604030504040204" pitchFamily="34" charset="0"/>
-                <a:ea typeface="Tahoma" panose="020B0604030504040204" pitchFamily="34" charset="0"/>
-                <a:cs typeface="Tahoma" panose="020B0604030504040204" pitchFamily="34" charset="0"/>
-              </a:rPr>
-              <a:t> </a:t>
-            </a:r>
-            <a:r>
-              <a:rPr lang="en-US" sz="1000" b="0" i="0" u="none" strike="noStrike" baseline="0" dirty="0" err="1">
-                <a:latin typeface="Tahoma" panose="020B0604030504040204" pitchFamily="34" charset="0"/>
-                <a:ea typeface="Tahoma" panose="020B0604030504040204" pitchFamily="34" charset="0"/>
-                <a:cs typeface="Tahoma" panose="020B0604030504040204" pitchFamily="34" charset="0"/>
-              </a:rPr>
-              <a:t>phụ</a:t>
-            </a:r>
-            <a:r>
-              <a:rPr lang="en-US" sz="1000" b="0" i="0" u="none" strike="noStrike" baseline="0" dirty="0">
-                <a:latin typeface="Tahoma" panose="020B0604030504040204" pitchFamily="34" charset="0"/>
-                <a:ea typeface="Tahoma" panose="020B0604030504040204" pitchFamily="34" charset="0"/>
-                <a:cs typeface="Tahoma" panose="020B0604030504040204" pitchFamily="34" charset="0"/>
-              </a:rPr>
-              <a:t> </a:t>
-            </a:r>
-            <a:r>
-              <a:rPr lang="en-US" sz="1000" b="0" i="0" u="none" strike="noStrike" baseline="0" dirty="0" err="1">
-                <a:latin typeface="Tahoma" panose="020B0604030504040204" pitchFamily="34" charset="0"/>
-                <a:ea typeface="Tahoma" panose="020B0604030504040204" pitchFamily="34" charset="0"/>
-                <a:cs typeface="Tahoma" panose="020B0604030504040204" pitchFamily="34" charset="0"/>
-              </a:rPr>
-              <a:t>thuộc</a:t>
-            </a:r>
-            <a:r>
-              <a:rPr lang="en-US" sz="1000" b="0" i="0" u="none" strike="noStrike" baseline="0" dirty="0">
-                <a:latin typeface="Tahoma" panose="020B0604030504040204" pitchFamily="34" charset="0"/>
-                <a:ea typeface="Tahoma" panose="020B0604030504040204" pitchFamily="34" charset="0"/>
-                <a:cs typeface="Tahoma" panose="020B0604030504040204" pitchFamily="34" charset="0"/>
-              </a:rPr>
-              <a:t> </a:t>
-            </a:r>
-            <a:r>
-              <a:rPr lang="en-US" sz="1000" b="0" i="0" u="none" strike="noStrike" baseline="0" dirty="0" err="1">
-                <a:latin typeface="Tahoma" panose="020B0604030504040204" pitchFamily="34" charset="0"/>
-                <a:ea typeface="Tahoma" panose="020B0604030504040204" pitchFamily="34" charset="0"/>
-                <a:cs typeface="Tahoma" panose="020B0604030504040204" pitchFamily="34" charset="0"/>
-              </a:rPr>
-              <a:t>vào</a:t>
-            </a:r>
-            <a:r>
-              <a:rPr lang="en-US" sz="1000" b="0" i="0" u="none" strike="noStrike" baseline="0" dirty="0">
-                <a:latin typeface="Tahoma" panose="020B0604030504040204" pitchFamily="34" charset="0"/>
-                <a:ea typeface="Tahoma" panose="020B0604030504040204" pitchFamily="34" charset="0"/>
-                <a:cs typeface="Tahoma" panose="020B0604030504040204" pitchFamily="34" charset="0"/>
-              </a:rPr>
-              <a:t> </a:t>
-            </a:r>
-            <a:r>
-              <a:rPr lang="en-US" sz="1000" b="0" i="0" u="none" strike="noStrike" baseline="0" dirty="0" err="1">
-                <a:latin typeface="Tahoma" panose="020B0604030504040204" pitchFamily="34" charset="0"/>
-                <a:ea typeface="Tahoma" panose="020B0604030504040204" pitchFamily="34" charset="0"/>
-                <a:cs typeface="Tahoma" panose="020B0604030504040204" pitchFamily="34" charset="0"/>
-              </a:rPr>
-              <a:t>thời</a:t>
-            </a:r>
-            <a:r>
-              <a:rPr lang="en-US" sz="1000" b="0" i="0" u="none" strike="noStrike" baseline="0" dirty="0">
-                <a:latin typeface="Tahoma" panose="020B0604030504040204" pitchFamily="34" charset="0"/>
-                <a:ea typeface="Tahoma" panose="020B0604030504040204" pitchFamily="34" charset="0"/>
-                <a:cs typeface="Tahoma" panose="020B0604030504040204" pitchFamily="34" charset="0"/>
-              </a:rPr>
-              <a:t> </a:t>
-            </a:r>
-            <a:r>
-              <a:rPr lang="en-US" sz="1000" b="0" i="0" u="none" strike="noStrike" baseline="0" dirty="0" err="1">
-                <a:latin typeface="Tahoma" panose="020B0604030504040204" pitchFamily="34" charset="0"/>
-                <a:ea typeface="Tahoma" panose="020B0604030504040204" pitchFamily="34" charset="0"/>
-                <a:cs typeface="Tahoma" panose="020B0604030504040204" pitchFamily="34" charset="0"/>
-              </a:rPr>
-              <a:t>gian</a:t>
-            </a:r>
-            <a:r>
-              <a:rPr lang="en-US" sz="1000" b="0" i="0" u="none" strike="noStrike" baseline="0" dirty="0">
-                <a:latin typeface="Tahoma" panose="020B0604030504040204" pitchFamily="34" charset="0"/>
-                <a:ea typeface="Tahoma" panose="020B0604030504040204" pitchFamily="34" charset="0"/>
-                <a:cs typeface="Tahoma" panose="020B0604030504040204" pitchFamily="34" charset="0"/>
-              </a:rPr>
-              <a:t> </a:t>
-            </a:r>
-            <a:r>
-              <a:rPr lang="en-US" sz="1000" b="0" i="0" u="none" strike="noStrike" baseline="0" dirty="0" err="1">
-                <a:latin typeface="Tahoma" panose="020B0604030504040204" pitchFamily="34" charset="0"/>
-                <a:ea typeface="Tahoma" panose="020B0604030504040204" pitchFamily="34" charset="0"/>
-                <a:cs typeface="Tahoma" panose="020B0604030504040204" pitchFamily="34" charset="0"/>
-              </a:rPr>
-              <a:t>chờ</a:t>
-            </a:r>
-            <a:r>
-              <a:rPr lang="en-US" sz="1000" b="0" i="0" u="none" strike="noStrike" baseline="0" dirty="0">
-                <a:latin typeface="Tahoma" panose="020B0604030504040204" pitchFamily="34" charset="0"/>
-                <a:ea typeface="Tahoma" panose="020B0604030504040204" pitchFamily="34" charset="0"/>
-                <a:cs typeface="Tahoma" panose="020B0604030504040204" pitchFamily="34" charset="0"/>
-              </a:rPr>
-              <a:t> </a:t>
-            </a:r>
-            <a:r>
-              <a:rPr lang="en-US" sz="1000" b="0" i="0" u="none" strike="noStrike" baseline="0" dirty="0" err="1">
-                <a:latin typeface="Tahoma" panose="020B0604030504040204" pitchFamily="34" charset="0"/>
-                <a:ea typeface="Tahoma" panose="020B0604030504040204" pitchFamily="34" charset="0"/>
-                <a:cs typeface="Tahoma" panose="020B0604030504040204" pitchFamily="34" charset="0"/>
-              </a:rPr>
-              <a:t>đợi</a:t>
-            </a:r>
-            <a:r>
-              <a:rPr lang="en-US" sz="1000" b="0" i="0" u="none" strike="noStrike" baseline="0" dirty="0">
-                <a:latin typeface="Tahoma" panose="020B0604030504040204" pitchFamily="34" charset="0"/>
-                <a:ea typeface="Tahoma" panose="020B0604030504040204" pitchFamily="34" charset="0"/>
-                <a:cs typeface="Tahoma" panose="020B0604030504040204" pitchFamily="34" charset="0"/>
-              </a:rPr>
-              <a:t> </a:t>
-            </a:r>
-            <a:r>
-              <a:rPr lang="en-US" sz="1000" b="0" i="0" u="none" strike="noStrike" baseline="0" dirty="0" err="1">
-                <a:latin typeface="Tahoma" panose="020B0604030504040204" pitchFamily="34" charset="0"/>
-                <a:ea typeface="Tahoma" panose="020B0604030504040204" pitchFamily="34" charset="0"/>
-                <a:cs typeface="Tahoma" panose="020B0604030504040204" pitchFamily="34" charset="0"/>
-              </a:rPr>
-              <a:t>các</a:t>
-            </a:r>
-            <a:r>
-              <a:rPr lang="en-US" sz="1000" b="0" i="0" u="none" strike="noStrike" baseline="0" dirty="0">
-                <a:latin typeface="Tahoma" panose="020B0604030504040204" pitchFamily="34" charset="0"/>
-                <a:ea typeface="Tahoma" panose="020B0604030504040204" pitchFamily="34" charset="0"/>
-                <a:cs typeface="Tahoma" panose="020B0604030504040204" pitchFamily="34" charset="0"/>
-              </a:rPr>
-              <a:t> </a:t>
-            </a:r>
-            <a:r>
-              <a:rPr lang="en-US" sz="1000" b="0" i="0" u="none" strike="noStrike" baseline="0" dirty="0" err="1">
-                <a:latin typeface="Tahoma" panose="020B0604030504040204" pitchFamily="34" charset="0"/>
-                <a:ea typeface="Tahoma" panose="020B0604030504040204" pitchFamily="34" charset="0"/>
-                <a:cs typeface="Tahoma" panose="020B0604030504040204" pitchFamily="34" charset="0"/>
-              </a:rPr>
-              <a:t>thao</a:t>
-            </a:r>
-            <a:r>
-              <a:rPr lang="en-US" sz="1000" b="0" i="0" u="none" strike="noStrike" baseline="0" dirty="0">
-                <a:latin typeface="Tahoma" panose="020B0604030504040204" pitchFamily="34" charset="0"/>
-                <a:ea typeface="Tahoma" panose="020B0604030504040204" pitchFamily="34" charset="0"/>
-                <a:cs typeface="Tahoma" panose="020B0604030504040204" pitchFamily="34" charset="0"/>
-              </a:rPr>
-              <a:t> </a:t>
-            </a:r>
-            <a:r>
-              <a:rPr lang="en-US" sz="1000" b="0" i="0" u="none" strike="noStrike" baseline="0" dirty="0" err="1">
-                <a:latin typeface="Tahoma" panose="020B0604030504040204" pitchFamily="34" charset="0"/>
-                <a:ea typeface="Tahoma" panose="020B0604030504040204" pitchFamily="34" charset="0"/>
-                <a:cs typeface="Tahoma" panose="020B0604030504040204" pitchFamily="34" charset="0"/>
-              </a:rPr>
-              <a:t>tác</a:t>
-            </a:r>
-            <a:r>
-              <a:rPr lang="en-US" sz="1000" b="0" i="0" u="none" strike="noStrike" baseline="0" dirty="0">
-                <a:latin typeface="Tahoma" panose="020B0604030504040204" pitchFamily="34" charset="0"/>
-                <a:ea typeface="Tahoma" panose="020B0604030504040204" pitchFamily="34" charset="0"/>
-                <a:cs typeface="Tahoma" panose="020B0604030504040204" pitchFamily="34" charset="0"/>
-              </a:rPr>
-              <a:t> </a:t>
-            </a:r>
-            <a:r>
-              <a:rPr lang="en-US" sz="1000" b="0" i="0" u="none" strike="noStrike" baseline="0" dirty="0" err="1">
-                <a:latin typeface="Tahoma" panose="020B0604030504040204" pitchFamily="34" charset="0"/>
-                <a:ea typeface="Tahoma" panose="020B0604030504040204" pitchFamily="34" charset="0"/>
-                <a:cs typeface="Tahoma" panose="020B0604030504040204" pitchFamily="34" charset="0"/>
-              </a:rPr>
-              <a:t>mạng</a:t>
-            </a:r>
-            <a:r>
-              <a:rPr lang="en-US" sz="1000" dirty="0">
-                <a:latin typeface="Tahoma" panose="020B0604030504040204" pitchFamily="34" charset="0"/>
-                <a:ea typeface="Tahoma" panose="020B0604030504040204" pitchFamily="34" charset="0"/>
-                <a:cs typeface="Tahoma" panose="020B0604030504040204" pitchFamily="34" charset="0"/>
-              </a:rPr>
-              <a:t> </a:t>
-            </a:r>
-            <a:r>
-              <a:rPr lang="en-US" sz="1000" b="0" i="0" u="none" strike="noStrike" baseline="0" dirty="0">
-                <a:latin typeface="Tahoma" panose="020B0604030504040204" pitchFamily="34" charset="0"/>
-                <a:ea typeface="Tahoma" panose="020B0604030504040204" pitchFamily="34" charset="0"/>
-                <a:cs typeface="Tahoma" panose="020B0604030504040204" pitchFamily="34" charset="0"/>
-              </a:rPr>
-              <a:t>(HTTP request, DNS resolution, </a:t>
-            </a:r>
-            <a:r>
-              <a:rPr lang="vi-VN" sz="1000" b="0" i="0" u="none" strike="noStrike" baseline="0" dirty="0">
-                <a:latin typeface="Tahoma" panose="020B0604030504040204" pitchFamily="34" charset="0"/>
-                <a:ea typeface="Tahoma" panose="020B0604030504040204" pitchFamily="34" charset="0"/>
-                <a:cs typeface="Tahoma" panose="020B0604030504040204" pitchFamily="34" charset="0"/>
-              </a:rPr>
-              <a:t>TCP connection). </a:t>
-            </a:r>
-            <a:endParaRPr lang="en-US" sz="1000" b="0" i="0" u="none" strike="noStrike" baseline="0" dirty="0">
-              <a:latin typeface="Tahoma" panose="020B0604030504040204" pitchFamily="34" charset="0"/>
-              <a:ea typeface="Tahoma" panose="020B0604030504040204" pitchFamily="34" charset="0"/>
-              <a:cs typeface="Tahoma" panose="020B0604030504040204" pitchFamily="34" charset="0"/>
-            </a:endParaRPr>
-          </a:p>
-          <a:p>
-            <a:pPr marL="171450" indent="-171450" algn="l">
-              <a:buFont typeface="Arial" panose="020B0604020202020204" pitchFamily="34" charset="0"/>
-              <a:buChar char="•"/>
-            </a:pPr>
-            <a:r>
-              <a:rPr lang="vi-VN" sz="1000" b="0" i="0" u="none" strike="noStrike" baseline="0" dirty="0">
-                <a:latin typeface="Tahoma" panose="020B0604030504040204" pitchFamily="34" charset="0"/>
-                <a:ea typeface="Tahoma" panose="020B0604030504040204" pitchFamily="34" charset="0"/>
-                <a:cs typeface="Tahoma" panose="020B0604030504040204" pitchFamily="34" charset="0"/>
-              </a:rPr>
-              <a:t>CPU utilization thường không cao, đặc biệt khi số lượng task đồng</a:t>
-            </a:r>
-            <a:r>
-              <a:rPr lang="en-US" sz="1000" b="0" i="0" u="none" strike="noStrike" baseline="0" dirty="0">
-                <a:latin typeface="Tahoma" panose="020B0604030504040204" pitchFamily="34" charset="0"/>
-                <a:ea typeface="Tahoma" panose="020B0604030504040204" pitchFamily="34" charset="0"/>
-                <a:cs typeface="Tahoma" panose="020B0604030504040204" pitchFamily="34" charset="0"/>
-              </a:rPr>
-              <a:t> </a:t>
-            </a:r>
-            <a:r>
-              <a:rPr lang="en-US" sz="1000" b="0" i="0" u="none" strike="noStrike" baseline="0" dirty="0" err="1">
-                <a:latin typeface="Tahoma" panose="020B0604030504040204" pitchFamily="34" charset="0"/>
-                <a:ea typeface="Tahoma" panose="020B0604030504040204" pitchFamily="34" charset="0"/>
-                <a:cs typeface="Tahoma" panose="020B0604030504040204" pitchFamily="34" charset="0"/>
-              </a:rPr>
-              <a:t>thời</a:t>
-            </a:r>
-            <a:r>
-              <a:rPr lang="en-US" sz="1000" b="0" i="0" u="none" strike="noStrike" baseline="0" dirty="0">
-                <a:latin typeface="Tahoma" panose="020B0604030504040204" pitchFamily="34" charset="0"/>
-                <a:ea typeface="Tahoma" panose="020B0604030504040204" pitchFamily="34" charset="0"/>
-                <a:cs typeface="Tahoma" panose="020B0604030504040204" pitchFamily="34" charset="0"/>
-              </a:rPr>
-              <a:t> </a:t>
-            </a:r>
-            <a:r>
-              <a:rPr lang="en-US" sz="1000" b="0" i="0" u="none" strike="noStrike" baseline="0" dirty="0" err="1">
-                <a:latin typeface="Tahoma" panose="020B0604030504040204" pitchFamily="34" charset="0"/>
-                <a:ea typeface="Tahoma" panose="020B0604030504040204" pitchFamily="34" charset="0"/>
-                <a:cs typeface="Tahoma" panose="020B0604030504040204" pitchFamily="34" charset="0"/>
-              </a:rPr>
-              <a:t>lớn</a:t>
-            </a:r>
-            <a:r>
-              <a:rPr lang="en-US" sz="1000" b="0" i="0" u="none" strike="noStrike" baseline="0" dirty="0">
-                <a:latin typeface="Tahoma" panose="020B0604030504040204" pitchFamily="34" charset="0"/>
-                <a:ea typeface="Tahoma" panose="020B0604030504040204" pitchFamily="34" charset="0"/>
-                <a:cs typeface="Tahoma" panose="020B0604030504040204" pitchFamily="34" charset="0"/>
-              </a:rPr>
-              <a:t>.</a:t>
-            </a:r>
-            <a:endParaRPr lang="en-US" sz="1000" dirty="0">
-              <a:latin typeface="Tahoma" panose="020B0604030504040204" pitchFamily="34" charset="0"/>
-              <a:ea typeface="Tahoma" panose="020B0604030504040204" pitchFamily="34" charset="0"/>
-              <a:cs typeface="Tahoma" panose="020B0604030504040204" pitchFamily="34" charset="0"/>
-            </a:endParaRPr>
-          </a:p>
-        </p:txBody>
-      </p:sp>
-      <p:pic>
-        <p:nvPicPr>
-          <p:cNvPr id="3" name="Picture 2">
-            <a:extLst>
-              <a:ext uri="{FF2B5EF4-FFF2-40B4-BE49-F238E27FC236}">
-                <a16:creationId xmlns:a16="http://schemas.microsoft.com/office/drawing/2014/main" id="{786E4B60-5431-4FDF-A04E-83074610E58C}"/>
-              </a:ext>
-            </a:extLst>
-          </p:cNvPr>
-          <p:cNvPicPr>
-            <a:picLocks noChangeAspect="1"/>
-          </p:cNvPicPr>
-          <p:nvPr/>
-        </p:nvPicPr>
-        <p:blipFill>
-          <a:blip r:embed="rId2"/>
-          <a:stretch>
-            <a:fillRect/>
-          </a:stretch>
-        </p:blipFill>
-        <p:spPr>
-          <a:xfrm>
-            <a:off x="8603" y="573109"/>
-            <a:ext cx="4601497" cy="1249789"/>
-          </a:xfrm>
-          <a:prstGeom prst="rect">
-            <a:avLst/>
-          </a:prstGeom>
-        </p:spPr>
-      </p:pic>
-    </p:spTree>
-    <p:extLst>
-      <p:ext uri="{BB962C8B-B14F-4D97-AF65-F5344CB8AC3E}">
-        <p14:creationId xmlns:p14="http://schemas.microsoft.com/office/powerpoint/2010/main" val="2400580009"/>
-      </p:ext>
-    </p:extLst>
-  </p:cSld>
-  <p:clrMapOvr>
-    <a:masterClrMapping/>
-  </p:clrMapOvr>
-  <p:transition>
-    <p:cut/>
-  </p:transition>
-</p:sld>
-</file>
-
-<file path=ppt/slides/slide18.xml><?xml version="1.0" encoding="utf-8"?>
-<p:sld xmlns:a="http://schemas.openxmlformats.org/drawingml/2006/main" xmlns:r="http://schemas.openxmlformats.org/officeDocument/2006/relationships" xmlns:p="http://schemas.openxmlformats.org/presentationml/2006/main">
-  <p:cSld>
-    <p:spTree>
-      <p:nvGrpSpPr>
-        <p:cNvPr id="1" name=""/>
-        <p:cNvGrpSpPr/>
-        <p:nvPr/>
-      </p:nvGrpSpPr>
-      <p:grpSpPr>
-        <a:xfrm>
-          <a:off x="0" y="0"/>
-          <a:ext cx="0" cy="0"/>
-          <a:chOff x="0" y="0"/>
-          <a:chExt cx="0" cy="0"/>
-        </a:xfrm>
-      </p:grpSpPr>
-      <p:sp>
-        <p:nvSpPr>
-          <p:cNvPr id="2" name="object 2"/>
-          <p:cNvSpPr txBox="1">
-            <a:spLocks noGrp="1"/>
-          </p:cNvSpPr>
-          <p:nvPr>
-            <p:ph type="title"/>
-          </p:nvPr>
-        </p:nvSpPr>
-        <p:spPr>
-          <a:xfrm>
-            <a:off x="95300" y="51933"/>
-            <a:ext cx="3186429" cy="232756"/>
-          </a:xfrm>
-          <a:prstGeom prst="rect">
-            <a:avLst/>
-          </a:prstGeom>
-        </p:spPr>
-        <p:txBody>
-          <a:bodyPr vert="horz" wrap="square" lIns="0" tIns="17145" rIns="0" bIns="0" rtlCol="0">
-            <a:spAutoFit/>
-          </a:bodyPr>
-          <a:lstStyle/>
-          <a:p>
-            <a:pPr marL="12700">
-              <a:lnSpc>
-                <a:spcPct val="100000"/>
-              </a:lnSpc>
-              <a:spcBef>
-                <a:spcPts val="135"/>
-              </a:spcBef>
-            </a:pPr>
-            <a:r>
-              <a:rPr lang="en-US" spc="-30" dirty="0"/>
-              <a:t>4</a:t>
-            </a:r>
-            <a:r>
-              <a:rPr spc="-30" dirty="0"/>
-              <a:t>.1</a:t>
-            </a:r>
-            <a:r>
-              <a:rPr spc="-45" dirty="0"/>
-              <a:t> </a:t>
-            </a:r>
-            <a:r>
-              <a:rPr lang="en-US" spc="-45" dirty="0" err="1"/>
-              <a:t>Comparision</a:t>
-            </a:r>
-            <a:endParaRPr spc="-20" dirty="0"/>
-          </a:p>
-        </p:txBody>
-      </p:sp>
-      <p:sp>
-        <p:nvSpPr>
-          <p:cNvPr id="7" name="TextBox 6">
-            <a:extLst>
-              <a:ext uri="{FF2B5EF4-FFF2-40B4-BE49-F238E27FC236}">
-                <a16:creationId xmlns:a16="http://schemas.microsoft.com/office/drawing/2014/main" id="{F744E719-5141-4528-8FB3-CFB9D2675FDA}"/>
-              </a:ext>
-            </a:extLst>
-          </p:cNvPr>
-          <p:cNvSpPr txBox="1"/>
-          <p:nvPr/>
-        </p:nvSpPr>
-        <p:spPr>
-          <a:xfrm>
-            <a:off x="0" y="511175"/>
-            <a:ext cx="4733618" cy="430887"/>
-          </a:xfrm>
-          <a:prstGeom prst="rect">
-            <a:avLst/>
-          </a:prstGeom>
-          <a:noFill/>
-        </p:spPr>
-        <p:txBody>
-          <a:bodyPr wrap="square">
-            <a:spAutoFit/>
-          </a:bodyPr>
-          <a:lstStyle/>
-          <a:p>
-            <a:pPr algn="l"/>
-            <a:r>
-              <a:rPr lang="en-US" sz="1100" b="0" i="0" u="none" strike="noStrike" baseline="0" dirty="0">
-                <a:latin typeface="VnNimbusRomanNo9L"/>
-              </a:rPr>
-              <a:t>Khi </a:t>
-            </a:r>
-            <a:r>
-              <a:rPr lang="en-US" sz="1100" b="0" i="0" u="none" strike="noStrike" baseline="0" dirty="0" err="1">
-                <a:latin typeface="VnNimbusRomanNo9L"/>
-              </a:rPr>
-              <a:t>sử</a:t>
-            </a:r>
-            <a:r>
-              <a:rPr lang="en-US" sz="1100" b="0" i="0" u="none" strike="noStrike" baseline="0" dirty="0">
-                <a:latin typeface="VnNimbusRomanNo9L"/>
-              </a:rPr>
-              <a:t> </a:t>
-            </a:r>
-            <a:r>
-              <a:rPr lang="en-US" sz="1100" b="0" i="0" u="none" strike="noStrike" baseline="0" dirty="0" err="1">
-                <a:latin typeface="VnNimbusRomanNo9L"/>
-              </a:rPr>
-              <a:t>dụng</a:t>
-            </a:r>
-            <a:r>
-              <a:rPr lang="en-US" sz="1100" b="0" i="0" u="none" strike="noStrike" baseline="0" dirty="0">
-                <a:latin typeface="VnNimbusRomanNo9L"/>
-              </a:rPr>
-              <a:t> async/await: </a:t>
-            </a:r>
-          </a:p>
-          <a:p>
-            <a:pPr algn="l"/>
-            <a:endParaRPr lang="en-US" sz="1100" b="0" i="0" u="none" strike="noStrike" baseline="0" dirty="0">
-              <a:latin typeface="VnNimbusRomanNo9L"/>
-            </a:endParaRPr>
-          </a:p>
-        </p:txBody>
-      </p:sp>
-      <p:pic>
-        <p:nvPicPr>
-          <p:cNvPr id="5" name="Picture 4">
-            <a:extLst>
-              <a:ext uri="{FF2B5EF4-FFF2-40B4-BE49-F238E27FC236}">
-                <a16:creationId xmlns:a16="http://schemas.microsoft.com/office/drawing/2014/main" id="{D89255E9-5287-42F6-A491-9FAF04A1CD1A}"/>
-              </a:ext>
-            </a:extLst>
-          </p:cNvPr>
-          <p:cNvPicPr>
-            <a:picLocks noChangeAspect="1"/>
-          </p:cNvPicPr>
-          <p:nvPr/>
-        </p:nvPicPr>
-        <p:blipFill>
-          <a:blip r:embed="rId2"/>
-          <a:stretch>
-            <a:fillRect/>
-          </a:stretch>
-        </p:blipFill>
-        <p:spPr>
-          <a:xfrm>
-            <a:off x="0" y="892175"/>
-            <a:ext cx="4610100" cy="1848721"/>
-          </a:xfrm>
-          <a:prstGeom prst="rect">
-            <a:avLst/>
-          </a:prstGeom>
-        </p:spPr>
-      </p:pic>
-    </p:spTree>
-    <p:extLst>
-      <p:ext uri="{BB962C8B-B14F-4D97-AF65-F5344CB8AC3E}">
-        <p14:creationId xmlns:p14="http://schemas.microsoft.com/office/powerpoint/2010/main" val="101820645"/>
-      </p:ext>
-    </p:extLst>
-  </p:cSld>
-  <p:clrMapOvr>
-    <a:masterClrMapping/>
-  </p:clrMapOvr>
-  <p:transition>
-    <p:cut/>
-  </p:transition>
-</p:sld>
-</file>
-
-<file path=ppt/slides/slide19.xml><?xml version="1.0" encoding="utf-8"?>
-<p:sld xmlns:a="http://schemas.openxmlformats.org/drawingml/2006/main" xmlns:r="http://schemas.openxmlformats.org/officeDocument/2006/relationships" xmlns:p="http://schemas.openxmlformats.org/presentationml/2006/main">
-  <p:cSld>
-    <p:spTree>
-      <p:nvGrpSpPr>
-        <p:cNvPr id="1" name=""/>
-        <p:cNvGrpSpPr/>
-        <p:nvPr/>
-      </p:nvGrpSpPr>
-      <p:grpSpPr>
-        <a:xfrm>
-          <a:off x="0" y="0"/>
-          <a:ext cx="0" cy="0"/>
-          <a:chOff x="0" y="0"/>
-          <a:chExt cx="0" cy="0"/>
-        </a:xfrm>
-      </p:grpSpPr>
-      <p:sp>
-        <p:nvSpPr>
-          <p:cNvPr id="2" name="object 2"/>
-          <p:cNvSpPr txBox="1">
-            <a:spLocks noGrp="1"/>
-          </p:cNvSpPr>
-          <p:nvPr>
-            <p:ph type="title"/>
-          </p:nvPr>
-        </p:nvSpPr>
-        <p:spPr>
-          <a:xfrm>
-            <a:off x="95300" y="51933"/>
-            <a:ext cx="3186429" cy="232756"/>
-          </a:xfrm>
-          <a:prstGeom prst="rect">
-            <a:avLst/>
-          </a:prstGeom>
-        </p:spPr>
-        <p:txBody>
-          <a:bodyPr vert="horz" wrap="square" lIns="0" tIns="17145" rIns="0" bIns="0" rtlCol="0">
-            <a:spAutoFit/>
-          </a:bodyPr>
-          <a:lstStyle/>
-          <a:p>
-            <a:pPr marL="12700">
-              <a:lnSpc>
-                <a:spcPct val="100000"/>
-              </a:lnSpc>
-              <a:spcBef>
-                <a:spcPts val="135"/>
-              </a:spcBef>
-            </a:pPr>
-            <a:r>
-              <a:rPr lang="en-US" spc="-30" dirty="0"/>
-              <a:t>4</a:t>
-            </a:r>
-            <a:r>
-              <a:rPr spc="-30" dirty="0"/>
-              <a:t>.1</a:t>
-            </a:r>
-            <a:r>
-              <a:rPr spc="-45" dirty="0"/>
-              <a:t> </a:t>
-            </a:r>
-            <a:r>
-              <a:rPr lang="en-US" spc="-45" dirty="0" err="1"/>
-              <a:t>Comparision</a:t>
-            </a:r>
-            <a:endParaRPr spc="-20" dirty="0"/>
-          </a:p>
-        </p:txBody>
-      </p:sp>
-      <p:sp>
-        <p:nvSpPr>
-          <p:cNvPr id="7" name="TextBox 6">
-            <a:extLst>
-              <a:ext uri="{FF2B5EF4-FFF2-40B4-BE49-F238E27FC236}">
-                <a16:creationId xmlns:a16="http://schemas.microsoft.com/office/drawing/2014/main" id="{F744E719-5141-4528-8FB3-CFB9D2675FDA}"/>
-              </a:ext>
-            </a:extLst>
-          </p:cNvPr>
-          <p:cNvSpPr txBox="1"/>
-          <p:nvPr/>
-        </p:nvSpPr>
-        <p:spPr>
-          <a:xfrm>
-            <a:off x="26424" y="1806575"/>
-            <a:ext cx="4733618" cy="430887"/>
-          </a:xfrm>
-          <a:prstGeom prst="rect">
-            <a:avLst/>
-          </a:prstGeom>
-          <a:noFill/>
-        </p:spPr>
-        <p:txBody>
-          <a:bodyPr wrap="square">
-            <a:spAutoFit/>
-          </a:bodyPr>
-          <a:lstStyle/>
-          <a:p>
-            <a:pPr algn="l"/>
-            <a:r>
-              <a:rPr lang="en-US" sz="1100" b="0" i="0" u="none" strike="noStrike" baseline="0" dirty="0" err="1">
-                <a:latin typeface="VnNimbusRomanNo9L"/>
-              </a:rPr>
-              <a:t>Lợi</a:t>
-            </a:r>
-            <a:r>
-              <a:rPr lang="en-US" sz="1100" b="0" i="0" u="none" strike="noStrike" baseline="0" dirty="0">
-                <a:latin typeface="VnNimbusRomanNo9L"/>
-              </a:rPr>
-              <a:t> </a:t>
-            </a:r>
-            <a:r>
-              <a:rPr lang="en-US" sz="1100" b="0" i="0" u="none" strike="noStrike" baseline="0" dirty="0" err="1">
-                <a:latin typeface="VnNimbusRomanNo9L"/>
-              </a:rPr>
-              <a:t>thế</a:t>
-            </a:r>
-            <a:r>
-              <a:rPr lang="en-US" sz="1100" b="0" i="0" u="none" strike="noStrike" baseline="0" dirty="0">
-                <a:latin typeface="VnNimbusRomanNo9L"/>
-              </a:rPr>
-              <a:t> so </a:t>
-            </a:r>
-            <a:r>
-              <a:rPr lang="en-US" sz="1100" b="0" i="0" u="none" strike="noStrike" baseline="0" dirty="0" err="1">
-                <a:latin typeface="VnNimbusRomanNo9L"/>
-              </a:rPr>
-              <a:t>với</a:t>
-            </a:r>
-            <a:r>
-              <a:rPr lang="en-US" sz="1100" b="0" i="0" u="none" strike="noStrike" baseline="0" dirty="0">
-                <a:latin typeface="VnNimbusRomanNo9L"/>
-              </a:rPr>
-              <a:t> multi-threading </a:t>
-            </a:r>
-            <a:r>
-              <a:rPr lang="en-US" sz="1100" b="0" i="0" u="none" strike="noStrike" baseline="0" dirty="0" err="1">
-                <a:latin typeface="VnNimbusRomanNo9L"/>
-              </a:rPr>
-              <a:t>thuần</a:t>
-            </a:r>
-            <a:r>
-              <a:rPr lang="en-US" sz="1100" b="0" i="0" u="none" strike="noStrike" baseline="0" dirty="0">
-                <a:latin typeface="VnNimbusRomanNo9L"/>
-              </a:rPr>
-              <a:t> </a:t>
-            </a:r>
-            <a:r>
-              <a:rPr lang="en-US" sz="1100" b="0" i="0" u="none" strike="noStrike" baseline="0" dirty="0" err="1">
-                <a:latin typeface="VnNimbusRomanNo9L"/>
-              </a:rPr>
-              <a:t>túy</a:t>
-            </a:r>
-            <a:r>
-              <a:rPr lang="en-US" sz="1100" b="0" i="0" u="none" strike="noStrike" baseline="0" dirty="0">
-                <a:latin typeface="VnNimbusRomanNo9L"/>
-              </a:rPr>
-              <a:t>: </a:t>
-            </a:r>
-          </a:p>
-          <a:p>
-            <a:pPr algn="l"/>
-            <a:endParaRPr lang="en-US" sz="1100" b="0" i="0" u="none" strike="noStrike" baseline="0" dirty="0">
-              <a:latin typeface="VnNimbusRomanNo9L"/>
-            </a:endParaRPr>
-          </a:p>
-        </p:txBody>
-      </p:sp>
-      <p:pic>
-        <p:nvPicPr>
-          <p:cNvPr id="4" name="Picture 3">
-            <a:extLst>
-              <a:ext uri="{FF2B5EF4-FFF2-40B4-BE49-F238E27FC236}">
-                <a16:creationId xmlns:a16="http://schemas.microsoft.com/office/drawing/2014/main" id="{7A2EDCB6-5C6D-485F-B81F-14AF113B5CEE}"/>
-              </a:ext>
-            </a:extLst>
-          </p:cNvPr>
-          <p:cNvPicPr>
-            <a:picLocks noChangeAspect="1"/>
-          </p:cNvPicPr>
-          <p:nvPr/>
-        </p:nvPicPr>
-        <p:blipFill>
-          <a:blip r:embed="rId2"/>
-          <a:stretch>
-            <a:fillRect/>
-          </a:stretch>
-        </p:blipFill>
-        <p:spPr>
-          <a:xfrm>
-            <a:off x="0" y="2117186"/>
-            <a:ext cx="4610100" cy="1058874"/>
-          </a:xfrm>
-          <a:prstGeom prst="rect">
-            <a:avLst/>
-          </a:prstGeom>
-        </p:spPr>
-      </p:pic>
-      <p:pic>
-        <p:nvPicPr>
-          <p:cNvPr id="9" name="Picture 8">
-            <a:extLst>
-              <a:ext uri="{FF2B5EF4-FFF2-40B4-BE49-F238E27FC236}">
-                <a16:creationId xmlns:a16="http://schemas.microsoft.com/office/drawing/2014/main" id="{1774D7C0-0A75-4C90-B6E5-29D37AE476D5}"/>
-              </a:ext>
-            </a:extLst>
-          </p:cNvPr>
-          <p:cNvPicPr>
-            <a:picLocks noChangeAspect="1"/>
-          </p:cNvPicPr>
-          <p:nvPr/>
-        </p:nvPicPr>
-        <p:blipFill>
-          <a:blip r:embed="rId3"/>
-          <a:stretch>
-            <a:fillRect/>
-          </a:stretch>
-        </p:blipFill>
-        <p:spPr>
-          <a:xfrm>
-            <a:off x="885825" y="387350"/>
-            <a:ext cx="2838450" cy="1419225"/>
-          </a:xfrm>
-          <a:prstGeom prst="rect">
-            <a:avLst/>
-          </a:prstGeom>
-        </p:spPr>
-      </p:pic>
-    </p:spTree>
-    <p:extLst>
-      <p:ext uri="{BB962C8B-B14F-4D97-AF65-F5344CB8AC3E}">
-        <p14:creationId xmlns:p14="http://schemas.microsoft.com/office/powerpoint/2010/main" val="1735187502"/>
-      </p:ext>
-    </p:extLst>
   </p:cSld>
   <p:clrMapOvr>
     <a:masterClrMapping/>
@@ -8801,659 +6011,6 @@
           </a:prstGeom>
         </p:spPr>
       </p:pic>
-    </p:spTree>
-  </p:cSld>
-  <p:clrMapOvr>
-    <a:masterClrMapping/>
-  </p:clrMapOvr>
-  <p:transition>
-    <p:cut/>
-  </p:transition>
-</p:sld>
-</file>
-
-<file path=ppt/slides/slide20.xml><?xml version="1.0" encoding="utf-8"?>
-<p:sld xmlns:a="http://schemas.openxmlformats.org/drawingml/2006/main" xmlns:r="http://schemas.openxmlformats.org/officeDocument/2006/relationships" xmlns:p="http://schemas.openxmlformats.org/presentationml/2006/main">
-  <p:cSld>
-    <p:spTree>
-      <p:nvGrpSpPr>
-        <p:cNvPr id="1" name=""/>
-        <p:cNvGrpSpPr/>
-        <p:nvPr/>
-      </p:nvGrpSpPr>
-      <p:grpSpPr>
-        <a:xfrm>
-          <a:off x="0" y="0"/>
-          <a:ext cx="0" cy="0"/>
-          <a:chOff x="0" y="0"/>
-          <a:chExt cx="0" cy="0"/>
-        </a:xfrm>
-      </p:grpSpPr>
-      <p:sp>
-        <p:nvSpPr>
-          <p:cNvPr id="2" name="object 2"/>
-          <p:cNvSpPr txBox="1">
-            <a:spLocks noGrp="1"/>
-          </p:cNvSpPr>
-          <p:nvPr>
-            <p:ph type="title"/>
-          </p:nvPr>
-        </p:nvSpPr>
-        <p:spPr>
-          <a:xfrm>
-            <a:off x="95300" y="51933"/>
-            <a:ext cx="3186429" cy="232756"/>
-          </a:xfrm>
-          <a:prstGeom prst="rect">
-            <a:avLst/>
-          </a:prstGeom>
-        </p:spPr>
-        <p:txBody>
-          <a:bodyPr vert="horz" wrap="square" lIns="0" tIns="17145" rIns="0" bIns="0" rtlCol="0">
-            <a:spAutoFit/>
-          </a:bodyPr>
-          <a:lstStyle/>
-          <a:p>
-            <a:pPr marL="12700">
-              <a:lnSpc>
-                <a:spcPct val="100000"/>
-              </a:lnSpc>
-              <a:spcBef>
-                <a:spcPts val="135"/>
-              </a:spcBef>
-            </a:pPr>
-            <a:r>
-              <a:rPr lang="en-US" spc="-30" dirty="0"/>
-              <a:t>Conclusion</a:t>
-            </a:r>
-            <a:endParaRPr spc="-20" dirty="0"/>
-          </a:p>
-        </p:txBody>
-      </p:sp>
-      <p:sp>
-        <p:nvSpPr>
-          <p:cNvPr id="3" name="object 3"/>
-          <p:cNvSpPr txBox="1">
-            <a:spLocks noGrp="1"/>
-          </p:cNvSpPr>
-          <p:nvPr>
-            <p:ph type="body" idx="1"/>
-          </p:nvPr>
-        </p:nvSpPr>
-        <p:spPr>
-          <a:xfrm>
-            <a:off x="321894" y="866556"/>
-            <a:ext cx="3659504" cy="1229566"/>
-          </a:xfrm>
-          <a:prstGeom prst="rect">
-            <a:avLst/>
-          </a:prstGeom>
-        </p:spPr>
-        <p:txBody>
-          <a:bodyPr vert="horz" wrap="square" lIns="0" tIns="55244" rIns="0" bIns="0" rtlCol="0">
-            <a:spAutoFit/>
-          </a:bodyPr>
-          <a:lstStyle/>
-          <a:p>
-            <a:pPr marL="314960" indent="-177165">
-              <a:lnSpc>
-                <a:spcPct val="100000"/>
-              </a:lnSpc>
-              <a:spcBef>
-                <a:spcPts val="434"/>
-              </a:spcBef>
-              <a:buClr>
-                <a:srgbClr val="FF0000"/>
-              </a:buClr>
-              <a:buFont typeface="Lucida Sans Unicode"/>
-              <a:buChar char="►"/>
-              <a:tabLst>
-                <a:tab pos="314960" algn="l"/>
-              </a:tabLst>
-            </a:pPr>
-            <a:r>
-              <a:rPr lang="en-US" spc="-25" dirty="0" err="1"/>
-              <a:t>Sử</a:t>
-            </a:r>
-            <a:r>
-              <a:rPr lang="en-US" spc="-25" dirty="0"/>
-              <a:t> </a:t>
-            </a:r>
-            <a:r>
-              <a:rPr lang="en-US" spc="-25" dirty="0" err="1"/>
-              <a:t>dụng</a:t>
-            </a:r>
-            <a:r>
-              <a:rPr lang="en-US" spc="-25" dirty="0"/>
-              <a:t> async/await </a:t>
-            </a:r>
-            <a:r>
-              <a:rPr lang="en-US" spc="-25" dirty="0" err="1"/>
-              <a:t>nhanh</a:t>
-            </a:r>
-            <a:r>
-              <a:rPr lang="en-US" spc="-25" dirty="0"/>
-              <a:t> </a:t>
-            </a:r>
-            <a:r>
-              <a:rPr lang="en-US" spc="-25" dirty="0" err="1"/>
-              <a:t>hơn</a:t>
-            </a:r>
-            <a:r>
-              <a:rPr lang="en-US" spc="-25" dirty="0"/>
-              <a:t> </a:t>
-            </a:r>
-            <a:r>
-              <a:rPr lang="en-US" spc="-25" dirty="0" err="1"/>
-              <a:t>nhiều</a:t>
-            </a:r>
-            <a:r>
-              <a:rPr lang="en-US" spc="-25" dirty="0"/>
-              <a:t>, </a:t>
-            </a:r>
-            <a:r>
-              <a:rPr lang="en-US" spc="-25" dirty="0" err="1"/>
-              <a:t>đặc</a:t>
-            </a:r>
-            <a:r>
-              <a:rPr lang="en-US" spc="-25" dirty="0"/>
-              <a:t> </a:t>
-            </a:r>
-            <a:r>
-              <a:rPr lang="en-US" spc="-25" dirty="0" err="1"/>
-              <a:t>biệt</a:t>
-            </a:r>
-            <a:r>
-              <a:rPr lang="en-US" spc="-25" dirty="0"/>
-              <a:t> </a:t>
-            </a:r>
-            <a:r>
-              <a:rPr lang="en-US" spc="-25" dirty="0" err="1"/>
-              <a:t>đối</a:t>
-            </a:r>
-            <a:r>
-              <a:rPr lang="en-US" spc="-25" dirty="0"/>
-              <a:t> </a:t>
-            </a:r>
-            <a:r>
-              <a:rPr lang="en-US" spc="-25" dirty="0" err="1"/>
-              <a:t>với</a:t>
-            </a:r>
-            <a:r>
-              <a:rPr lang="en-US" spc="-25" dirty="0"/>
-              <a:t> </a:t>
-            </a:r>
-            <a:r>
-              <a:rPr lang="en-US" spc="-25" dirty="0" err="1"/>
-              <a:t>các</a:t>
-            </a:r>
-            <a:r>
-              <a:rPr lang="en-US" spc="-25" dirty="0"/>
-              <a:t> </a:t>
-            </a:r>
-            <a:r>
-              <a:rPr lang="en-US" spc="-25" dirty="0" err="1"/>
-              <a:t>tác</a:t>
-            </a:r>
-            <a:r>
-              <a:rPr lang="en-US" spc="-25" dirty="0"/>
-              <a:t> </a:t>
-            </a:r>
-            <a:r>
-              <a:rPr lang="en-US" spc="-25" dirty="0" err="1"/>
-              <a:t>vụ</a:t>
-            </a:r>
-            <a:r>
-              <a:rPr lang="en-US" spc="-25" dirty="0"/>
-              <a:t> I/O bound.</a:t>
-            </a:r>
-          </a:p>
-          <a:p>
-            <a:pPr marL="314960" indent="-177165">
-              <a:lnSpc>
-                <a:spcPct val="100000"/>
-              </a:lnSpc>
-              <a:spcBef>
-                <a:spcPts val="434"/>
-              </a:spcBef>
-              <a:buClr>
-                <a:srgbClr val="FF0000"/>
-              </a:buClr>
-              <a:buFont typeface="Lucida Sans Unicode"/>
-              <a:buChar char="►"/>
-              <a:tabLst>
-                <a:tab pos="314960" algn="l"/>
-              </a:tabLst>
-            </a:pPr>
-            <a:r>
-              <a:rPr lang="en-US" spc="-25" dirty="0" err="1"/>
-              <a:t>Tuần</a:t>
-            </a:r>
-            <a:r>
-              <a:rPr lang="en-US" spc="-25" dirty="0"/>
-              <a:t> 4 </a:t>
-            </a:r>
-            <a:r>
-              <a:rPr lang="en-US" spc="-25" dirty="0" err="1"/>
-              <a:t>tìm</a:t>
-            </a:r>
-            <a:r>
-              <a:rPr lang="en-US" spc="-25" dirty="0"/>
-              <a:t> </a:t>
-            </a:r>
-            <a:r>
-              <a:rPr lang="en-US" spc="-25" dirty="0" err="1"/>
-              <a:t>hiểu</a:t>
-            </a:r>
-            <a:r>
-              <a:rPr lang="en-US" spc="-25" dirty="0"/>
-              <a:t> </a:t>
-            </a:r>
-            <a:r>
-              <a:rPr lang="en-US" spc="-25" dirty="0" err="1"/>
-              <a:t>về</a:t>
-            </a:r>
-            <a:r>
-              <a:rPr lang="en-US" spc="-25" dirty="0"/>
-              <a:t> trait.</a:t>
-            </a:r>
-            <a:endParaRPr lang="en-US" dirty="0"/>
-          </a:p>
-          <a:p>
-            <a:pPr marL="38100" marR="575945" indent="276860">
-              <a:lnSpc>
-                <a:spcPct val="125299"/>
-              </a:lnSpc>
-              <a:buClr>
-                <a:srgbClr val="FF0000"/>
-              </a:buClr>
-              <a:buFont typeface="Lucida Sans Unicode"/>
-              <a:buChar char="►"/>
-              <a:tabLst>
-                <a:tab pos="314960" algn="l"/>
-              </a:tabLst>
-            </a:pPr>
-            <a:endParaRPr lang="en-US" dirty="0"/>
-          </a:p>
-          <a:p>
-            <a:pPr marL="0" marR="0" lvl="0" indent="0" algn="l" defTabSz="914400" eaLnBrk="1" fontAlgn="auto" latinLnBrk="0" hangingPunct="1">
-              <a:lnSpc>
-                <a:spcPct val="100000"/>
-              </a:lnSpc>
-              <a:spcBef>
-                <a:spcPts val="0"/>
-              </a:spcBef>
-              <a:spcAft>
-                <a:spcPts val="0"/>
-              </a:spcAft>
-              <a:buClrTx/>
-              <a:buSzTx/>
-              <a:buFontTx/>
-              <a:buNone/>
-              <a:tabLst/>
-              <a:defRPr/>
-            </a:pPr>
-            <a:r>
-              <a:rPr kumimoji="0" lang="en-US" sz="1400" b="0" i="0" u="none" strike="noStrike" kern="0" cap="none" spc="0" normalizeH="0" baseline="0" noProof="0" dirty="0">
-                <a:ln>
-                  <a:noFill/>
-                </a:ln>
-                <a:solidFill>
-                  <a:sysClr val="windowText" lastClr="000000"/>
-                </a:solidFill>
-                <a:effectLst/>
-                <a:uLnTx/>
-                <a:uFillTx/>
-                <a:latin typeface="Tahoma" panose="020B0604030504040204" pitchFamily="34" charset="0"/>
-                <a:ea typeface="Tahoma" panose="020B0604030504040204" pitchFamily="34" charset="0"/>
-                <a:cs typeface="Tahoma" panose="020B0604030504040204" pitchFamily="34" charset="0"/>
-              </a:rPr>
-              <a:t>Link </a:t>
-            </a:r>
-            <a:r>
-              <a:rPr kumimoji="0" lang="en-US" sz="1400" b="0" i="0" u="none" strike="noStrike" kern="0" cap="none" spc="0" normalizeH="0" baseline="0" noProof="0" dirty="0" err="1">
-                <a:ln>
-                  <a:noFill/>
-                </a:ln>
-                <a:solidFill>
-                  <a:sysClr val="windowText" lastClr="000000"/>
-                </a:solidFill>
-                <a:effectLst/>
-                <a:uLnTx/>
-                <a:uFillTx/>
-                <a:latin typeface="Tahoma" panose="020B0604030504040204" pitchFamily="34" charset="0"/>
-                <a:ea typeface="Tahoma" panose="020B0604030504040204" pitchFamily="34" charset="0"/>
-                <a:cs typeface="Tahoma" panose="020B0604030504040204" pitchFamily="34" charset="0"/>
-              </a:rPr>
-              <a:t>mã</a:t>
-            </a:r>
-            <a:r>
-              <a:rPr kumimoji="0" lang="en-US" sz="1400" b="0" i="0" u="none" strike="noStrike" kern="0" cap="none" spc="0" normalizeH="0" baseline="0" noProof="0" dirty="0">
-                <a:ln>
-                  <a:noFill/>
-                </a:ln>
-                <a:solidFill>
-                  <a:sysClr val="windowText" lastClr="000000"/>
-                </a:solidFill>
-                <a:effectLst/>
-                <a:uLnTx/>
-                <a:uFillTx/>
-                <a:latin typeface="Tahoma" panose="020B0604030504040204" pitchFamily="34" charset="0"/>
-                <a:ea typeface="Tahoma" panose="020B0604030504040204" pitchFamily="34" charset="0"/>
-                <a:cs typeface="Tahoma" panose="020B0604030504040204" pitchFamily="34" charset="0"/>
-              </a:rPr>
-              <a:t> </a:t>
-            </a:r>
-            <a:r>
-              <a:rPr kumimoji="0" lang="en-US" sz="1400" b="0" i="0" u="none" strike="noStrike" kern="0" cap="none" spc="0" normalizeH="0" baseline="0" noProof="0" dirty="0" err="1">
-                <a:ln>
-                  <a:noFill/>
-                </a:ln>
-                <a:solidFill>
-                  <a:sysClr val="windowText" lastClr="000000"/>
-                </a:solidFill>
-                <a:effectLst/>
-                <a:uLnTx/>
-                <a:uFillTx/>
-                <a:latin typeface="Tahoma" panose="020B0604030504040204" pitchFamily="34" charset="0"/>
-                <a:ea typeface="Tahoma" panose="020B0604030504040204" pitchFamily="34" charset="0"/>
-                <a:cs typeface="Tahoma" panose="020B0604030504040204" pitchFamily="34" charset="0"/>
-              </a:rPr>
-              <a:t>nguồn</a:t>
-            </a:r>
-            <a:r>
-              <a:rPr kumimoji="0" lang="en-US" sz="1400" b="0" i="0" u="none" strike="noStrike" kern="0" cap="none" spc="0" normalizeH="0" baseline="0" noProof="0" dirty="0">
-                <a:ln>
-                  <a:noFill/>
-                </a:ln>
-                <a:solidFill>
-                  <a:sysClr val="windowText" lastClr="000000"/>
-                </a:solidFill>
-                <a:effectLst/>
-                <a:uLnTx/>
-                <a:uFillTx/>
-                <a:latin typeface="Tahoma" panose="020B0604030504040204" pitchFamily="34" charset="0"/>
-                <a:ea typeface="Tahoma" panose="020B0604030504040204" pitchFamily="34" charset="0"/>
-                <a:cs typeface="Tahoma" panose="020B0604030504040204" pitchFamily="34" charset="0"/>
-              </a:rPr>
-              <a:t> ở: </a:t>
-            </a:r>
-            <a:r>
-              <a:rPr kumimoji="0" lang="en-US" sz="1400" b="0" i="0" u="none" strike="noStrike" kern="0" cap="none" spc="0" normalizeH="0" baseline="0" noProof="0" dirty="0">
-                <a:ln>
-                  <a:noFill/>
-                </a:ln>
-                <a:solidFill>
-                  <a:sysClr val="windowText" lastClr="000000"/>
-                </a:solidFill>
-                <a:effectLst/>
-                <a:uLnTx/>
-                <a:uFillTx/>
-                <a:latin typeface="Tahoma" panose="020B0604030504040204" pitchFamily="34" charset="0"/>
-                <a:ea typeface="Tahoma" panose="020B0604030504040204" pitchFamily="34" charset="0"/>
-                <a:cs typeface="Tahoma" panose="020B0604030504040204" pitchFamily="34" charset="0"/>
-                <a:hlinkClick r:id="rId2"/>
-              </a:rPr>
-              <a:t>Project 2 Rust</a:t>
-            </a:r>
-            <a:endParaRPr kumimoji="0" lang="en-US" sz="1400" b="0" i="0" u="none" strike="noStrike" kern="0" cap="none" spc="0" normalizeH="0" baseline="0" noProof="0" dirty="0">
-              <a:ln>
-                <a:noFill/>
-              </a:ln>
-              <a:solidFill>
-                <a:sysClr val="windowText" lastClr="000000"/>
-              </a:solidFill>
-              <a:effectLst/>
-              <a:uLnTx/>
-              <a:uFillTx/>
-              <a:latin typeface="Tahoma" panose="020B0604030504040204" pitchFamily="34" charset="0"/>
-              <a:ea typeface="Tahoma" panose="020B0604030504040204" pitchFamily="34" charset="0"/>
-              <a:cs typeface="Tahoma" panose="020B0604030504040204" pitchFamily="34" charset="0"/>
-            </a:endParaRPr>
-          </a:p>
-          <a:p>
-            <a:pPr marL="38100" marR="575945">
-              <a:lnSpc>
-                <a:spcPct val="125299"/>
-              </a:lnSpc>
-              <a:buClr>
-                <a:srgbClr val="FF0000"/>
-              </a:buClr>
-              <a:tabLst>
-                <a:tab pos="314960" algn="l"/>
-              </a:tabLst>
-            </a:pPr>
-            <a:endParaRPr lang="vi-VN" sz="1100" dirty="0"/>
-          </a:p>
-        </p:txBody>
-      </p:sp>
-    </p:spTree>
-    <p:extLst>
-      <p:ext uri="{BB962C8B-B14F-4D97-AF65-F5344CB8AC3E}">
-        <p14:creationId xmlns:p14="http://schemas.microsoft.com/office/powerpoint/2010/main" val="2085031572"/>
-      </p:ext>
-    </p:extLst>
-  </p:cSld>
-  <p:clrMapOvr>
-    <a:masterClrMapping/>
-  </p:clrMapOvr>
-  <p:transition>
-    <p:cut/>
-  </p:transition>
-</p:sld>
-</file>
-
-<file path=ppt/slides/slide21.xml><?xml version="1.0" encoding="utf-8"?>
-<p:sld xmlns:a="http://schemas.openxmlformats.org/drawingml/2006/main" xmlns:r="http://schemas.openxmlformats.org/officeDocument/2006/relationships" xmlns:p="http://schemas.openxmlformats.org/presentationml/2006/main">
-  <p:cSld>
-    <p:spTree>
-      <p:nvGrpSpPr>
-        <p:cNvPr id="1" name=""/>
-        <p:cNvGrpSpPr/>
-        <p:nvPr/>
-      </p:nvGrpSpPr>
-      <p:grpSpPr>
-        <a:xfrm>
-          <a:off x="0" y="0"/>
-          <a:ext cx="0" cy="0"/>
-          <a:chOff x="0" y="0"/>
-          <a:chExt cx="0" cy="0"/>
-        </a:xfrm>
-      </p:grpSpPr>
-      <p:sp>
-        <p:nvSpPr>
-          <p:cNvPr id="3" name="TextBox 2">
-            <a:extLst>
-              <a:ext uri="{FF2B5EF4-FFF2-40B4-BE49-F238E27FC236}">
-                <a16:creationId xmlns:a16="http://schemas.microsoft.com/office/drawing/2014/main" id="{C0AE6361-7859-4F59-AF1A-199447DC031F}"/>
-              </a:ext>
-            </a:extLst>
-          </p:cNvPr>
-          <p:cNvSpPr txBox="1"/>
-          <p:nvPr/>
-        </p:nvSpPr>
-        <p:spPr>
-          <a:xfrm>
-            <a:off x="400050" y="663575"/>
-            <a:ext cx="3810000" cy="2046714"/>
-          </a:xfrm>
-          <a:prstGeom prst="rect">
-            <a:avLst/>
-          </a:prstGeom>
-          <a:noFill/>
-        </p:spPr>
-        <p:txBody>
-          <a:bodyPr wrap="square" rtlCol="0">
-            <a:spAutoFit/>
-          </a:bodyPr>
-          <a:lstStyle/>
-          <a:p>
-            <a:pPr algn="ctr"/>
-            <a:r>
-              <a:rPr lang="en-US" b="1" dirty="0" err="1">
-                <a:latin typeface="Tahoma" panose="020B0604030504040204" pitchFamily="34" charset="0"/>
-                <a:ea typeface="Tahoma" panose="020B0604030504040204" pitchFamily="34" charset="0"/>
-                <a:cs typeface="Tahoma" panose="020B0604030504040204" pitchFamily="34" charset="0"/>
-              </a:rPr>
-              <a:t>Tài</a:t>
-            </a:r>
-            <a:r>
-              <a:rPr lang="en-US" b="1" dirty="0">
-                <a:latin typeface="Tahoma" panose="020B0604030504040204" pitchFamily="34" charset="0"/>
-                <a:ea typeface="Tahoma" panose="020B0604030504040204" pitchFamily="34" charset="0"/>
-                <a:cs typeface="Tahoma" panose="020B0604030504040204" pitchFamily="34" charset="0"/>
-              </a:rPr>
-              <a:t> </a:t>
-            </a:r>
-            <a:r>
-              <a:rPr lang="en-US" b="1" dirty="0" err="1">
-                <a:latin typeface="Tahoma" panose="020B0604030504040204" pitchFamily="34" charset="0"/>
-                <a:ea typeface="Tahoma" panose="020B0604030504040204" pitchFamily="34" charset="0"/>
-                <a:cs typeface="Tahoma" panose="020B0604030504040204" pitchFamily="34" charset="0"/>
-              </a:rPr>
-              <a:t>liệu</a:t>
-            </a:r>
-            <a:r>
-              <a:rPr lang="en-US" b="1" dirty="0">
-                <a:latin typeface="Tahoma" panose="020B0604030504040204" pitchFamily="34" charset="0"/>
-                <a:ea typeface="Tahoma" panose="020B0604030504040204" pitchFamily="34" charset="0"/>
-                <a:cs typeface="Tahoma" panose="020B0604030504040204" pitchFamily="34" charset="0"/>
-              </a:rPr>
-              <a:t> </a:t>
-            </a:r>
-            <a:r>
-              <a:rPr lang="en-US" b="1" dirty="0" err="1">
-                <a:latin typeface="Tahoma" panose="020B0604030504040204" pitchFamily="34" charset="0"/>
-                <a:ea typeface="Tahoma" panose="020B0604030504040204" pitchFamily="34" charset="0"/>
-                <a:cs typeface="Tahoma" panose="020B0604030504040204" pitchFamily="34" charset="0"/>
-              </a:rPr>
-              <a:t>tham</a:t>
-            </a:r>
-            <a:r>
-              <a:rPr lang="en-US" b="1" dirty="0">
-                <a:latin typeface="Tahoma" panose="020B0604030504040204" pitchFamily="34" charset="0"/>
-                <a:ea typeface="Tahoma" panose="020B0604030504040204" pitchFamily="34" charset="0"/>
-                <a:cs typeface="Tahoma" panose="020B0604030504040204" pitchFamily="34" charset="0"/>
-              </a:rPr>
-              <a:t> </a:t>
-            </a:r>
-            <a:r>
-              <a:rPr lang="en-US" b="1" dirty="0" err="1">
-                <a:latin typeface="Tahoma" panose="020B0604030504040204" pitchFamily="34" charset="0"/>
-                <a:ea typeface="Tahoma" panose="020B0604030504040204" pitchFamily="34" charset="0"/>
-                <a:cs typeface="Tahoma" panose="020B0604030504040204" pitchFamily="34" charset="0"/>
-              </a:rPr>
-              <a:t>khảo</a:t>
-            </a:r>
-            <a:endParaRPr lang="en-US" b="1" dirty="0">
-              <a:latin typeface="Tahoma" panose="020B0604030504040204" pitchFamily="34" charset="0"/>
-              <a:ea typeface="Tahoma" panose="020B0604030504040204" pitchFamily="34" charset="0"/>
-              <a:cs typeface="Tahoma" panose="020B0604030504040204" pitchFamily="34" charset="0"/>
-            </a:endParaRPr>
-          </a:p>
-          <a:p>
-            <a:pPr algn="ctr"/>
-            <a:endParaRPr lang="en-US" sz="1400" dirty="0">
-              <a:latin typeface="Tahoma" panose="020B0604030504040204" pitchFamily="34" charset="0"/>
-              <a:ea typeface="Tahoma" panose="020B0604030504040204" pitchFamily="34" charset="0"/>
-              <a:cs typeface="Tahoma" panose="020B0604030504040204" pitchFamily="34" charset="0"/>
-            </a:endParaRPr>
-          </a:p>
-          <a:p>
-            <a:pPr marL="228600" indent="-228600" algn="l">
-              <a:buAutoNum type="arabicPeriod"/>
-            </a:pPr>
-            <a:r>
-              <a:rPr lang="en-US" sz="1400" dirty="0">
-                <a:latin typeface="Tahoma" panose="020B0604030504040204" pitchFamily="34" charset="0"/>
-                <a:ea typeface="Tahoma" panose="020B0604030504040204" pitchFamily="34" charset="0"/>
-                <a:cs typeface="Tahoma" panose="020B0604030504040204" pitchFamily="34" charset="0"/>
-              </a:rPr>
-              <a:t>Sylvain </a:t>
-            </a:r>
-            <a:r>
-              <a:rPr lang="en-US" sz="1400" dirty="0" err="1">
-                <a:latin typeface="Tahoma" panose="020B0604030504040204" pitchFamily="34" charset="0"/>
-                <a:ea typeface="Tahoma" panose="020B0604030504040204" pitchFamily="34" charset="0"/>
-                <a:cs typeface="Tahoma" panose="020B0604030504040204" pitchFamily="34" charset="0"/>
-              </a:rPr>
-              <a:t>Kerkour</a:t>
-            </a:r>
-            <a:r>
-              <a:rPr lang="en-US" sz="1400" dirty="0">
-                <a:latin typeface="Tahoma" panose="020B0604030504040204" pitchFamily="34" charset="0"/>
-                <a:ea typeface="Tahoma" panose="020B0604030504040204" pitchFamily="34" charset="0"/>
-                <a:cs typeface="Tahoma" panose="020B0604030504040204" pitchFamily="34" charset="0"/>
-              </a:rPr>
-              <a:t>, Black Hat Rust.</a:t>
-            </a:r>
-          </a:p>
-          <a:p>
-            <a:pPr marL="228600" indent="-228600" algn="l">
-              <a:buAutoNum type="arabicPeriod"/>
-            </a:pPr>
-            <a:endParaRPr lang="en-US" sz="1400" dirty="0">
-              <a:latin typeface="Tahoma" panose="020B0604030504040204" pitchFamily="34" charset="0"/>
-              <a:ea typeface="Tahoma" panose="020B0604030504040204" pitchFamily="34" charset="0"/>
-              <a:cs typeface="Tahoma" panose="020B0604030504040204" pitchFamily="34" charset="0"/>
-            </a:endParaRPr>
-          </a:p>
-          <a:p>
-            <a:pPr marL="228600" indent="-228600" algn="l">
-              <a:buAutoNum type="arabicPeriod"/>
-            </a:pPr>
-            <a:r>
-              <a:rPr lang="en-US" sz="1400" dirty="0">
-                <a:latin typeface="Tahoma" panose="020B0604030504040204" pitchFamily="34" charset="0"/>
-                <a:ea typeface="Tahoma" panose="020B0604030504040204" pitchFamily="34" charset="0"/>
-                <a:cs typeface="Tahoma" panose="020B0604030504040204" pitchFamily="34" charset="0"/>
-              </a:rPr>
-              <a:t>Tech With Tim, Rust Programming Tutorial</a:t>
-            </a:r>
-          </a:p>
-          <a:p>
-            <a:pPr marL="228600" indent="-228600" algn="l">
-              <a:buAutoNum type="arabicPeriod"/>
-            </a:pPr>
-            <a:endParaRPr lang="en-US" sz="1400" dirty="0">
-              <a:latin typeface="Tahoma" panose="020B0604030504040204" pitchFamily="34" charset="0"/>
-              <a:ea typeface="Tahoma" panose="020B0604030504040204" pitchFamily="34" charset="0"/>
-              <a:cs typeface="Tahoma" panose="020B0604030504040204" pitchFamily="34" charset="0"/>
-            </a:endParaRPr>
-          </a:p>
-          <a:p>
-            <a:pPr marL="228600" indent="-228600" algn="l">
-              <a:buAutoNum type="arabicPeriod"/>
-            </a:pPr>
-            <a:r>
-              <a:rPr lang="en-US" sz="1400" dirty="0">
-                <a:latin typeface="Tahoma" panose="020B0604030504040204" pitchFamily="34" charset="0"/>
-                <a:ea typeface="Tahoma" panose="020B0604030504040204" pitchFamily="34" charset="0"/>
-                <a:cs typeface="Tahoma" panose="020B0604030504040204" pitchFamily="34" charset="0"/>
-              </a:rPr>
-              <a:t>Let’s Get Rusty, Rust Survival Guide</a:t>
-            </a:r>
-          </a:p>
-          <a:p>
-            <a:pPr marL="228600" indent="-228600" algn="l">
-              <a:buAutoNum type="arabicPeriod"/>
-            </a:pPr>
-            <a:endParaRPr lang="en-US" sz="1400" dirty="0">
-              <a:latin typeface="Tahoma" panose="020B0604030504040204" pitchFamily="34" charset="0"/>
-              <a:ea typeface="Tahoma" panose="020B0604030504040204" pitchFamily="34" charset="0"/>
-              <a:cs typeface="Tahoma" panose="020B0604030504040204" pitchFamily="34" charset="0"/>
-            </a:endParaRPr>
-          </a:p>
-          <a:p>
-            <a:pPr algn="l"/>
-            <a:endParaRPr lang="en-US" sz="1100" dirty="0">
-              <a:latin typeface="Tahoma" panose="020B0604030504040204" pitchFamily="34" charset="0"/>
-              <a:ea typeface="Tahoma" panose="020B0604030504040204" pitchFamily="34" charset="0"/>
-              <a:cs typeface="Tahoma" panose="020B0604030504040204" pitchFamily="34" charset="0"/>
-            </a:endParaRPr>
-          </a:p>
-        </p:txBody>
-      </p:sp>
     </p:spTree>
   </p:cSld>
   <p:clrMapOvr>
